--- a/apache_spark/poster/Spark_Presentation.pptx
+++ b/apache_spark/poster/Spark_Presentation.pptx
@@ -10,6 +10,20 @@
     <p:sldId id="258" r:id="rId4"/>
     <p:sldId id="259" r:id="rId5"/>
     <p:sldId id="260" r:id="rId6"/>
+    <p:sldId id="261" r:id="rId7"/>
+    <p:sldId id="262" r:id="rId8"/>
+    <p:sldId id="263" r:id="rId9"/>
+    <p:sldId id="264" r:id="rId10"/>
+    <p:sldId id="265" r:id="rId11"/>
+    <p:sldId id="266" r:id="rId12"/>
+    <p:sldId id="267" r:id="rId13"/>
+    <p:sldId id="268" r:id="rId14"/>
+    <p:sldId id="269" r:id="rId15"/>
+    <p:sldId id="270" r:id="rId16"/>
+    <p:sldId id="272" r:id="rId17"/>
+    <p:sldId id="271" r:id="rId18"/>
+    <p:sldId id="273" r:id="rId19"/>
+    <p:sldId id="274" r:id="rId20"/>
   </p:sldIdLst>
   <p:sldSz cx="9144000" cy="6858000" type="screen4x3"/>
   <p:notesSz cx="6858000" cy="9144000"/>
@@ -346,7 +360,7 @@
           <a:p>
             <a:fld id="{D140825E-4A15-4D39-8176-1F07E904CB30}" type="datetimeFigureOut">
               <a:rPr lang="en-US" smtClean="0"/>
-              <a:t>18/01/15</a:t>
+              <a:t>19/01/15</a:t>
             </a:fld>
             <a:endParaRPr lang="en-US"/>
           </a:p>
@@ -437,7 +451,7 @@
           <a:p>
             <a:fld id="{D140825E-4A15-4D39-8176-1F07E904CB30}" type="datetimeFigureOut">
               <a:rPr lang="en-US" smtClean="0"/>
-              <a:t>18/01/15</a:t>
+              <a:t>19/01/15</a:t>
             </a:fld>
             <a:endParaRPr lang="en-US"/>
           </a:p>
@@ -740,7 +754,7 @@
           <a:p>
             <a:fld id="{D140825E-4A15-4D39-8176-1F07E904CB30}" type="datetimeFigureOut">
               <a:rPr lang="en-US" smtClean="0"/>
-              <a:t>18/01/15</a:t>
+              <a:t>19/01/15</a:t>
             </a:fld>
             <a:endParaRPr lang="en-US"/>
           </a:p>
@@ -961,7 +975,7 @@
           <a:p>
             <a:fld id="{D140825E-4A15-4D39-8176-1F07E904CB30}" type="datetimeFigureOut">
               <a:rPr lang="en-US" smtClean="0"/>
-              <a:t>18/01/15</a:t>
+              <a:t>19/01/15</a:t>
             </a:fld>
             <a:endParaRPr lang="en-US"/>
           </a:p>
@@ -1349,7 +1363,7 @@
           <a:p>
             <a:fld id="{D140825E-4A15-4D39-8176-1F07E904CB30}" type="datetimeFigureOut">
               <a:rPr lang="en-US" smtClean="0"/>
-              <a:t>18/01/15</a:t>
+              <a:t>19/01/15</a:t>
             </a:fld>
             <a:endParaRPr lang="en-US"/>
           </a:p>
@@ -1657,7 +1671,7 @@
           <a:p>
             <a:fld id="{D140825E-4A15-4D39-8176-1F07E904CB30}" type="datetimeFigureOut">
               <a:rPr lang="en-US" smtClean="0"/>
-              <a:t>18/01/15</a:t>
+              <a:t>19/01/15</a:t>
             </a:fld>
             <a:endParaRPr lang="en-US"/>
           </a:p>
@@ -1855,7 +1869,7 @@
           <a:p>
             <a:fld id="{D140825E-4A15-4D39-8176-1F07E904CB30}" type="datetimeFigureOut">
               <a:rPr lang="en-US" smtClean="0"/>
-              <a:t>18/01/15</a:t>
+              <a:t>19/01/15</a:t>
             </a:fld>
             <a:endParaRPr lang="en-US"/>
           </a:p>
@@ -2058,7 +2072,7 @@
           <a:p>
             <a:fld id="{D140825E-4A15-4D39-8176-1F07E904CB30}" type="datetimeFigureOut">
               <a:rPr lang="en-US" smtClean="0"/>
-              <a:t>18/01/15</a:t>
+              <a:t>19/01/15</a:t>
             </a:fld>
             <a:endParaRPr lang="en-US"/>
           </a:p>
@@ -2251,7 +2265,7 @@
           <a:p>
             <a:fld id="{D140825E-4A15-4D39-8176-1F07E904CB30}" type="datetimeFigureOut">
               <a:rPr lang="en-US" smtClean="0"/>
-              <a:t>18/01/15</a:t>
+              <a:t>19/01/15</a:t>
             </a:fld>
             <a:endParaRPr lang="en-US"/>
           </a:p>
@@ -2523,7 +2537,7 @@
           <a:p>
             <a:fld id="{D140825E-4A15-4D39-8176-1F07E904CB30}" type="datetimeFigureOut">
               <a:rPr lang="en-US" smtClean="0"/>
-              <a:t>18/01/15</a:t>
+              <a:t>19/01/15</a:t>
             </a:fld>
             <a:endParaRPr lang="en-US"/>
           </a:p>
@@ -2834,7 +2848,7 @@
           <a:p>
             <a:fld id="{D140825E-4A15-4D39-8176-1F07E904CB30}" type="datetimeFigureOut">
               <a:rPr lang="en-US" smtClean="0"/>
-              <a:t>18/01/15</a:t>
+              <a:t>19/01/15</a:t>
             </a:fld>
             <a:endParaRPr lang="en-US"/>
           </a:p>
@@ -3300,7 +3314,7 @@
           <a:p>
             <a:fld id="{D140825E-4A15-4D39-8176-1F07E904CB30}" type="datetimeFigureOut">
               <a:rPr lang="en-US" smtClean="0"/>
-              <a:t>18/01/15</a:t>
+              <a:t>19/01/15</a:t>
             </a:fld>
             <a:endParaRPr lang="en-US"/>
           </a:p>
@@ -3664,7 +3678,7 @@
           <a:p>
             <a:fld id="{D140825E-4A15-4D39-8176-1F07E904CB30}" type="datetimeFigureOut">
               <a:rPr lang="en-US" smtClean="0"/>
-              <a:t>18/01/15</a:t>
+              <a:t>19/01/15</a:t>
             </a:fld>
             <a:endParaRPr lang="en-US"/>
           </a:p>
@@ -3975,7 +3989,7 @@
           <a:p>
             <a:fld id="{D140825E-4A15-4D39-8176-1F07E904CB30}" type="datetimeFigureOut">
               <a:rPr lang="en-US" smtClean="0"/>
-              <a:t>18/01/15</a:t>
+              <a:t>19/01/15</a:t>
             </a:fld>
             <a:endParaRPr lang="en-US"/>
           </a:p>
@@ -4286,7 +4300,7 @@
           <a:p>
             <a:fld id="{D140825E-4A15-4D39-8176-1F07E904CB30}" type="datetimeFigureOut">
               <a:rPr lang="en-US" smtClean="0"/>
-              <a:t>18/01/15</a:t>
+              <a:t>19/01/15</a:t>
             </a:fld>
             <a:endParaRPr lang="en-US"/>
           </a:p>
@@ -4771,7 +4785,7 @@
           <a:p>
             <a:fld id="{D140825E-4A15-4D39-8176-1F07E904CB30}" type="datetimeFigureOut">
               <a:rPr lang="en-US" smtClean="0"/>
-              <a:t>18/01/15</a:t>
+              <a:t>19/01/15</a:t>
             </a:fld>
             <a:endParaRPr lang="en-US"/>
           </a:p>
@@ -5034,7 +5048,7 @@
           <a:p>
             <a:fld id="{D140825E-4A15-4D39-8176-1F07E904CB30}" type="datetimeFigureOut">
               <a:rPr lang="en-US" smtClean="0"/>
-              <a:t>18/01/15</a:t>
+              <a:t>19/01/15</a:t>
             </a:fld>
             <a:endParaRPr lang="en-US"/>
           </a:p>
@@ -5590,6 +5604,3681 @@
 </p:sld>
 </file>
 
+<file path=ppt/slides/slide10.xml><?xml version="1.0" encoding="utf-8"?>
+<p:sld xmlns:a="http://schemas.openxmlformats.org/drawingml/2006/main" xmlns:r="http://schemas.openxmlformats.org/officeDocument/2006/relationships" xmlns:p="http://schemas.openxmlformats.org/presentationml/2006/main">
+  <p:cSld>
+    <p:spTree>
+      <p:nvGrpSpPr>
+        <p:cNvPr id="1" name=""/>
+        <p:cNvGrpSpPr/>
+        <p:nvPr/>
+      </p:nvGrpSpPr>
+      <p:grpSpPr>
+        <a:xfrm>
+          <a:off x="0" y="0"/>
+          <a:ext cx="0" cy="0"/>
+          <a:chOff x="0" y="0"/>
+          <a:chExt cx="0" cy="0"/>
+        </a:xfrm>
+      </p:grpSpPr>
+      <p:sp>
+        <p:nvSpPr>
+          <p:cNvPr id="2" name="Titel 1"/>
+          <p:cNvSpPr>
+            <a:spLocks noGrp="1"/>
+          </p:cNvSpPr>
+          <p:nvPr>
+            <p:ph type="title"/>
+          </p:nvPr>
+        </p:nvSpPr>
+        <p:spPr/>
+        <p:txBody>
+          <a:bodyPr/>
+          <a:lstStyle/>
+          <a:p>
+            <a:pPr algn="ctr"/>
+            <a:r>
+              <a:rPr lang="de-DE" dirty="0" smtClean="0">
+                <a:latin typeface="Avenir Black Oblique"/>
+                <a:cs typeface="Avenir Black Oblique"/>
+              </a:rPr>
+              <a:t>Apache Spark</a:t>
+            </a:r>
+            <a:endParaRPr lang="de-DE" dirty="0">
+              <a:latin typeface="Avenir Black Oblique"/>
+              <a:cs typeface="Avenir Black Oblique"/>
+            </a:endParaRPr>
+          </a:p>
+        </p:txBody>
+      </p:sp>
+      <p:pic>
+        <p:nvPicPr>
+          <p:cNvPr id="5" name="Bild 4" descr="Spark1.eps"/>
+          <p:cNvPicPr>
+            <a:picLocks noChangeAspect="1"/>
+          </p:cNvPicPr>
+          <p:nvPr/>
+        </p:nvPicPr>
+        <p:blipFill>
+          <a:blip r:embed="rId2">
+            <a:extLst>
+              <a:ext uri="{28A0092B-C50C-407E-A947-70E740481C1C}">
+                <a14:useLocalDpi xmlns:a14="http://schemas.microsoft.com/office/drawing/2010/main" val="0"/>
+              </a:ext>
+            </a:extLst>
+          </a:blip>
+          <a:stretch>
+            <a:fillRect/>
+          </a:stretch>
+        </p:blipFill>
+        <p:spPr>
+          <a:xfrm>
+            <a:off x="1384300" y="1645865"/>
+            <a:ext cx="6375400" cy="3911600"/>
+          </a:xfrm>
+          <a:prstGeom prst="rect">
+            <a:avLst/>
+          </a:prstGeom>
+          <a:ln>
+            <a:solidFill>
+              <a:schemeClr val="accent5">
+                <a:lumMod val="60000"/>
+                <a:lumOff val="40000"/>
+              </a:schemeClr>
+            </a:solidFill>
+          </a:ln>
+          <a:effectLst>
+            <a:outerShdw blurRad="50800" dist="38100" dir="2700000" algn="tl" rotWithShape="0">
+              <a:srgbClr val="000000">
+                <a:alpha val="43000"/>
+              </a:srgbClr>
+            </a:outerShdw>
+          </a:effectLst>
+        </p:spPr>
+      </p:pic>
+      <p:sp>
+        <p:nvSpPr>
+          <p:cNvPr id="7" name="Textfeld 6"/>
+          <p:cNvSpPr txBox="1"/>
+          <p:nvPr/>
+        </p:nvSpPr>
+        <p:spPr>
+          <a:xfrm>
+            <a:off x="2572691" y="5685306"/>
+            <a:ext cx="3938814" cy="369332"/>
+          </a:xfrm>
+          <a:prstGeom prst="rect">
+            <a:avLst/>
+          </a:prstGeom>
+          <a:noFill/>
+        </p:spPr>
+        <p:txBody>
+          <a:bodyPr wrap="none" rtlCol="0">
+            <a:spAutoFit/>
+          </a:bodyPr>
+          <a:lstStyle/>
+          <a:p>
+            <a:r>
+              <a:rPr lang="de-DE" i="1" dirty="0" smtClean="0">
+                <a:solidFill>
+                  <a:srgbClr val="FFFFFF"/>
+                </a:solidFill>
+                <a:latin typeface="Avenir Heavy"/>
+                <a:cs typeface="Avenir Heavy"/>
+              </a:rPr>
+              <a:t>„</a:t>
+            </a:r>
+            <a:r>
+              <a:rPr lang="de-DE" i="1" dirty="0" err="1" smtClean="0">
+                <a:solidFill>
+                  <a:srgbClr val="FFFFFF"/>
+                </a:solidFill>
+                <a:latin typeface="Avenir Heavy"/>
+                <a:cs typeface="Avenir Heavy"/>
+              </a:rPr>
+              <a:t>Lightning</a:t>
+            </a:r>
+            <a:r>
+              <a:rPr lang="de-DE" i="1" dirty="0">
+                <a:solidFill>
+                  <a:srgbClr val="FFFFFF"/>
+                </a:solidFill>
+                <a:latin typeface="Avenir Heavy"/>
+                <a:cs typeface="Avenir Heavy"/>
+              </a:rPr>
+              <a:t>-fast </a:t>
+            </a:r>
+            <a:r>
+              <a:rPr lang="de-DE" i="1" dirty="0" err="1">
+                <a:solidFill>
+                  <a:srgbClr val="FFFFFF"/>
+                </a:solidFill>
+                <a:latin typeface="Avenir Heavy"/>
+                <a:cs typeface="Avenir Heavy"/>
+              </a:rPr>
+              <a:t>cluster</a:t>
+            </a:r>
+            <a:r>
+              <a:rPr lang="de-DE" i="1" dirty="0">
+                <a:solidFill>
+                  <a:srgbClr val="FFFFFF"/>
+                </a:solidFill>
+                <a:latin typeface="Avenir Heavy"/>
+                <a:cs typeface="Avenir Heavy"/>
+              </a:rPr>
+              <a:t> </a:t>
+            </a:r>
+            <a:r>
+              <a:rPr lang="de-DE" i="1" dirty="0" err="1" smtClean="0">
+                <a:solidFill>
+                  <a:srgbClr val="FFFFFF"/>
+                </a:solidFill>
+                <a:latin typeface="Avenir Heavy"/>
+                <a:cs typeface="Avenir Heavy"/>
+              </a:rPr>
+              <a:t>computing</a:t>
+            </a:r>
+            <a:r>
+              <a:rPr lang="de-DE" i="1" dirty="0" smtClean="0">
+                <a:solidFill>
+                  <a:srgbClr val="FFFFFF"/>
+                </a:solidFill>
+                <a:latin typeface="Avenir Heavy"/>
+                <a:cs typeface="Avenir Heavy"/>
+              </a:rPr>
+              <a:t>“</a:t>
+            </a:r>
+            <a:endParaRPr lang="de-DE" dirty="0">
+              <a:solidFill>
+                <a:srgbClr val="FFFFFF"/>
+              </a:solidFill>
+              <a:latin typeface="Avenir Heavy"/>
+              <a:cs typeface="Avenir Heavy"/>
+            </a:endParaRPr>
+          </a:p>
+        </p:txBody>
+      </p:sp>
+    </p:spTree>
+    <p:extLst>
+      <p:ext uri="{BB962C8B-B14F-4D97-AF65-F5344CB8AC3E}">
+        <p14:creationId xmlns:p14="http://schemas.microsoft.com/office/powerpoint/2010/main" val="1051269514"/>
+      </p:ext>
+    </p:extLst>
+  </p:cSld>
+  <p:clrMapOvr>
+    <a:masterClrMapping/>
+  </p:clrMapOvr>
+  <p:timing>
+    <p:tnLst>
+      <p:par>
+        <p:cTn xmlns:p14="http://schemas.microsoft.com/office/powerpoint/2010/main" id="1" dur="indefinite" restart="never" nodeType="tmRoot"/>
+      </p:par>
+    </p:tnLst>
+  </p:timing>
+</p:sld>
+</file>
+
+<file path=ppt/slides/slide11.xml><?xml version="1.0" encoding="utf-8"?>
+<p:sld xmlns:a="http://schemas.openxmlformats.org/drawingml/2006/main" xmlns:r="http://schemas.openxmlformats.org/officeDocument/2006/relationships" xmlns:p="http://schemas.openxmlformats.org/presentationml/2006/main">
+  <p:cSld>
+    <p:spTree>
+      <p:nvGrpSpPr>
+        <p:cNvPr id="1" name=""/>
+        <p:cNvGrpSpPr/>
+        <p:nvPr/>
+      </p:nvGrpSpPr>
+      <p:grpSpPr>
+        <a:xfrm>
+          <a:off x="0" y="0"/>
+          <a:ext cx="0" cy="0"/>
+          <a:chOff x="0" y="0"/>
+          <a:chExt cx="0" cy="0"/>
+        </a:xfrm>
+      </p:grpSpPr>
+      <p:sp>
+        <p:nvSpPr>
+          <p:cNvPr id="2" name="Titel 1"/>
+          <p:cNvSpPr>
+            <a:spLocks noGrp="1"/>
+          </p:cNvSpPr>
+          <p:nvPr>
+            <p:ph type="title"/>
+          </p:nvPr>
+        </p:nvSpPr>
+        <p:spPr/>
+        <p:txBody>
+          <a:bodyPr/>
+          <a:lstStyle/>
+          <a:p>
+            <a:pPr algn="ctr"/>
+            <a:r>
+              <a:rPr lang="de-DE" dirty="0" smtClean="0">
+                <a:latin typeface="Avenir Black Oblique"/>
+                <a:cs typeface="Avenir Black Oblique"/>
+              </a:rPr>
+              <a:t>Was ist Apache Spark?</a:t>
+            </a:r>
+            <a:endParaRPr lang="de-DE" dirty="0">
+              <a:latin typeface="Avenir Black Oblique"/>
+              <a:cs typeface="Avenir Black Oblique"/>
+            </a:endParaRPr>
+          </a:p>
+        </p:txBody>
+      </p:sp>
+      <p:sp>
+        <p:nvSpPr>
+          <p:cNvPr id="3" name="Inhaltsplatzhalter 2"/>
+          <p:cNvSpPr>
+            <a:spLocks noGrp="1"/>
+          </p:cNvSpPr>
+          <p:nvPr>
+            <p:ph idx="1"/>
+          </p:nvPr>
+        </p:nvSpPr>
+        <p:spPr/>
+        <p:txBody>
+          <a:bodyPr>
+            <a:normAutofit fontScale="85000" lnSpcReduction="20000"/>
+          </a:bodyPr>
+          <a:lstStyle/>
+          <a:p>
+            <a:r>
+              <a:rPr lang="de-DE" dirty="0" smtClean="0">
+                <a:latin typeface="Avenir Book"/>
+                <a:cs typeface="Avenir Book"/>
+              </a:rPr>
+              <a:t>„...a </a:t>
+            </a:r>
+            <a:r>
+              <a:rPr lang="de-DE" dirty="0">
+                <a:latin typeface="Avenir Book"/>
+                <a:cs typeface="Avenir Book"/>
+              </a:rPr>
+              <a:t>fast </a:t>
+            </a:r>
+            <a:r>
+              <a:rPr lang="de-DE" dirty="0" err="1">
+                <a:latin typeface="Avenir Book"/>
+                <a:cs typeface="Avenir Book"/>
+              </a:rPr>
+              <a:t>and</a:t>
+            </a:r>
+            <a:r>
+              <a:rPr lang="de-DE" dirty="0">
+                <a:latin typeface="Avenir Book"/>
+                <a:cs typeface="Avenir Book"/>
+              </a:rPr>
+              <a:t> </a:t>
+            </a:r>
+            <a:r>
+              <a:rPr lang="de-DE" dirty="0" err="1">
+                <a:latin typeface="Avenir Book"/>
+                <a:cs typeface="Avenir Book"/>
+              </a:rPr>
+              <a:t>general</a:t>
+            </a:r>
+            <a:r>
+              <a:rPr lang="de-DE" dirty="0">
+                <a:latin typeface="Avenir Book"/>
+                <a:cs typeface="Avenir Book"/>
+              </a:rPr>
+              <a:t> </a:t>
+            </a:r>
+            <a:r>
+              <a:rPr lang="de-DE" dirty="0" err="1">
+                <a:latin typeface="Avenir Book"/>
+                <a:cs typeface="Avenir Book"/>
+              </a:rPr>
+              <a:t>engine</a:t>
+            </a:r>
+            <a:r>
+              <a:rPr lang="de-DE" dirty="0">
+                <a:latin typeface="Avenir Book"/>
+                <a:cs typeface="Avenir Book"/>
+              </a:rPr>
+              <a:t> </a:t>
+            </a:r>
+            <a:r>
+              <a:rPr lang="de-DE" dirty="0" err="1">
+                <a:latin typeface="Avenir Book"/>
+                <a:cs typeface="Avenir Book"/>
+              </a:rPr>
+              <a:t>for</a:t>
+            </a:r>
+            <a:r>
+              <a:rPr lang="de-DE" dirty="0">
+                <a:latin typeface="Avenir Book"/>
+                <a:cs typeface="Avenir Book"/>
+              </a:rPr>
+              <a:t> large-</a:t>
+            </a:r>
+            <a:r>
+              <a:rPr lang="de-DE" dirty="0" err="1">
+                <a:latin typeface="Avenir Book"/>
+                <a:cs typeface="Avenir Book"/>
+              </a:rPr>
+              <a:t>scale</a:t>
+            </a:r>
+            <a:r>
+              <a:rPr lang="de-DE" dirty="0">
+                <a:latin typeface="Avenir Book"/>
+                <a:cs typeface="Avenir Book"/>
+              </a:rPr>
+              <a:t> </a:t>
+            </a:r>
+            <a:r>
+              <a:rPr lang="de-DE" dirty="0" err="1" smtClean="0">
+                <a:latin typeface="Avenir Book"/>
+                <a:cs typeface="Avenir Book"/>
+              </a:rPr>
+              <a:t>data</a:t>
+            </a:r>
+            <a:r>
+              <a:rPr lang="de-DE" dirty="0" smtClean="0">
+                <a:latin typeface="Avenir Book"/>
+                <a:cs typeface="Avenir Book"/>
+              </a:rPr>
+              <a:t>“</a:t>
+            </a:r>
+          </a:p>
+          <a:p>
+            <a:r>
+              <a:rPr lang="de-DE" dirty="0" smtClean="0">
+                <a:latin typeface="Avenir Book"/>
+                <a:cs typeface="Avenir Book"/>
+              </a:rPr>
+              <a:t>„</a:t>
+            </a:r>
+            <a:r>
+              <a:rPr lang="de-DE" dirty="0">
+                <a:latin typeface="Avenir Book"/>
+                <a:cs typeface="Avenir Book"/>
+              </a:rPr>
+              <a:t>R</a:t>
+            </a:r>
+            <a:r>
+              <a:rPr lang="de-DE" dirty="0" smtClean="0">
+                <a:latin typeface="Avenir Book"/>
+                <a:cs typeface="Avenir Book"/>
+              </a:rPr>
+              <a:t>un </a:t>
+            </a:r>
+            <a:r>
+              <a:rPr lang="de-DE" dirty="0" err="1">
+                <a:latin typeface="Avenir Book"/>
+                <a:cs typeface="Avenir Book"/>
+              </a:rPr>
+              <a:t>programs</a:t>
+            </a:r>
+            <a:r>
+              <a:rPr lang="de-DE" dirty="0">
+                <a:latin typeface="Avenir Book"/>
+                <a:cs typeface="Avenir Book"/>
+              </a:rPr>
+              <a:t> </a:t>
+            </a:r>
+            <a:r>
+              <a:rPr lang="de-DE" dirty="0" err="1">
+                <a:latin typeface="Avenir Book"/>
+                <a:cs typeface="Avenir Book"/>
+              </a:rPr>
+              <a:t>up</a:t>
+            </a:r>
+            <a:r>
+              <a:rPr lang="de-DE" dirty="0">
+                <a:latin typeface="Avenir Book"/>
+                <a:cs typeface="Avenir Book"/>
+              </a:rPr>
+              <a:t> </a:t>
+            </a:r>
+            <a:r>
+              <a:rPr lang="de-DE" dirty="0" err="1">
+                <a:latin typeface="Avenir Book"/>
+                <a:cs typeface="Avenir Book"/>
+              </a:rPr>
+              <a:t>to</a:t>
+            </a:r>
+            <a:r>
+              <a:rPr lang="de-DE" dirty="0">
+                <a:latin typeface="Avenir Book"/>
+                <a:cs typeface="Avenir Book"/>
+              </a:rPr>
+              <a:t> 100x </a:t>
+            </a:r>
+            <a:r>
+              <a:rPr lang="de-DE" dirty="0" err="1">
+                <a:latin typeface="Avenir Book"/>
+                <a:cs typeface="Avenir Book"/>
+              </a:rPr>
+              <a:t>faster</a:t>
+            </a:r>
+            <a:r>
+              <a:rPr lang="de-DE" dirty="0">
+                <a:latin typeface="Avenir Book"/>
+                <a:cs typeface="Avenir Book"/>
+              </a:rPr>
+              <a:t> </a:t>
+            </a:r>
+            <a:r>
+              <a:rPr lang="de-DE" dirty="0" err="1">
+                <a:latin typeface="Avenir Book"/>
+                <a:cs typeface="Avenir Book"/>
+              </a:rPr>
+              <a:t>than</a:t>
+            </a:r>
+            <a:r>
+              <a:rPr lang="de-DE" dirty="0">
+                <a:latin typeface="Avenir Book"/>
+                <a:cs typeface="Avenir Book"/>
+              </a:rPr>
+              <a:t> </a:t>
+            </a:r>
+            <a:r>
+              <a:rPr lang="de-DE" dirty="0" err="1">
+                <a:latin typeface="Avenir Book"/>
+                <a:cs typeface="Avenir Book"/>
+              </a:rPr>
+              <a:t>Hadoop</a:t>
+            </a:r>
+            <a:r>
+              <a:rPr lang="de-DE" dirty="0">
+                <a:latin typeface="Avenir Book"/>
+                <a:cs typeface="Avenir Book"/>
+              </a:rPr>
+              <a:t> </a:t>
+            </a:r>
+            <a:r>
+              <a:rPr lang="de-DE" dirty="0" err="1">
+                <a:latin typeface="Avenir Book"/>
+                <a:cs typeface="Avenir Book"/>
+              </a:rPr>
+              <a:t>MapReduce</a:t>
+            </a:r>
+            <a:r>
+              <a:rPr lang="de-DE" dirty="0">
+                <a:latin typeface="Avenir Book"/>
+                <a:cs typeface="Avenir Book"/>
+              </a:rPr>
+              <a:t> in </a:t>
+            </a:r>
+            <a:r>
+              <a:rPr lang="de-DE" dirty="0" err="1">
+                <a:latin typeface="Avenir Book"/>
+                <a:cs typeface="Avenir Book"/>
+              </a:rPr>
+              <a:t>memory</a:t>
+            </a:r>
+            <a:r>
+              <a:rPr lang="de-DE" dirty="0">
+                <a:latin typeface="Avenir Book"/>
+                <a:cs typeface="Avenir Book"/>
+              </a:rPr>
+              <a:t>, </a:t>
+            </a:r>
+            <a:r>
+              <a:rPr lang="de-DE" dirty="0" err="1">
+                <a:latin typeface="Avenir Book"/>
+                <a:cs typeface="Avenir Book"/>
+              </a:rPr>
+              <a:t>or</a:t>
+            </a:r>
+            <a:r>
+              <a:rPr lang="de-DE" dirty="0">
+                <a:latin typeface="Avenir Book"/>
+                <a:cs typeface="Avenir Book"/>
+              </a:rPr>
+              <a:t> 10x </a:t>
+            </a:r>
+            <a:r>
+              <a:rPr lang="de-DE" dirty="0" err="1">
+                <a:latin typeface="Avenir Book"/>
+                <a:cs typeface="Avenir Book"/>
+              </a:rPr>
+              <a:t>faster</a:t>
+            </a:r>
+            <a:r>
+              <a:rPr lang="de-DE" dirty="0">
+                <a:latin typeface="Avenir Book"/>
+                <a:cs typeface="Avenir Book"/>
+              </a:rPr>
+              <a:t> on </a:t>
+            </a:r>
+            <a:r>
+              <a:rPr lang="de-DE" dirty="0" err="1" smtClean="0">
+                <a:latin typeface="Avenir Book"/>
+                <a:cs typeface="Avenir Book"/>
+              </a:rPr>
+              <a:t>disk</a:t>
+            </a:r>
+            <a:r>
+              <a:rPr lang="de-DE" dirty="0" smtClean="0">
+                <a:latin typeface="Avenir Book"/>
+                <a:cs typeface="Avenir Book"/>
+              </a:rPr>
+              <a:t>“</a:t>
+            </a:r>
+          </a:p>
+          <a:p>
+            <a:r>
+              <a:rPr lang="de-DE" dirty="0" smtClean="0">
+                <a:latin typeface="Avenir Book"/>
+                <a:cs typeface="Avenir Book"/>
+              </a:rPr>
+              <a:t>„</a:t>
+            </a:r>
+            <a:r>
+              <a:rPr lang="de-DE" dirty="0">
+                <a:latin typeface="Avenir Book"/>
+                <a:cs typeface="Avenir Book"/>
+              </a:rPr>
+              <a:t>W</a:t>
+            </a:r>
+            <a:r>
+              <a:rPr lang="de-DE" dirty="0" smtClean="0">
+                <a:latin typeface="Avenir Book"/>
+                <a:cs typeface="Avenir Book"/>
+              </a:rPr>
+              <a:t>rite </a:t>
+            </a:r>
+            <a:r>
+              <a:rPr lang="de-DE" dirty="0" err="1">
+                <a:latin typeface="Avenir Book"/>
+                <a:cs typeface="Avenir Book"/>
+              </a:rPr>
+              <a:t>applications</a:t>
+            </a:r>
+            <a:r>
+              <a:rPr lang="de-DE" dirty="0">
+                <a:latin typeface="Avenir Book"/>
+                <a:cs typeface="Avenir Book"/>
+              </a:rPr>
+              <a:t> </a:t>
+            </a:r>
+            <a:r>
+              <a:rPr lang="de-DE" dirty="0" err="1">
+                <a:latin typeface="Avenir Book"/>
+                <a:cs typeface="Avenir Book"/>
+              </a:rPr>
+              <a:t>quickly</a:t>
+            </a:r>
+            <a:r>
+              <a:rPr lang="de-DE" dirty="0">
+                <a:latin typeface="Avenir Book"/>
+                <a:cs typeface="Avenir Book"/>
+              </a:rPr>
+              <a:t> in Java, Scala </a:t>
+            </a:r>
+            <a:r>
+              <a:rPr lang="de-DE" dirty="0" err="1">
+                <a:latin typeface="Avenir Book"/>
+                <a:cs typeface="Avenir Book"/>
+              </a:rPr>
+              <a:t>or</a:t>
+            </a:r>
+            <a:r>
+              <a:rPr lang="de-DE" dirty="0">
+                <a:latin typeface="Avenir Book"/>
+                <a:cs typeface="Avenir Book"/>
+              </a:rPr>
+              <a:t> </a:t>
+            </a:r>
+            <a:r>
+              <a:rPr lang="de-DE" dirty="0" smtClean="0">
+                <a:latin typeface="Avenir Book"/>
+                <a:cs typeface="Avenir Book"/>
+              </a:rPr>
+              <a:t>Python“</a:t>
+            </a:r>
+          </a:p>
+          <a:p>
+            <a:r>
+              <a:rPr lang="de-DE" dirty="0" smtClean="0">
+                <a:latin typeface="Avenir Book"/>
+                <a:cs typeface="Avenir Book"/>
+              </a:rPr>
+              <a:t>„...</a:t>
+            </a:r>
+            <a:r>
+              <a:rPr lang="de-DE" dirty="0" err="1" smtClean="0">
+                <a:latin typeface="Avenir Book"/>
+                <a:cs typeface="Avenir Book"/>
+              </a:rPr>
+              <a:t>combines</a:t>
+            </a:r>
+            <a:r>
+              <a:rPr lang="de-DE" dirty="0" smtClean="0">
+                <a:latin typeface="Avenir Book"/>
+                <a:cs typeface="Avenir Book"/>
+              </a:rPr>
+              <a:t> </a:t>
+            </a:r>
+            <a:r>
+              <a:rPr lang="de-DE" dirty="0">
+                <a:latin typeface="Avenir Book"/>
+                <a:cs typeface="Avenir Book"/>
+              </a:rPr>
+              <a:t>SQL, </a:t>
+            </a:r>
+            <a:r>
+              <a:rPr lang="de-DE" dirty="0" err="1">
+                <a:latin typeface="Avenir Book"/>
+                <a:cs typeface="Avenir Book"/>
+              </a:rPr>
+              <a:t>streaming</a:t>
+            </a:r>
+            <a:r>
+              <a:rPr lang="de-DE" dirty="0">
+                <a:latin typeface="Avenir Book"/>
+                <a:cs typeface="Avenir Book"/>
+              </a:rPr>
+              <a:t>, </a:t>
+            </a:r>
+            <a:r>
+              <a:rPr lang="de-DE" dirty="0" err="1">
+                <a:latin typeface="Avenir Book"/>
+                <a:cs typeface="Avenir Book"/>
+              </a:rPr>
+              <a:t>and</a:t>
+            </a:r>
+            <a:r>
+              <a:rPr lang="de-DE" dirty="0">
+                <a:latin typeface="Avenir Book"/>
+                <a:cs typeface="Avenir Book"/>
+              </a:rPr>
+              <a:t> </a:t>
+            </a:r>
+            <a:r>
+              <a:rPr lang="de-DE" dirty="0" err="1">
+                <a:latin typeface="Avenir Book"/>
+                <a:cs typeface="Avenir Book"/>
+              </a:rPr>
+              <a:t>complex</a:t>
+            </a:r>
+            <a:r>
+              <a:rPr lang="de-DE" dirty="0">
+                <a:latin typeface="Avenir Book"/>
+                <a:cs typeface="Avenir Book"/>
+              </a:rPr>
+              <a:t> </a:t>
+            </a:r>
+            <a:r>
+              <a:rPr lang="de-DE" dirty="0" err="1" smtClean="0">
+                <a:latin typeface="Avenir Book"/>
+                <a:cs typeface="Avenir Book"/>
+              </a:rPr>
+              <a:t>analytics</a:t>
+            </a:r>
+            <a:r>
+              <a:rPr lang="de-DE" dirty="0" smtClean="0">
+                <a:latin typeface="Avenir Book"/>
+                <a:cs typeface="Avenir Book"/>
+              </a:rPr>
+              <a:t>“</a:t>
+            </a:r>
+          </a:p>
+          <a:p>
+            <a:r>
+              <a:rPr lang="de-DE" dirty="0" smtClean="0">
+                <a:latin typeface="Avenir Book"/>
+                <a:cs typeface="Avenir Book"/>
+              </a:rPr>
+              <a:t>„...</a:t>
+            </a:r>
+            <a:r>
+              <a:rPr lang="de-DE" dirty="0" err="1" smtClean="0">
+                <a:latin typeface="Avenir Book"/>
+                <a:cs typeface="Avenir Book"/>
+              </a:rPr>
+              <a:t>runs</a:t>
+            </a:r>
+            <a:r>
+              <a:rPr lang="de-DE" dirty="0" smtClean="0">
+                <a:latin typeface="Avenir Book"/>
+                <a:cs typeface="Avenir Book"/>
+              </a:rPr>
+              <a:t> </a:t>
+            </a:r>
+            <a:r>
+              <a:rPr lang="de-DE" dirty="0">
+                <a:latin typeface="Avenir Book"/>
+                <a:cs typeface="Avenir Book"/>
+              </a:rPr>
+              <a:t>on </a:t>
+            </a:r>
+            <a:r>
+              <a:rPr lang="de-DE" dirty="0" err="1">
+                <a:latin typeface="Avenir Book"/>
+                <a:cs typeface="Avenir Book"/>
+              </a:rPr>
+              <a:t>Hadoop</a:t>
+            </a:r>
+            <a:r>
+              <a:rPr lang="de-DE" dirty="0">
+                <a:latin typeface="Avenir Book"/>
+                <a:cs typeface="Avenir Book"/>
+              </a:rPr>
+              <a:t>, </a:t>
+            </a:r>
+            <a:r>
+              <a:rPr lang="de-DE" dirty="0" err="1">
+                <a:latin typeface="Avenir Book"/>
+                <a:cs typeface="Avenir Book"/>
+              </a:rPr>
+              <a:t>Mesos</a:t>
+            </a:r>
+            <a:r>
+              <a:rPr lang="de-DE" dirty="0">
+                <a:latin typeface="Avenir Book"/>
+                <a:cs typeface="Avenir Book"/>
+              </a:rPr>
+              <a:t>, </a:t>
+            </a:r>
+            <a:r>
+              <a:rPr lang="de-DE" dirty="0" err="1">
+                <a:latin typeface="Avenir Book"/>
+                <a:cs typeface="Avenir Book"/>
+              </a:rPr>
+              <a:t>standalone</a:t>
+            </a:r>
+            <a:r>
+              <a:rPr lang="de-DE" dirty="0">
+                <a:latin typeface="Avenir Book"/>
+                <a:cs typeface="Avenir Book"/>
+              </a:rPr>
+              <a:t>, </a:t>
+            </a:r>
+            <a:r>
+              <a:rPr lang="de-DE" dirty="0" err="1">
+                <a:latin typeface="Avenir Book"/>
+                <a:cs typeface="Avenir Book"/>
+              </a:rPr>
+              <a:t>or</a:t>
+            </a:r>
+            <a:r>
+              <a:rPr lang="de-DE" dirty="0">
+                <a:latin typeface="Avenir Book"/>
+                <a:cs typeface="Avenir Book"/>
+              </a:rPr>
+              <a:t> in </a:t>
+            </a:r>
+            <a:r>
+              <a:rPr lang="de-DE" dirty="0" err="1">
+                <a:latin typeface="Avenir Book"/>
+                <a:cs typeface="Avenir Book"/>
+              </a:rPr>
+              <a:t>the</a:t>
+            </a:r>
+            <a:r>
+              <a:rPr lang="de-DE" dirty="0">
+                <a:latin typeface="Avenir Book"/>
+                <a:cs typeface="Avenir Book"/>
+              </a:rPr>
+              <a:t> </a:t>
+            </a:r>
+            <a:r>
+              <a:rPr lang="de-DE" dirty="0" err="1">
+                <a:latin typeface="Avenir Book"/>
+                <a:cs typeface="Avenir Book"/>
+              </a:rPr>
+              <a:t>cloud</a:t>
+            </a:r>
+            <a:r>
+              <a:rPr lang="de-DE" dirty="0">
+                <a:latin typeface="Avenir Book"/>
+                <a:cs typeface="Avenir Book"/>
+              </a:rPr>
+              <a:t>. </a:t>
+            </a:r>
+            <a:r>
+              <a:rPr lang="de-DE" dirty="0" err="1">
+                <a:latin typeface="Avenir Book"/>
+                <a:cs typeface="Avenir Book"/>
+              </a:rPr>
+              <a:t>It</a:t>
+            </a:r>
+            <a:r>
+              <a:rPr lang="de-DE" dirty="0">
+                <a:latin typeface="Avenir Book"/>
+                <a:cs typeface="Avenir Book"/>
+              </a:rPr>
+              <a:t> </a:t>
+            </a:r>
+            <a:r>
+              <a:rPr lang="de-DE" dirty="0" err="1">
+                <a:latin typeface="Avenir Book"/>
+                <a:cs typeface="Avenir Book"/>
+              </a:rPr>
+              <a:t>can</a:t>
+            </a:r>
+            <a:r>
+              <a:rPr lang="de-DE" dirty="0">
+                <a:latin typeface="Avenir Book"/>
+                <a:cs typeface="Avenir Book"/>
+              </a:rPr>
+              <a:t> </a:t>
+            </a:r>
+            <a:r>
+              <a:rPr lang="de-DE" dirty="0" err="1">
+                <a:latin typeface="Avenir Book"/>
+                <a:cs typeface="Avenir Book"/>
+              </a:rPr>
+              <a:t>access</a:t>
+            </a:r>
+            <a:r>
+              <a:rPr lang="de-DE" dirty="0">
+                <a:latin typeface="Avenir Book"/>
+                <a:cs typeface="Avenir Book"/>
+              </a:rPr>
+              <a:t> diverse </a:t>
+            </a:r>
+            <a:r>
+              <a:rPr lang="de-DE" dirty="0" err="1">
+                <a:latin typeface="Avenir Book"/>
+                <a:cs typeface="Avenir Book"/>
+              </a:rPr>
+              <a:t>data</a:t>
+            </a:r>
+            <a:r>
+              <a:rPr lang="de-DE" dirty="0">
+                <a:latin typeface="Avenir Book"/>
+                <a:cs typeface="Avenir Book"/>
+              </a:rPr>
+              <a:t> </a:t>
+            </a:r>
+            <a:r>
+              <a:rPr lang="de-DE" dirty="0" err="1">
+                <a:latin typeface="Avenir Book"/>
+                <a:cs typeface="Avenir Book"/>
+              </a:rPr>
+              <a:t>sources</a:t>
+            </a:r>
+            <a:r>
+              <a:rPr lang="de-DE" dirty="0">
+                <a:latin typeface="Avenir Book"/>
+                <a:cs typeface="Avenir Book"/>
+              </a:rPr>
+              <a:t> </a:t>
+            </a:r>
+            <a:r>
+              <a:rPr lang="de-DE" dirty="0" err="1">
+                <a:latin typeface="Avenir Book"/>
+                <a:cs typeface="Avenir Book"/>
+              </a:rPr>
+              <a:t>including</a:t>
+            </a:r>
+            <a:r>
+              <a:rPr lang="de-DE" dirty="0">
+                <a:latin typeface="Avenir Book"/>
+                <a:cs typeface="Avenir Book"/>
+              </a:rPr>
+              <a:t> HDFS, Cassandra, </a:t>
+            </a:r>
+            <a:r>
+              <a:rPr lang="de-DE" dirty="0" err="1">
+                <a:latin typeface="Avenir Book"/>
+                <a:cs typeface="Avenir Book"/>
+              </a:rPr>
+              <a:t>HBase</a:t>
+            </a:r>
+            <a:r>
+              <a:rPr lang="de-DE" dirty="0">
+                <a:latin typeface="Avenir Book"/>
+                <a:cs typeface="Avenir Book"/>
+              </a:rPr>
+              <a:t>, </a:t>
+            </a:r>
+            <a:r>
+              <a:rPr lang="de-DE" dirty="0" smtClean="0">
+                <a:latin typeface="Avenir Book"/>
+                <a:cs typeface="Avenir Book"/>
+              </a:rPr>
+              <a:t>S3“</a:t>
+            </a:r>
+          </a:p>
+          <a:p>
+            <a:r>
+              <a:rPr lang="de-DE" dirty="0" smtClean="0">
+                <a:latin typeface="Avenir Book"/>
+                <a:cs typeface="Avenir Book"/>
+              </a:rPr>
+              <a:t>„...</a:t>
+            </a:r>
+            <a:r>
+              <a:rPr lang="de-DE" dirty="0" err="1" smtClean="0">
+                <a:latin typeface="Avenir Book"/>
+                <a:cs typeface="Avenir Book"/>
+              </a:rPr>
+              <a:t>is</a:t>
+            </a:r>
+            <a:r>
+              <a:rPr lang="de-DE" dirty="0" smtClean="0">
+                <a:latin typeface="Avenir Book"/>
+                <a:cs typeface="Avenir Book"/>
+              </a:rPr>
+              <a:t> </a:t>
+            </a:r>
+            <a:r>
+              <a:rPr lang="de-DE" dirty="0" err="1">
+                <a:latin typeface="Avenir Book"/>
+                <a:cs typeface="Avenir Book"/>
+              </a:rPr>
+              <a:t>one</a:t>
+            </a:r>
+            <a:r>
+              <a:rPr lang="de-DE" dirty="0">
+                <a:latin typeface="Avenir Book"/>
+                <a:cs typeface="Avenir Book"/>
+              </a:rPr>
+              <a:t> </a:t>
+            </a:r>
+            <a:r>
+              <a:rPr lang="de-DE" dirty="0" err="1">
+                <a:latin typeface="Avenir Book"/>
+                <a:cs typeface="Avenir Book"/>
+              </a:rPr>
+              <a:t>of</a:t>
+            </a:r>
+            <a:r>
+              <a:rPr lang="de-DE" dirty="0">
+                <a:latin typeface="Avenir Book"/>
+                <a:cs typeface="Avenir Book"/>
+              </a:rPr>
+              <a:t> </a:t>
+            </a:r>
+            <a:r>
+              <a:rPr lang="de-DE" dirty="0" err="1">
+                <a:latin typeface="Avenir Book"/>
+                <a:cs typeface="Avenir Book"/>
+              </a:rPr>
+              <a:t>the</a:t>
+            </a:r>
+            <a:r>
+              <a:rPr lang="de-DE" dirty="0">
+                <a:latin typeface="Avenir Book"/>
+                <a:cs typeface="Avenir Book"/>
+              </a:rPr>
+              <a:t> </a:t>
+            </a:r>
+            <a:r>
+              <a:rPr lang="de-DE" dirty="0" err="1">
+                <a:latin typeface="Avenir Book"/>
+                <a:cs typeface="Avenir Book"/>
+              </a:rPr>
+              <a:t>most</a:t>
+            </a:r>
+            <a:r>
+              <a:rPr lang="de-DE" dirty="0">
+                <a:latin typeface="Avenir Book"/>
+                <a:cs typeface="Avenir Book"/>
+              </a:rPr>
+              <a:t> </a:t>
+            </a:r>
+            <a:r>
+              <a:rPr lang="de-DE" dirty="0" err="1">
+                <a:latin typeface="Avenir Book"/>
+                <a:cs typeface="Avenir Book"/>
+              </a:rPr>
+              <a:t>actively</a:t>
+            </a:r>
+            <a:r>
+              <a:rPr lang="de-DE" dirty="0">
+                <a:latin typeface="Avenir Book"/>
+                <a:cs typeface="Avenir Book"/>
+              </a:rPr>
+              <a:t> </a:t>
+            </a:r>
+            <a:r>
+              <a:rPr lang="de-DE" dirty="0" err="1">
+                <a:latin typeface="Avenir Book"/>
+                <a:cs typeface="Avenir Book"/>
+              </a:rPr>
+              <a:t>developed</a:t>
+            </a:r>
+            <a:r>
+              <a:rPr lang="de-DE" dirty="0">
+                <a:latin typeface="Avenir Book"/>
+                <a:cs typeface="Avenir Book"/>
+              </a:rPr>
+              <a:t> open </a:t>
+            </a:r>
+            <a:r>
+              <a:rPr lang="de-DE" dirty="0" err="1">
+                <a:latin typeface="Avenir Book"/>
+                <a:cs typeface="Avenir Book"/>
+              </a:rPr>
+              <a:t>source</a:t>
+            </a:r>
+            <a:r>
+              <a:rPr lang="de-DE" dirty="0">
+                <a:latin typeface="Avenir Book"/>
+                <a:cs typeface="Avenir Book"/>
+              </a:rPr>
+              <a:t> </a:t>
+            </a:r>
+            <a:r>
+              <a:rPr lang="de-DE" dirty="0" err="1">
+                <a:latin typeface="Avenir Book"/>
+                <a:cs typeface="Avenir Book"/>
+              </a:rPr>
+              <a:t>projects</a:t>
+            </a:r>
+            <a:r>
+              <a:rPr lang="de-DE" dirty="0">
+                <a:latin typeface="Avenir Book"/>
+                <a:cs typeface="Avenir Book"/>
+              </a:rPr>
+              <a:t>. </a:t>
+            </a:r>
+            <a:r>
+              <a:rPr lang="de-DE" dirty="0" err="1">
+                <a:latin typeface="Avenir Book"/>
+                <a:cs typeface="Avenir Book"/>
+              </a:rPr>
+              <a:t>It</a:t>
+            </a:r>
+            <a:r>
+              <a:rPr lang="de-DE" dirty="0">
+                <a:latin typeface="Avenir Book"/>
+                <a:cs typeface="Avenir Book"/>
+              </a:rPr>
+              <a:t> </a:t>
+            </a:r>
+            <a:r>
+              <a:rPr lang="de-DE" dirty="0" err="1">
+                <a:latin typeface="Avenir Book"/>
+                <a:cs typeface="Avenir Book"/>
+              </a:rPr>
+              <a:t>has</a:t>
+            </a:r>
+            <a:r>
+              <a:rPr lang="de-DE" dirty="0">
+                <a:latin typeface="Avenir Book"/>
+                <a:cs typeface="Avenir Book"/>
+              </a:rPr>
+              <a:t> </a:t>
+            </a:r>
+            <a:r>
+              <a:rPr lang="de-DE" dirty="0" err="1">
+                <a:latin typeface="Avenir Book"/>
+                <a:cs typeface="Avenir Book"/>
+              </a:rPr>
+              <a:t>over</a:t>
+            </a:r>
+            <a:r>
+              <a:rPr lang="de-DE" dirty="0">
+                <a:latin typeface="Avenir Book"/>
+                <a:cs typeface="Avenir Book"/>
+              </a:rPr>
+              <a:t> 465 </a:t>
+            </a:r>
+            <a:r>
+              <a:rPr lang="de-DE" dirty="0" err="1">
+                <a:latin typeface="Avenir Book"/>
+                <a:cs typeface="Avenir Book"/>
+              </a:rPr>
+              <a:t>contributors</a:t>
+            </a:r>
+            <a:r>
+              <a:rPr lang="de-DE" dirty="0">
+                <a:latin typeface="Avenir Book"/>
+                <a:cs typeface="Avenir Book"/>
+              </a:rPr>
+              <a:t> in </a:t>
+            </a:r>
+            <a:r>
+              <a:rPr lang="de-DE" dirty="0" smtClean="0">
+                <a:latin typeface="Avenir Book"/>
+                <a:cs typeface="Avenir Book"/>
+              </a:rPr>
+              <a:t>2014, </a:t>
+            </a:r>
+            <a:r>
+              <a:rPr lang="de-DE" dirty="0" err="1" smtClean="0">
+                <a:latin typeface="Avenir Book"/>
+                <a:cs typeface="Avenir Book"/>
+              </a:rPr>
+              <a:t>making</a:t>
+            </a:r>
+            <a:r>
+              <a:rPr lang="de-DE" dirty="0" smtClean="0">
+                <a:latin typeface="Avenir Book"/>
+                <a:cs typeface="Avenir Book"/>
+              </a:rPr>
+              <a:t> </a:t>
+            </a:r>
+            <a:r>
+              <a:rPr lang="de-DE" dirty="0" err="1">
+                <a:latin typeface="Avenir Book"/>
+                <a:cs typeface="Avenir Book"/>
+              </a:rPr>
+              <a:t>it</a:t>
+            </a:r>
+            <a:r>
+              <a:rPr lang="de-DE" dirty="0">
+                <a:latin typeface="Avenir Book"/>
+                <a:cs typeface="Avenir Book"/>
+              </a:rPr>
+              <a:t> </a:t>
+            </a:r>
+            <a:r>
+              <a:rPr lang="de-DE" dirty="0" err="1">
+                <a:latin typeface="Avenir Book"/>
+                <a:cs typeface="Avenir Book"/>
+              </a:rPr>
+              <a:t>the</a:t>
+            </a:r>
+            <a:r>
+              <a:rPr lang="de-DE" dirty="0">
+                <a:latin typeface="Avenir Book"/>
+                <a:cs typeface="Avenir Book"/>
+              </a:rPr>
+              <a:t> </a:t>
+            </a:r>
+            <a:r>
+              <a:rPr lang="de-DE" dirty="0" err="1">
+                <a:latin typeface="Avenir Book"/>
+                <a:cs typeface="Avenir Book"/>
+              </a:rPr>
+              <a:t>most</a:t>
+            </a:r>
+            <a:r>
+              <a:rPr lang="de-DE" dirty="0">
+                <a:latin typeface="Avenir Book"/>
+                <a:cs typeface="Avenir Book"/>
+              </a:rPr>
+              <a:t> </a:t>
+            </a:r>
+            <a:r>
+              <a:rPr lang="de-DE" dirty="0" err="1">
+                <a:latin typeface="Avenir Book"/>
+                <a:cs typeface="Avenir Book"/>
+              </a:rPr>
+              <a:t>active</a:t>
+            </a:r>
+            <a:r>
+              <a:rPr lang="de-DE" dirty="0">
+                <a:latin typeface="Avenir Book"/>
+                <a:cs typeface="Avenir Book"/>
+              </a:rPr>
+              <a:t> </a:t>
+            </a:r>
+            <a:r>
+              <a:rPr lang="de-DE" dirty="0" err="1">
+                <a:latin typeface="Avenir Book"/>
+                <a:cs typeface="Avenir Book"/>
+              </a:rPr>
+              <a:t>project</a:t>
+            </a:r>
+            <a:r>
+              <a:rPr lang="de-DE" dirty="0">
+                <a:latin typeface="Avenir Book"/>
+                <a:cs typeface="Avenir Book"/>
+              </a:rPr>
+              <a:t> in </a:t>
+            </a:r>
+            <a:r>
+              <a:rPr lang="de-DE" dirty="0" err="1">
+                <a:latin typeface="Avenir Book"/>
+                <a:cs typeface="Avenir Book"/>
+              </a:rPr>
+              <a:t>the</a:t>
+            </a:r>
+            <a:r>
+              <a:rPr lang="de-DE" dirty="0">
+                <a:latin typeface="Avenir Book"/>
+                <a:cs typeface="Avenir Book"/>
+              </a:rPr>
+              <a:t> Apache Software </a:t>
+            </a:r>
+            <a:r>
+              <a:rPr lang="de-DE" dirty="0" err="1">
+                <a:latin typeface="Avenir Book"/>
+                <a:cs typeface="Avenir Book"/>
+              </a:rPr>
+              <a:t>Foundation</a:t>
+            </a:r>
+            <a:r>
+              <a:rPr lang="de-DE" dirty="0">
+                <a:latin typeface="Avenir Book"/>
+                <a:cs typeface="Avenir Book"/>
+              </a:rPr>
+              <a:t> </a:t>
+            </a:r>
+            <a:r>
+              <a:rPr lang="de-DE" dirty="0" err="1">
+                <a:latin typeface="Avenir Book"/>
+                <a:cs typeface="Avenir Book"/>
+              </a:rPr>
+              <a:t>and</a:t>
+            </a:r>
+            <a:r>
+              <a:rPr lang="de-DE" dirty="0">
+                <a:latin typeface="Avenir Book"/>
+                <a:cs typeface="Avenir Book"/>
+              </a:rPr>
+              <a:t> </a:t>
+            </a:r>
+            <a:r>
+              <a:rPr lang="de-DE" dirty="0" err="1">
+                <a:latin typeface="Avenir Book"/>
+                <a:cs typeface="Avenir Book"/>
+              </a:rPr>
+              <a:t>among</a:t>
+            </a:r>
+            <a:r>
+              <a:rPr lang="de-DE" dirty="0">
+                <a:latin typeface="Avenir Book"/>
+                <a:cs typeface="Avenir Book"/>
+              </a:rPr>
+              <a:t> Big Data open </a:t>
+            </a:r>
+            <a:r>
+              <a:rPr lang="de-DE" dirty="0" err="1">
+                <a:latin typeface="Avenir Book"/>
+                <a:cs typeface="Avenir Book"/>
+              </a:rPr>
+              <a:t>source</a:t>
+            </a:r>
+            <a:r>
+              <a:rPr lang="de-DE" dirty="0">
+                <a:latin typeface="Avenir Book"/>
+                <a:cs typeface="Avenir Book"/>
+              </a:rPr>
+              <a:t> </a:t>
+            </a:r>
+            <a:r>
+              <a:rPr lang="de-DE" dirty="0" err="1">
+                <a:latin typeface="Avenir Book"/>
+                <a:cs typeface="Avenir Book"/>
+              </a:rPr>
+              <a:t>projects</a:t>
+            </a:r>
+            <a:r>
+              <a:rPr lang="de-DE" dirty="0" smtClean="0">
+                <a:latin typeface="Avenir Book"/>
+                <a:cs typeface="Avenir Book"/>
+              </a:rPr>
+              <a:t>.“</a:t>
+            </a:r>
+            <a:endParaRPr lang="de-DE" dirty="0" smtClean="0">
+              <a:latin typeface="Avenir Book"/>
+              <a:cs typeface="Avenir Book"/>
+            </a:endParaRPr>
+          </a:p>
+        </p:txBody>
+      </p:sp>
+      <p:sp>
+        <p:nvSpPr>
+          <p:cNvPr id="4" name="Textfeld 3"/>
+          <p:cNvSpPr txBox="1"/>
+          <p:nvPr/>
+        </p:nvSpPr>
+        <p:spPr>
+          <a:xfrm>
+            <a:off x="4303858" y="6276536"/>
+            <a:ext cx="4462868" cy="369332"/>
+          </a:xfrm>
+          <a:prstGeom prst="rect">
+            <a:avLst/>
+          </a:prstGeom>
+          <a:noFill/>
+        </p:spPr>
+        <p:txBody>
+          <a:bodyPr wrap="none" rtlCol="0">
+            <a:spAutoFit/>
+          </a:bodyPr>
+          <a:lstStyle/>
+          <a:p>
+            <a:r>
+              <a:rPr lang="de-DE" dirty="0" smtClean="0">
+                <a:latin typeface="Avenir Light"/>
+                <a:cs typeface="Avenir Light"/>
+              </a:rPr>
+              <a:t>Quellen: Apache </a:t>
+            </a:r>
+            <a:r>
+              <a:rPr lang="de-DE" dirty="0" err="1" smtClean="0">
+                <a:latin typeface="Avenir Light"/>
+                <a:cs typeface="Avenir Light"/>
+              </a:rPr>
+              <a:t>Foundation</a:t>
+            </a:r>
+            <a:r>
+              <a:rPr lang="de-DE" dirty="0" smtClean="0">
+                <a:latin typeface="Avenir Light"/>
+                <a:cs typeface="Avenir Light"/>
+              </a:rPr>
+              <a:t> &amp; Wikipedia</a:t>
+            </a:r>
+            <a:endParaRPr lang="de-DE" dirty="0">
+              <a:latin typeface="Avenir Light"/>
+              <a:cs typeface="Avenir Light"/>
+            </a:endParaRPr>
+          </a:p>
+        </p:txBody>
+      </p:sp>
+    </p:spTree>
+    <p:extLst>
+      <p:ext uri="{BB962C8B-B14F-4D97-AF65-F5344CB8AC3E}">
+        <p14:creationId xmlns:p14="http://schemas.microsoft.com/office/powerpoint/2010/main" val="1051269514"/>
+      </p:ext>
+    </p:extLst>
+  </p:cSld>
+  <p:clrMapOvr>
+    <a:masterClrMapping/>
+  </p:clrMapOvr>
+  <p:timing>
+    <p:tnLst>
+      <p:par>
+        <p:cTn xmlns:p14="http://schemas.microsoft.com/office/powerpoint/2010/main" id="1" dur="indefinite" restart="never" nodeType="tmRoot"/>
+      </p:par>
+    </p:tnLst>
+  </p:timing>
+</p:sld>
+</file>
+
+<file path=ppt/slides/slide12.xml><?xml version="1.0" encoding="utf-8"?>
+<p:sld xmlns:a="http://schemas.openxmlformats.org/drawingml/2006/main" xmlns:r="http://schemas.openxmlformats.org/officeDocument/2006/relationships" xmlns:p="http://schemas.openxmlformats.org/presentationml/2006/main">
+  <p:cSld>
+    <p:spTree>
+      <p:nvGrpSpPr>
+        <p:cNvPr id="1" name=""/>
+        <p:cNvGrpSpPr/>
+        <p:nvPr/>
+      </p:nvGrpSpPr>
+      <p:grpSpPr>
+        <a:xfrm>
+          <a:off x="0" y="0"/>
+          <a:ext cx="0" cy="0"/>
+          <a:chOff x="0" y="0"/>
+          <a:chExt cx="0" cy="0"/>
+        </a:xfrm>
+      </p:grpSpPr>
+      <p:sp>
+        <p:nvSpPr>
+          <p:cNvPr id="2" name="Titel 1"/>
+          <p:cNvSpPr>
+            <a:spLocks noGrp="1"/>
+          </p:cNvSpPr>
+          <p:nvPr>
+            <p:ph type="title"/>
+          </p:nvPr>
+        </p:nvSpPr>
+        <p:spPr/>
+        <p:txBody>
+          <a:bodyPr/>
+          <a:lstStyle/>
+          <a:p>
+            <a:pPr algn="ctr"/>
+            <a:r>
+              <a:rPr lang="de-DE" dirty="0" smtClean="0">
+                <a:latin typeface="Avenir Black Oblique"/>
+                <a:cs typeface="Avenir Black Oblique"/>
+              </a:rPr>
+              <a:t>Wie funktioniert Spark?</a:t>
+            </a:r>
+            <a:endParaRPr lang="de-DE" dirty="0">
+              <a:latin typeface="Avenir Black Oblique"/>
+              <a:cs typeface="Avenir Black Oblique"/>
+            </a:endParaRPr>
+          </a:p>
+        </p:txBody>
+      </p:sp>
+      <p:pic>
+        <p:nvPicPr>
+          <p:cNvPr id="4" name="Inhaltsplatzhalter 3" descr="Spark_scheme.png"/>
+          <p:cNvPicPr>
+            <a:picLocks noGrp="1" noChangeAspect="1"/>
+          </p:cNvPicPr>
+          <p:nvPr>
+            <p:ph idx="1"/>
+          </p:nvPr>
+        </p:nvPicPr>
+        <p:blipFill>
+          <a:blip r:embed="rId2" cstate="print">
+            <a:extLst>
+              <a:ext uri="{28A0092B-C50C-407E-A947-70E740481C1C}">
+                <a14:useLocalDpi xmlns:a14="http://schemas.microsoft.com/office/drawing/2010/main" val="0"/>
+              </a:ext>
+            </a:extLst>
+          </a:blip>
+          <a:srcRect t="-31214" b="-31214"/>
+          <a:stretch>
+            <a:fillRect/>
+          </a:stretch>
+        </p:blipFill>
+        <p:spPr>
+          <a:xfrm>
+            <a:off x="779463" y="1425388"/>
+            <a:ext cx="7583487" cy="4208930"/>
+          </a:xfrm>
+        </p:spPr>
+      </p:pic>
+      <p:sp>
+        <p:nvSpPr>
+          <p:cNvPr id="5" name="Textfeld 4"/>
+          <p:cNvSpPr txBox="1"/>
+          <p:nvPr/>
+        </p:nvSpPr>
+        <p:spPr>
+          <a:xfrm>
+            <a:off x="2320895" y="4886050"/>
+            <a:ext cx="4308434" cy="369332"/>
+          </a:xfrm>
+          <a:prstGeom prst="rect">
+            <a:avLst/>
+          </a:prstGeom>
+          <a:noFill/>
+        </p:spPr>
+        <p:txBody>
+          <a:bodyPr wrap="none" rtlCol="0">
+            <a:spAutoFit/>
+          </a:bodyPr>
+          <a:lstStyle/>
+          <a:p>
+            <a:r>
+              <a:rPr lang="de-DE" dirty="0" err="1" smtClean="0">
+                <a:solidFill>
+                  <a:srgbClr val="FFFFFF"/>
+                </a:solidFill>
+                <a:latin typeface="Avenir Book"/>
+                <a:cs typeface="Avenir Book"/>
+              </a:rPr>
+              <a:t>Spark‘s</a:t>
+            </a:r>
+            <a:r>
+              <a:rPr lang="de-DE" dirty="0" smtClean="0">
+                <a:solidFill>
+                  <a:srgbClr val="FFFFFF"/>
+                </a:solidFill>
+                <a:latin typeface="Avenir Book"/>
+                <a:cs typeface="Avenir Book"/>
+              </a:rPr>
+              <a:t> In-Memory </a:t>
+            </a:r>
+            <a:r>
+              <a:rPr lang="de-DE" dirty="0" err="1" smtClean="0">
+                <a:solidFill>
+                  <a:srgbClr val="FFFFFF"/>
+                </a:solidFill>
+                <a:latin typeface="Avenir Book"/>
+                <a:cs typeface="Avenir Book"/>
+              </a:rPr>
+              <a:t>Computation</a:t>
+            </a:r>
+            <a:r>
+              <a:rPr lang="de-DE" dirty="0" smtClean="0">
+                <a:solidFill>
+                  <a:srgbClr val="FFFFFF"/>
+                </a:solidFill>
+                <a:latin typeface="Avenir Book"/>
+                <a:cs typeface="Avenir Book"/>
+              </a:rPr>
+              <a:t> Model</a:t>
+            </a:r>
+            <a:endParaRPr lang="de-DE" dirty="0">
+              <a:solidFill>
+                <a:srgbClr val="FFFFFF"/>
+              </a:solidFill>
+              <a:latin typeface="Avenir Book"/>
+              <a:cs typeface="Avenir Book"/>
+            </a:endParaRPr>
+          </a:p>
+        </p:txBody>
+      </p:sp>
+    </p:spTree>
+    <p:extLst>
+      <p:ext uri="{BB962C8B-B14F-4D97-AF65-F5344CB8AC3E}">
+        <p14:creationId xmlns:p14="http://schemas.microsoft.com/office/powerpoint/2010/main" val="1051269514"/>
+      </p:ext>
+    </p:extLst>
+  </p:cSld>
+  <p:clrMapOvr>
+    <a:masterClrMapping/>
+  </p:clrMapOvr>
+  <p:timing>
+    <p:tnLst>
+      <p:par>
+        <p:cTn xmlns:p14="http://schemas.microsoft.com/office/powerpoint/2010/main" id="1" dur="indefinite" restart="never" nodeType="tmRoot"/>
+      </p:par>
+    </p:tnLst>
+  </p:timing>
+</p:sld>
+</file>
+
+<file path=ppt/slides/slide13.xml><?xml version="1.0" encoding="utf-8"?>
+<p:sld xmlns:a="http://schemas.openxmlformats.org/drawingml/2006/main" xmlns:r="http://schemas.openxmlformats.org/officeDocument/2006/relationships" xmlns:p="http://schemas.openxmlformats.org/presentationml/2006/main">
+  <p:cSld>
+    <p:spTree>
+      <p:nvGrpSpPr>
+        <p:cNvPr id="1" name=""/>
+        <p:cNvGrpSpPr/>
+        <p:nvPr/>
+      </p:nvGrpSpPr>
+      <p:grpSpPr>
+        <a:xfrm>
+          <a:off x="0" y="0"/>
+          <a:ext cx="0" cy="0"/>
+          <a:chOff x="0" y="0"/>
+          <a:chExt cx="0" cy="0"/>
+        </a:xfrm>
+      </p:grpSpPr>
+      <p:sp>
+        <p:nvSpPr>
+          <p:cNvPr id="2" name="Titel 1"/>
+          <p:cNvSpPr>
+            <a:spLocks noGrp="1"/>
+          </p:cNvSpPr>
+          <p:nvPr>
+            <p:ph type="title"/>
+          </p:nvPr>
+        </p:nvSpPr>
+        <p:spPr/>
+        <p:txBody>
+          <a:bodyPr/>
+          <a:lstStyle/>
+          <a:p>
+            <a:pPr algn="ctr"/>
+            <a:r>
+              <a:rPr lang="de-DE" dirty="0" smtClean="0">
+                <a:latin typeface="Avenir Black Oblique"/>
+                <a:cs typeface="Avenir Black Oblique"/>
+              </a:rPr>
+              <a:t>Wie funktioniert Spark?</a:t>
+            </a:r>
+            <a:endParaRPr lang="de-DE" dirty="0">
+              <a:latin typeface="Avenir Black Oblique"/>
+              <a:cs typeface="Avenir Black Oblique"/>
+            </a:endParaRPr>
+          </a:p>
+        </p:txBody>
+      </p:sp>
+      <p:pic>
+        <p:nvPicPr>
+          <p:cNvPr id="8" name="Bild 7"/>
+          <p:cNvPicPr>
+            <a:picLocks noChangeAspect="1"/>
+          </p:cNvPicPr>
+          <p:nvPr/>
+        </p:nvPicPr>
+        <p:blipFill>
+          <a:blip r:embed="rId2"/>
+          <a:stretch>
+            <a:fillRect/>
+          </a:stretch>
+        </p:blipFill>
+        <p:spPr>
+          <a:xfrm flipH="1">
+            <a:off x="680933" y="2209876"/>
+            <a:ext cx="1530485" cy="2638768"/>
+          </a:xfrm>
+          <a:prstGeom prst="rect">
+            <a:avLst/>
+          </a:prstGeom>
+        </p:spPr>
+      </p:pic>
+      <p:pic>
+        <p:nvPicPr>
+          <p:cNvPr id="12" name="Bild 11"/>
+          <p:cNvPicPr>
+            <a:picLocks noChangeAspect="1"/>
+          </p:cNvPicPr>
+          <p:nvPr/>
+        </p:nvPicPr>
+        <p:blipFill>
+          <a:blip r:embed="rId2"/>
+          <a:stretch>
+            <a:fillRect/>
+          </a:stretch>
+        </p:blipFill>
+        <p:spPr>
+          <a:xfrm>
+            <a:off x="2956277" y="1425388"/>
+            <a:ext cx="1038738" cy="1729897"/>
+          </a:xfrm>
+          <a:prstGeom prst="rect">
+            <a:avLst/>
+          </a:prstGeom>
+        </p:spPr>
+      </p:pic>
+      <p:pic>
+        <p:nvPicPr>
+          <p:cNvPr id="13" name="Bild 12"/>
+          <p:cNvPicPr>
+            <a:picLocks noChangeAspect="1"/>
+          </p:cNvPicPr>
+          <p:nvPr/>
+        </p:nvPicPr>
+        <p:blipFill>
+          <a:blip r:embed="rId2"/>
+          <a:stretch>
+            <a:fillRect/>
+          </a:stretch>
+        </p:blipFill>
+        <p:spPr>
+          <a:xfrm>
+            <a:off x="4532735" y="1872228"/>
+            <a:ext cx="1038738" cy="1729897"/>
+          </a:xfrm>
+          <a:prstGeom prst="rect">
+            <a:avLst/>
+          </a:prstGeom>
+        </p:spPr>
+      </p:pic>
+      <p:pic>
+        <p:nvPicPr>
+          <p:cNvPr id="14" name="Bild 13"/>
+          <p:cNvPicPr>
+            <a:picLocks noChangeAspect="1"/>
+          </p:cNvPicPr>
+          <p:nvPr/>
+        </p:nvPicPr>
+        <p:blipFill>
+          <a:blip r:embed="rId2"/>
+          <a:stretch>
+            <a:fillRect/>
+          </a:stretch>
+        </p:blipFill>
+        <p:spPr>
+          <a:xfrm>
+            <a:off x="5052104" y="3468977"/>
+            <a:ext cx="1038738" cy="1729897"/>
+          </a:xfrm>
+          <a:prstGeom prst="rect">
+            <a:avLst/>
+          </a:prstGeom>
+        </p:spPr>
+      </p:pic>
+      <p:pic>
+        <p:nvPicPr>
+          <p:cNvPr id="15" name="Bild 14"/>
+          <p:cNvPicPr>
+            <a:picLocks noChangeAspect="1"/>
+          </p:cNvPicPr>
+          <p:nvPr/>
+        </p:nvPicPr>
+        <p:blipFill>
+          <a:blip r:embed="rId2"/>
+          <a:stretch>
+            <a:fillRect/>
+          </a:stretch>
+        </p:blipFill>
+        <p:spPr>
+          <a:xfrm>
+            <a:off x="3749337" y="4848644"/>
+            <a:ext cx="1038738" cy="1729897"/>
+          </a:xfrm>
+          <a:prstGeom prst="rect">
+            <a:avLst/>
+          </a:prstGeom>
+        </p:spPr>
+      </p:pic>
+      <p:cxnSp>
+        <p:nvCxnSpPr>
+          <p:cNvPr id="17" name="Gerade Verbindung mit Pfeil 16"/>
+          <p:cNvCxnSpPr/>
+          <p:nvPr/>
+        </p:nvCxnSpPr>
+        <p:spPr>
+          <a:xfrm flipV="1">
+            <a:off x="2211418" y="2375871"/>
+            <a:ext cx="864863" cy="779414"/>
+          </a:xfrm>
+          <a:prstGeom prst="straightConnector1">
+            <a:avLst/>
+          </a:prstGeom>
+          <a:ln>
+            <a:solidFill>
+              <a:schemeClr val="accent2"/>
+            </a:solidFill>
+            <a:tailEnd type="arrow"/>
+          </a:ln>
+        </p:spPr>
+        <p:style>
+          <a:lnRef idx="2">
+            <a:schemeClr val="accent1"/>
+          </a:lnRef>
+          <a:fillRef idx="0">
+            <a:schemeClr val="accent1"/>
+          </a:fillRef>
+          <a:effectRef idx="1">
+            <a:schemeClr val="accent1"/>
+          </a:effectRef>
+          <a:fontRef idx="minor">
+            <a:schemeClr val="tx1"/>
+          </a:fontRef>
+        </p:style>
+      </p:cxnSp>
+      <p:cxnSp>
+        <p:nvCxnSpPr>
+          <p:cNvPr id="19" name="Gerade Verbindung mit Pfeil 18"/>
+          <p:cNvCxnSpPr/>
+          <p:nvPr/>
+        </p:nvCxnSpPr>
+        <p:spPr>
+          <a:xfrm flipV="1">
+            <a:off x="2231579" y="3155285"/>
+            <a:ext cx="2301156" cy="542107"/>
+          </a:xfrm>
+          <a:prstGeom prst="straightConnector1">
+            <a:avLst/>
+          </a:prstGeom>
+          <a:ln>
+            <a:solidFill>
+              <a:schemeClr val="accent2"/>
+            </a:solidFill>
+            <a:tailEnd type="arrow"/>
+          </a:ln>
+        </p:spPr>
+        <p:style>
+          <a:lnRef idx="2">
+            <a:schemeClr val="accent1"/>
+          </a:lnRef>
+          <a:fillRef idx="0">
+            <a:schemeClr val="accent1"/>
+          </a:fillRef>
+          <a:effectRef idx="1">
+            <a:schemeClr val="accent1"/>
+          </a:effectRef>
+          <a:fontRef idx="minor">
+            <a:schemeClr val="tx1"/>
+          </a:fontRef>
+        </p:style>
+      </p:cxnSp>
+      <p:cxnSp>
+        <p:nvCxnSpPr>
+          <p:cNvPr id="20" name="Gerade Verbindung mit Pfeil 19"/>
+          <p:cNvCxnSpPr/>
+          <p:nvPr/>
+        </p:nvCxnSpPr>
+        <p:spPr>
+          <a:xfrm>
+            <a:off x="2166760" y="4087099"/>
+            <a:ext cx="2885344" cy="150053"/>
+          </a:xfrm>
+          <a:prstGeom prst="straightConnector1">
+            <a:avLst/>
+          </a:prstGeom>
+          <a:ln>
+            <a:solidFill>
+              <a:schemeClr val="accent2"/>
+            </a:solidFill>
+            <a:tailEnd type="arrow"/>
+          </a:ln>
+        </p:spPr>
+        <p:style>
+          <a:lnRef idx="2">
+            <a:schemeClr val="accent1"/>
+          </a:lnRef>
+          <a:fillRef idx="0">
+            <a:schemeClr val="accent1"/>
+          </a:fillRef>
+          <a:effectRef idx="1">
+            <a:schemeClr val="accent1"/>
+          </a:effectRef>
+          <a:fontRef idx="minor">
+            <a:schemeClr val="tx1"/>
+          </a:fontRef>
+        </p:style>
+      </p:cxnSp>
+      <p:cxnSp>
+        <p:nvCxnSpPr>
+          <p:cNvPr id="21" name="Gerade Verbindung mit Pfeil 20"/>
+          <p:cNvCxnSpPr/>
+          <p:nvPr/>
+        </p:nvCxnSpPr>
+        <p:spPr>
+          <a:xfrm>
+            <a:off x="1878160" y="4401383"/>
+            <a:ext cx="1871177" cy="1423333"/>
+          </a:xfrm>
+          <a:prstGeom prst="straightConnector1">
+            <a:avLst/>
+          </a:prstGeom>
+          <a:ln>
+            <a:solidFill>
+              <a:schemeClr val="accent2"/>
+            </a:solidFill>
+            <a:tailEnd type="arrow"/>
+          </a:ln>
+        </p:spPr>
+        <p:style>
+          <a:lnRef idx="2">
+            <a:schemeClr val="accent1"/>
+          </a:lnRef>
+          <a:fillRef idx="0">
+            <a:schemeClr val="accent1"/>
+          </a:fillRef>
+          <a:effectRef idx="1">
+            <a:schemeClr val="accent1"/>
+          </a:effectRef>
+          <a:fontRef idx="minor">
+            <a:schemeClr val="tx1"/>
+          </a:fontRef>
+        </p:style>
+      </p:cxnSp>
+      <p:cxnSp>
+        <p:nvCxnSpPr>
+          <p:cNvPr id="28" name="Gerade Verbindung mit Pfeil 27"/>
+          <p:cNvCxnSpPr/>
+          <p:nvPr/>
+        </p:nvCxnSpPr>
+        <p:spPr>
+          <a:xfrm flipH="1">
+            <a:off x="2166760" y="2765578"/>
+            <a:ext cx="863994" cy="779414"/>
+          </a:xfrm>
+          <a:prstGeom prst="straightConnector1">
+            <a:avLst/>
+          </a:prstGeom>
+          <a:ln>
+            <a:solidFill>
+              <a:schemeClr val="accent2"/>
+            </a:solidFill>
+            <a:tailEnd type="arrow"/>
+          </a:ln>
+        </p:spPr>
+        <p:style>
+          <a:lnRef idx="2">
+            <a:schemeClr val="accent1"/>
+          </a:lnRef>
+          <a:fillRef idx="0">
+            <a:schemeClr val="accent1"/>
+          </a:fillRef>
+          <a:effectRef idx="1">
+            <a:schemeClr val="accent1"/>
+          </a:effectRef>
+          <a:fontRef idx="minor">
+            <a:schemeClr val="tx1"/>
+          </a:fontRef>
+        </p:style>
+      </p:cxnSp>
+      <p:cxnSp>
+        <p:nvCxnSpPr>
+          <p:cNvPr id="30" name="Gerade Verbindung mit Pfeil 29"/>
+          <p:cNvCxnSpPr/>
+          <p:nvPr/>
+        </p:nvCxnSpPr>
+        <p:spPr>
+          <a:xfrm flipH="1">
+            <a:off x="2166760" y="3372328"/>
+            <a:ext cx="2492563" cy="558260"/>
+          </a:xfrm>
+          <a:prstGeom prst="straightConnector1">
+            <a:avLst/>
+          </a:prstGeom>
+          <a:ln>
+            <a:solidFill>
+              <a:schemeClr val="accent2"/>
+            </a:solidFill>
+            <a:tailEnd type="arrow"/>
+          </a:ln>
+        </p:spPr>
+        <p:style>
+          <a:lnRef idx="2">
+            <a:schemeClr val="accent1"/>
+          </a:lnRef>
+          <a:fillRef idx="0">
+            <a:schemeClr val="accent1"/>
+          </a:fillRef>
+          <a:effectRef idx="1">
+            <a:schemeClr val="accent1"/>
+          </a:effectRef>
+          <a:fontRef idx="minor">
+            <a:schemeClr val="tx1"/>
+          </a:fontRef>
+        </p:style>
+      </p:cxnSp>
+      <p:cxnSp>
+        <p:nvCxnSpPr>
+          <p:cNvPr id="33" name="Gerade Verbindung mit Pfeil 32"/>
+          <p:cNvCxnSpPr/>
+          <p:nvPr/>
+        </p:nvCxnSpPr>
+        <p:spPr>
+          <a:xfrm flipH="1" flipV="1">
+            <a:off x="2166760" y="4313793"/>
+            <a:ext cx="2885345" cy="221323"/>
+          </a:xfrm>
+          <a:prstGeom prst="straightConnector1">
+            <a:avLst/>
+          </a:prstGeom>
+          <a:ln>
+            <a:solidFill>
+              <a:schemeClr val="accent2"/>
+            </a:solidFill>
+            <a:tailEnd type="arrow"/>
+          </a:ln>
+        </p:spPr>
+        <p:style>
+          <a:lnRef idx="2">
+            <a:schemeClr val="accent1"/>
+          </a:lnRef>
+          <a:fillRef idx="0">
+            <a:schemeClr val="accent1"/>
+          </a:fillRef>
+          <a:effectRef idx="1">
+            <a:schemeClr val="accent1"/>
+          </a:effectRef>
+          <a:fontRef idx="minor">
+            <a:schemeClr val="tx1"/>
+          </a:fontRef>
+        </p:style>
+      </p:cxnSp>
+      <p:cxnSp>
+        <p:nvCxnSpPr>
+          <p:cNvPr id="37" name="Gerade Verbindung mit Pfeil 36"/>
+          <p:cNvCxnSpPr/>
+          <p:nvPr/>
+        </p:nvCxnSpPr>
+        <p:spPr>
+          <a:xfrm flipH="1" flipV="1">
+            <a:off x="1696882" y="4553783"/>
+            <a:ext cx="2052455" cy="1533701"/>
+          </a:xfrm>
+          <a:prstGeom prst="straightConnector1">
+            <a:avLst/>
+          </a:prstGeom>
+          <a:ln>
+            <a:solidFill>
+              <a:schemeClr val="accent2"/>
+            </a:solidFill>
+            <a:tailEnd type="arrow"/>
+          </a:ln>
+        </p:spPr>
+        <p:style>
+          <a:lnRef idx="2">
+            <a:schemeClr val="accent1"/>
+          </a:lnRef>
+          <a:fillRef idx="0">
+            <a:schemeClr val="accent1"/>
+          </a:fillRef>
+          <a:effectRef idx="1">
+            <a:schemeClr val="accent1"/>
+          </a:effectRef>
+          <a:fontRef idx="minor">
+            <a:schemeClr val="tx1"/>
+          </a:fontRef>
+        </p:style>
+      </p:cxnSp>
+      <p:sp>
+        <p:nvSpPr>
+          <p:cNvPr id="41" name="Textfeld 40"/>
+          <p:cNvSpPr txBox="1"/>
+          <p:nvPr/>
+        </p:nvSpPr>
+        <p:spPr>
+          <a:xfrm rot="1763263">
+            <a:off x="943674" y="2429093"/>
+            <a:ext cx="1034395" cy="369332"/>
+          </a:xfrm>
+          <a:prstGeom prst="rect">
+            <a:avLst/>
+          </a:prstGeom>
+          <a:noFill/>
+        </p:spPr>
+        <p:txBody>
+          <a:bodyPr wrap="none" rtlCol="0">
+            <a:spAutoFit/>
+          </a:bodyPr>
+          <a:lstStyle/>
+          <a:p>
+            <a:r>
+              <a:rPr lang="de-DE" b="1" dirty="0" smtClean="0">
+                <a:solidFill>
+                  <a:schemeClr val="bg1"/>
+                </a:solidFill>
+              </a:rPr>
+              <a:t>MASTER</a:t>
+            </a:r>
+            <a:endParaRPr lang="de-DE" b="1" dirty="0">
+              <a:solidFill>
+                <a:schemeClr val="bg1"/>
+              </a:solidFill>
+            </a:endParaRPr>
+          </a:p>
+        </p:txBody>
+      </p:sp>
+      <p:sp>
+        <p:nvSpPr>
+          <p:cNvPr id="42" name="Textfeld 41"/>
+          <p:cNvSpPr txBox="1"/>
+          <p:nvPr/>
+        </p:nvSpPr>
+        <p:spPr>
+          <a:xfrm>
+            <a:off x="1866346" y="1391949"/>
+            <a:ext cx="1188768" cy="369332"/>
+          </a:xfrm>
+          <a:prstGeom prst="rect">
+            <a:avLst/>
+          </a:prstGeom>
+          <a:noFill/>
+        </p:spPr>
+        <p:txBody>
+          <a:bodyPr wrap="none" rtlCol="0">
+            <a:spAutoFit/>
+          </a:bodyPr>
+          <a:lstStyle/>
+          <a:p>
+            <a:r>
+              <a:rPr lang="de-DE" dirty="0" smtClean="0">
+                <a:latin typeface="Avenir Heavy"/>
+                <a:cs typeface="Avenir Heavy"/>
+              </a:rPr>
+              <a:t>Worker 1</a:t>
+            </a:r>
+            <a:endParaRPr lang="de-DE" dirty="0">
+              <a:latin typeface="Avenir Heavy"/>
+              <a:cs typeface="Avenir Heavy"/>
+            </a:endParaRPr>
+          </a:p>
+        </p:txBody>
+      </p:sp>
+      <p:sp>
+        <p:nvSpPr>
+          <p:cNvPr id="45" name="Rechteck 44"/>
+          <p:cNvSpPr/>
+          <p:nvPr/>
+        </p:nvSpPr>
+        <p:spPr>
+          <a:xfrm>
+            <a:off x="5192244" y="1687562"/>
+            <a:ext cx="1188768" cy="369332"/>
+          </a:xfrm>
+          <a:prstGeom prst="rect">
+            <a:avLst/>
+          </a:prstGeom>
+        </p:spPr>
+        <p:txBody>
+          <a:bodyPr wrap="none">
+            <a:spAutoFit/>
+          </a:bodyPr>
+          <a:lstStyle/>
+          <a:p>
+            <a:r>
+              <a:rPr lang="de-DE" dirty="0">
+                <a:latin typeface="Avenir Heavy"/>
+                <a:cs typeface="Avenir Heavy"/>
+              </a:rPr>
+              <a:t>Worker </a:t>
+            </a:r>
+            <a:r>
+              <a:rPr lang="de-DE" dirty="0" smtClean="0">
+                <a:latin typeface="Avenir Heavy"/>
+                <a:cs typeface="Avenir Heavy"/>
+              </a:rPr>
+              <a:t>2</a:t>
+            </a:r>
+            <a:endParaRPr lang="de-DE" dirty="0">
+              <a:latin typeface="Avenir Heavy"/>
+              <a:cs typeface="Avenir Heavy"/>
+            </a:endParaRPr>
+          </a:p>
+        </p:txBody>
+      </p:sp>
+      <p:sp>
+        <p:nvSpPr>
+          <p:cNvPr id="46" name="Rechteck 45"/>
+          <p:cNvSpPr/>
+          <p:nvPr/>
+        </p:nvSpPr>
+        <p:spPr>
+          <a:xfrm>
+            <a:off x="5786628" y="3284311"/>
+            <a:ext cx="1188768" cy="369332"/>
+          </a:xfrm>
+          <a:prstGeom prst="rect">
+            <a:avLst/>
+          </a:prstGeom>
+        </p:spPr>
+        <p:txBody>
+          <a:bodyPr wrap="none">
+            <a:spAutoFit/>
+          </a:bodyPr>
+          <a:lstStyle/>
+          <a:p>
+            <a:r>
+              <a:rPr lang="de-DE" dirty="0">
+                <a:latin typeface="Avenir Heavy"/>
+                <a:cs typeface="Avenir Heavy"/>
+              </a:rPr>
+              <a:t>Worker </a:t>
+            </a:r>
+            <a:r>
+              <a:rPr lang="de-DE" dirty="0" smtClean="0">
+                <a:latin typeface="Avenir Heavy"/>
+                <a:cs typeface="Avenir Heavy"/>
+              </a:rPr>
+              <a:t>3</a:t>
+            </a:r>
+            <a:endParaRPr lang="de-DE" dirty="0">
+              <a:latin typeface="Avenir Heavy"/>
+              <a:cs typeface="Avenir Heavy"/>
+            </a:endParaRPr>
+          </a:p>
+        </p:txBody>
+      </p:sp>
+      <p:sp>
+        <p:nvSpPr>
+          <p:cNvPr id="47" name="Rechteck 46"/>
+          <p:cNvSpPr/>
+          <p:nvPr/>
+        </p:nvSpPr>
+        <p:spPr>
+          <a:xfrm>
+            <a:off x="4788075" y="5458899"/>
+            <a:ext cx="1197764" cy="369332"/>
+          </a:xfrm>
+          <a:prstGeom prst="rect">
+            <a:avLst/>
+          </a:prstGeom>
+        </p:spPr>
+        <p:txBody>
+          <a:bodyPr wrap="none">
+            <a:spAutoFit/>
+          </a:bodyPr>
+          <a:lstStyle/>
+          <a:p>
+            <a:r>
+              <a:rPr lang="de-DE" dirty="0">
+                <a:latin typeface="Avenir Heavy"/>
+                <a:cs typeface="Avenir Heavy"/>
+              </a:rPr>
+              <a:t>Worker </a:t>
+            </a:r>
+            <a:r>
+              <a:rPr lang="de-DE" dirty="0" smtClean="0">
+                <a:latin typeface="Avenir Heavy"/>
+                <a:cs typeface="Avenir Heavy"/>
+              </a:rPr>
+              <a:t>4</a:t>
+            </a:r>
+            <a:endParaRPr lang="de-DE" dirty="0">
+              <a:latin typeface="Avenir Heavy"/>
+              <a:cs typeface="Avenir Heavy"/>
+            </a:endParaRPr>
+          </a:p>
+        </p:txBody>
+      </p:sp>
+      <p:sp>
+        <p:nvSpPr>
+          <p:cNvPr id="48" name="Rechteck 47"/>
+          <p:cNvSpPr/>
+          <p:nvPr/>
+        </p:nvSpPr>
+        <p:spPr>
+          <a:xfrm rot="19007614">
+            <a:off x="2205574" y="2487943"/>
+            <a:ext cx="646331" cy="369332"/>
+          </a:xfrm>
+          <a:prstGeom prst="rect">
+            <a:avLst/>
+          </a:prstGeom>
+        </p:spPr>
+        <p:txBody>
+          <a:bodyPr wrap="none">
+            <a:spAutoFit/>
+          </a:bodyPr>
+          <a:lstStyle/>
+          <a:p>
+            <a:r>
+              <a:rPr lang="de-DE" dirty="0" smtClean="0">
+                <a:latin typeface="Avenir Heavy"/>
+                <a:cs typeface="Avenir Heavy"/>
+              </a:rPr>
+              <a:t>Task</a:t>
+            </a:r>
+            <a:endParaRPr lang="de-DE" dirty="0">
+              <a:latin typeface="Avenir Heavy"/>
+              <a:cs typeface="Avenir Heavy"/>
+            </a:endParaRPr>
+          </a:p>
+        </p:txBody>
+      </p:sp>
+      <p:sp>
+        <p:nvSpPr>
+          <p:cNvPr id="49" name="Rechteck 48"/>
+          <p:cNvSpPr/>
+          <p:nvPr/>
+        </p:nvSpPr>
+        <p:spPr>
+          <a:xfrm rot="20729612">
+            <a:off x="2897240" y="3156875"/>
+            <a:ext cx="646331" cy="369332"/>
+          </a:xfrm>
+          <a:prstGeom prst="rect">
+            <a:avLst/>
+          </a:prstGeom>
+        </p:spPr>
+        <p:txBody>
+          <a:bodyPr wrap="none">
+            <a:spAutoFit/>
+          </a:bodyPr>
+          <a:lstStyle/>
+          <a:p>
+            <a:r>
+              <a:rPr lang="de-DE" dirty="0" smtClean="0">
+                <a:latin typeface="Avenir Heavy"/>
+                <a:cs typeface="Avenir Heavy"/>
+              </a:rPr>
+              <a:t>Task</a:t>
+            </a:r>
+            <a:endParaRPr lang="de-DE" dirty="0">
+              <a:latin typeface="Avenir Heavy"/>
+              <a:cs typeface="Avenir Heavy"/>
+            </a:endParaRPr>
+          </a:p>
+        </p:txBody>
+      </p:sp>
+      <p:sp>
+        <p:nvSpPr>
+          <p:cNvPr id="50" name="Rechteck 49"/>
+          <p:cNvSpPr/>
+          <p:nvPr/>
+        </p:nvSpPr>
+        <p:spPr>
+          <a:xfrm rot="247122">
+            <a:off x="3671849" y="3886554"/>
+            <a:ext cx="646331" cy="369332"/>
+          </a:xfrm>
+          <a:prstGeom prst="rect">
+            <a:avLst/>
+          </a:prstGeom>
+        </p:spPr>
+        <p:txBody>
+          <a:bodyPr wrap="none">
+            <a:spAutoFit/>
+          </a:bodyPr>
+          <a:lstStyle/>
+          <a:p>
+            <a:r>
+              <a:rPr lang="de-DE" dirty="0" smtClean="0">
+                <a:latin typeface="Avenir Heavy"/>
+                <a:cs typeface="Avenir Heavy"/>
+              </a:rPr>
+              <a:t>Task</a:t>
+            </a:r>
+            <a:endParaRPr lang="de-DE" dirty="0">
+              <a:latin typeface="Avenir Heavy"/>
+              <a:cs typeface="Avenir Heavy"/>
+            </a:endParaRPr>
+          </a:p>
+        </p:txBody>
+      </p:sp>
+      <p:sp>
+        <p:nvSpPr>
+          <p:cNvPr id="51" name="Rechteck 50"/>
+          <p:cNvSpPr/>
+          <p:nvPr/>
+        </p:nvSpPr>
+        <p:spPr>
+          <a:xfrm rot="2207323">
+            <a:off x="2567554" y="4741750"/>
+            <a:ext cx="646331" cy="369332"/>
+          </a:xfrm>
+          <a:prstGeom prst="rect">
+            <a:avLst/>
+          </a:prstGeom>
+        </p:spPr>
+        <p:txBody>
+          <a:bodyPr wrap="none">
+            <a:spAutoFit/>
+          </a:bodyPr>
+          <a:lstStyle/>
+          <a:p>
+            <a:r>
+              <a:rPr lang="de-DE" dirty="0" smtClean="0">
+                <a:latin typeface="Avenir Heavy"/>
+                <a:cs typeface="Avenir Heavy"/>
+              </a:rPr>
+              <a:t>Task</a:t>
+            </a:r>
+            <a:endParaRPr lang="de-DE" dirty="0">
+              <a:latin typeface="Avenir Heavy"/>
+              <a:cs typeface="Avenir Heavy"/>
+            </a:endParaRPr>
+          </a:p>
+        </p:txBody>
+      </p:sp>
+      <p:sp>
+        <p:nvSpPr>
+          <p:cNvPr id="52" name="Rechteck 51"/>
+          <p:cNvSpPr/>
+          <p:nvPr/>
+        </p:nvSpPr>
+        <p:spPr>
+          <a:xfrm rot="19007614">
+            <a:off x="2323166" y="2961040"/>
+            <a:ext cx="937622" cy="369332"/>
+          </a:xfrm>
+          <a:prstGeom prst="rect">
+            <a:avLst/>
+          </a:prstGeom>
+        </p:spPr>
+        <p:txBody>
+          <a:bodyPr wrap="square">
+            <a:spAutoFit/>
+          </a:bodyPr>
+          <a:lstStyle/>
+          <a:p>
+            <a:r>
+              <a:rPr lang="de-DE" dirty="0" err="1" smtClean="0">
+                <a:latin typeface="Avenir Heavy"/>
+                <a:cs typeface="Avenir Heavy"/>
+              </a:rPr>
+              <a:t>Result</a:t>
+            </a:r>
+            <a:endParaRPr lang="de-DE" dirty="0">
+              <a:latin typeface="Avenir Heavy"/>
+              <a:cs typeface="Avenir Heavy"/>
+            </a:endParaRPr>
+          </a:p>
+        </p:txBody>
+      </p:sp>
+      <p:sp>
+        <p:nvSpPr>
+          <p:cNvPr id="53" name="Rechteck 52"/>
+          <p:cNvSpPr/>
+          <p:nvPr/>
+        </p:nvSpPr>
+        <p:spPr>
+          <a:xfrm rot="20829288">
+            <a:off x="3252703" y="3553535"/>
+            <a:ext cx="937622" cy="369332"/>
+          </a:xfrm>
+          <a:prstGeom prst="rect">
+            <a:avLst/>
+          </a:prstGeom>
+        </p:spPr>
+        <p:txBody>
+          <a:bodyPr wrap="square">
+            <a:spAutoFit/>
+          </a:bodyPr>
+          <a:lstStyle/>
+          <a:p>
+            <a:r>
+              <a:rPr lang="de-DE" dirty="0" err="1" smtClean="0">
+                <a:latin typeface="Avenir Heavy"/>
+                <a:cs typeface="Avenir Heavy"/>
+              </a:rPr>
+              <a:t>Result</a:t>
+            </a:r>
+            <a:endParaRPr lang="de-DE" dirty="0">
+              <a:latin typeface="Avenir Heavy"/>
+              <a:cs typeface="Avenir Heavy"/>
+            </a:endParaRPr>
+          </a:p>
+        </p:txBody>
+      </p:sp>
+      <p:sp>
+        <p:nvSpPr>
+          <p:cNvPr id="54" name="Rechteck 53"/>
+          <p:cNvSpPr/>
+          <p:nvPr/>
+        </p:nvSpPr>
+        <p:spPr>
+          <a:xfrm rot="304137">
+            <a:off x="3378505" y="4400326"/>
+            <a:ext cx="937622" cy="369332"/>
+          </a:xfrm>
+          <a:prstGeom prst="rect">
+            <a:avLst/>
+          </a:prstGeom>
+        </p:spPr>
+        <p:txBody>
+          <a:bodyPr wrap="square">
+            <a:spAutoFit/>
+          </a:bodyPr>
+          <a:lstStyle/>
+          <a:p>
+            <a:r>
+              <a:rPr lang="de-DE" dirty="0" err="1" smtClean="0">
+                <a:latin typeface="Avenir Heavy"/>
+                <a:cs typeface="Avenir Heavy"/>
+              </a:rPr>
+              <a:t>Result</a:t>
+            </a:r>
+            <a:endParaRPr lang="de-DE" dirty="0">
+              <a:latin typeface="Avenir Heavy"/>
+              <a:cs typeface="Avenir Heavy"/>
+            </a:endParaRPr>
+          </a:p>
+        </p:txBody>
+      </p:sp>
+      <p:sp>
+        <p:nvSpPr>
+          <p:cNvPr id="55" name="Rechteck 54"/>
+          <p:cNvSpPr/>
+          <p:nvPr/>
+        </p:nvSpPr>
+        <p:spPr>
+          <a:xfrm rot="2188403">
+            <a:off x="2099542" y="5212870"/>
+            <a:ext cx="937622" cy="369332"/>
+          </a:xfrm>
+          <a:prstGeom prst="rect">
+            <a:avLst/>
+          </a:prstGeom>
+        </p:spPr>
+        <p:txBody>
+          <a:bodyPr wrap="square">
+            <a:spAutoFit/>
+          </a:bodyPr>
+          <a:lstStyle/>
+          <a:p>
+            <a:r>
+              <a:rPr lang="de-DE" dirty="0" err="1" smtClean="0">
+                <a:latin typeface="Avenir Heavy"/>
+                <a:cs typeface="Avenir Heavy"/>
+              </a:rPr>
+              <a:t>Result</a:t>
+            </a:r>
+            <a:endParaRPr lang="de-DE" dirty="0">
+              <a:latin typeface="Avenir Heavy"/>
+              <a:cs typeface="Avenir Heavy"/>
+            </a:endParaRPr>
+          </a:p>
+        </p:txBody>
+      </p:sp>
+    </p:spTree>
+    <p:extLst>
+      <p:ext uri="{BB962C8B-B14F-4D97-AF65-F5344CB8AC3E}">
+        <p14:creationId xmlns:p14="http://schemas.microsoft.com/office/powerpoint/2010/main" val="3166588457"/>
+      </p:ext>
+    </p:extLst>
+  </p:cSld>
+  <p:clrMapOvr>
+    <a:masterClrMapping/>
+  </p:clrMapOvr>
+  <p:timing>
+    <p:tnLst>
+      <p:par>
+        <p:cTn xmlns:p14="http://schemas.microsoft.com/office/powerpoint/2010/main" id="1" dur="indefinite" restart="never" nodeType="tmRoot"/>
+      </p:par>
+    </p:tnLst>
+  </p:timing>
+</p:sld>
+</file>
+
+<file path=ppt/slides/slide14.xml><?xml version="1.0" encoding="utf-8"?>
+<p:sld xmlns:a="http://schemas.openxmlformats.org/drawingml/2006/main" xmlns:r="http://schemas.openxmlformats.org/officeDocument/2006/relationships" xmlns:p="http://schemas.openxmlformats.org/presentationml/2006/main">
+  <p:cSld>
+    <p:spTree>
+      <p:nvGrpSpPr>
+        <p:cNvPr id="1" name=""/>
+        <p:cNvGrpSpPr/>
+        <p:nvPr/>
+      </p:nvGrpSpPr>
+      <p:grpSpPr>
+        <a:xfrm>
+          <a:off x="0" y="0"/>
+          <a:ext cx="0" cy="0"/>
+          <a:chOff x="0" y="0"/>
+          <a:chExt cx="0" cy="0"/>
+        </a:xfrm>
+      </p:grpSpPr>
+      <p:sp>
+        <p:nvSpPr>
+          <p:cNvPr id="2" name="Titel 1"/>
+          <p:cNvSpPr>
+            <a:spLocks noGrp="1"/>
+          </p:cNvSpPr>
+          <p:nvPr>
+            <p:ph type="title"/>
+          </p:nvPr>
+        </p:nvSpPr>
+        <p:spPr/>
+        <p:txBody>
+          <a:bodyPr/>
+          <a:lstStyle/>
+          <a:p>
+            <a:pPr algn="ctr"/>
+            <a:r>
+              <a:rPr lang="de-DE" dirty="0" smtClean="0">
+                <a:latin typeface="Avenir Black Oblique"/>
+                <a:cs typeface="Avenir Black Oblique"/>
+              </a:rPr>
+              <a:t>Die </a:t>
+            </a:r>
+            <a:r>
+              <a:rPr lang="de-DE" dirty="0" err="1" smtClean="0">
+                <a:latin typeface="Avenir Black Oblique"/>
+                <a:cs typeface="Avenir Black Oblique"/>
+              </a:rPr>
+              <a:t>Resilient</a:t>
+            </a:r>
+            <a:r>
+              <a:rPr lang="de-DE" dirty="0" smtClean="0">
+                <a:latin typeface="Avenir Black Oblique"/>
+                <a:cs typeface="Avenir Black Oblique"/>
+              </a:rPr>
+              <a:t> Distributed Datasets</a:t>
+            </a:r>
+            <a:endParaRPr lang="de-DE" dirty="0">
+              <a:latin typeface="Avenir Black Oblique"/>
+              <a:cs typeface="Avenir Black Oblique"/>
+            </a:endParaRPr>
+          </a:p>
+        </p:txBody>
+      </p:sp>
+      <p:sp>
+        <p:nvSpPr>
+          <p:cNvPr id="3" name="Inhaltsplatzhalter 2"/>
+          <p:cNvSpPr>
+            <a:spLocks noGrp="1"/>
+          </p:cNvSpPr>
+          <p:nvPr>
+            <p:ph idx="1"/>
+          </p:nvPr>
+        </p:nvSpPr>
+        <p:spPr/>
+        <p:txBody>
+          <a:bodyPr/>
+          <a:lstStyle/>
+          <a:p>
+            <a:endParaRPr lang="de-DE" dirty="0" smtClean="0">
+              <a:latin typeface="Avenir Book"/>
+              <a:cs typeface="Avenir Book"/>
+            </a:endParaRPr>
+          </a:p>
+        </p:txBody>
+      </p:sp>
+    </p:spTree>
+    <p:extLst>
+      <p:ext uri="{BB962C8B-B14F-4D97-AF65-F5344CB8AC3E}">
+        <p14:creationId xmlns:p14="http://schemas.microsoft.com/office/powerpoint/2010/main" val="3166588457"/>
+      </p:ext>
+    </p:extLst>
+  </p:cSld>
+  <p:clrMapOvr>
+    <a:masterClrMapping/>
+  </p:clrMapOvr>
+  <p:timing>
+    <p:tnLst>
+      <p:par>
+        <p:cTn xmlns:p14="http://schemas.microsoft.com/office/powerpoint/2010/main" id="1" dur="indefinite" restart="never" nodeType="tmRoot"/>
+      </p:par>
+    </p:tnLst>
+  </p:timing>
+</p:sld>
+</file>
+
+<file path=ppt/slides/slide15.xml><?xml version="1.0" encoding="utf-8"?>
+<p:sld xmlns:a="http://schemas.openxmlformats.org/drawingml/2006/main" xmlns:r="http://schemas.openxmlformats.org/officeDocument/2006/relationships" xmlns:p="http://schemas.openxmlformats.org/presentationml/2006/main">
+  <p:cSld>
+    <p:spTree>
+      <p:nvGrpSpPr>
+        <p:cNvPr id="1" name=""/>
+        <p:cNvGrpSpPr/>
+        <p:nvPr/>
+      </p:nvGrpSpPr>
+      <p:grpSpPr>
+        <a:xfrm>
+          <a:off x="0" y="0"/>
+          <a:ext cx="0" cy="0"/>
+          <a:chOff x="0" y="0"/>
+          <a:chExt cx="0" cy="0"/>
+        </a:xfrm>
+      </p:grpSpPr>
+      <p:sp>
+        <p:nvSpPr>
+          <p:cNvPr id="2" name="Titel 1"/>
+          <p:cNvSpPr>
+            <a:spLocks noGrp="1"/>
+          </p:cNvSpPr>
+          <p:nvPr>
+            <p:ph type="title"/>
+          </p:nvPr>
+        </p:nvSpPr>
+        <p:spPr/>
+        <p:txBody>
+          <a:bodyPr/>
+          <a:lstStyle/>
+          <a:p>
+            <a:pPr algn="ctr"/>
+            <a:r>
+              <a:rPr lang="de-DE" dirty="0" smtClean="0">
+                <a:latin typeface="Avenir Black Oblique"/>
+                <a:cs typeface="Avenir Black Oblique"/>
+              </a:rPr>
+              <a:t>Der Berkeley Data </a:t>
+            </a:r>
+            <a:r>
+              <a:rPr lang="de-DE" dirty="0" err="1" smtClean="0">
+                <a:latin typeface="Avenir Black Oblique"/>
+                <a:cs typeface="Avenir Black Oblique"/>
+              </a:rPr>
+              <a:t>Analytics</a:t>
+            </a:r>
+            <a:r>
+              <a:rPr lang="de-DE" dirty="0" smtClean="0">
+                <a:latin typeface="Avenir Black Oblique"/>
+                <a:cs typeface="Avenir Black Oblique"/>
+              </a:rPr>
+              <a:t> </a:t>
+            </a:r>
+            <a:r>
+              <a:rPr lang="de-DE" dirty="0" err="1" smtClean="0">
+                <a:latin typeface="Avenir Black Oblique"/>
+                <a:cs typeface="Avenir Black Oblique"/>
+              </a:rPr>
+              <a:t>Stack</a:t>
+            </a:r>
+            <a:endParaRPr lang="de-DE" dirty="0">
+              <a:latin typeface="Avenir Black Oblique"/>
+              <a:cs typeface="Avenir Black Oblique"/>
+            </a:endParaRPr>
+          </a:p>
+        </p:txBody>
+      </p:sp>
+      <p:sp>
+        <p:nvSpPr>
+          <p:cNvPr id="3" name="Inhaltsplatzhalter 2"/>
+          <p:cNvSpPr>
+            <a:spLocks noGrp="1"/>
+          </p:cNvSpPr>
+          <p:nvPr>
+            <p:ph idx="1"/>
+          </p:nvPr>
+        </p:nvSpPr>
+        <p:spPr/>
+        <p:txBody>
+          <a:bodyPr/>
+          <a:lstStyle/>
+          <a:p>
+            <a:r>
+              <a:rPr lang="de-DE" dirty="0" smtClean="0">
+                <a:latin typeface="Avenir Book"/>
+                <a:cs typeface="Avenir Book"/>
+              </a:rPr>
+              <a:t>Wikipedia sagt dazu: „.</a:t>
+            </a:r>
+            <a:r>
+              <a:rPr lang="de-DE" dirty="0">
+                <a:latin typeface="Avenir Book"/>
+                <a:cs typeface="Avenir Book"/>
+              </a:rPr>
+              <a:t>.. bezeichnet Daten-Mengen, die zu groß, oder zu komplex sind, oder sich zu schnell ändern, um sie mit </a:t>
+            </a:r>
+            <a:r>
+              <a:rPr lang="de-DE" dirty="0" err="1">
+                <a:latin typeface="Avenir Book"/>
+                <a:cs typeface="Avenir Book"/>
+              </a:rPr>
+              <a:t>händischen</a:t>
+            </a:r>
+            <a:r>
+              <a:rPr lang="de-DE" dirty="0">
+                <a:latin typeface="Avenir Book"/>
+                <a:cs typeface="Avenir Book"/>
+              </a:rPr>
+              <a:t> und klassischen Methoden der Datenverarbeitung auszuwerten</a:t>
+            </a:r>
+            <a:r>
+              <a:rPr lang="de-DE" dirty="0" smtClean="0">
+                <a:latin typeface="Avenir Book"/>
+                <a:cs typeface="Avenir Book"/>
+              </a:rPr>
+              <a:t>.“</a:t>
+            </a:r>
+          </a:p>
+          <a:p>
+            <a:r>
+              <a:rPr lang="de-DE" dirty="0">
+                <a:latin typeface="Avenir Book"/>
+                <a:cs typeface="Avenir Book"/>
+              </a:rPr>
+              <a:t>Andere Definition:  </a:t>
+            </a:r>
+            <a:r>
+              <a:rPr lang="de-DE" dirty="0" smtClean="0">
+                <a:latin typeface="Avenir Book"/>
+                <a:cs typeface="Avenir Book"/>
+              </a:rPr>
+              <a:t>„Big Data“ bezeichnet nicht nur Datenvolumen, sondern auch Werkzeuge und Prozesse für den Umgang mit großen Volumen </a:t>
+            </a:r>
+          </a:p>
+          <a:p>
+            <a:r>
+              <a:rPr lang="de-DE" dirty="0">
+                <a:latin typeface="Avenir Book"/>
+                <a:cs typeface="Avenir Book"/>
+              </a:rPr>
+              <a:t>Problematisch </a:t>
+            </a:r>
+            <a:r>
+              <a:rPr lang="de-DE" dirty="0" smtClean="0">
+                <a:latin typeface="Avenir Book"/>
+                <a:cs typeface="Avenir Book"/>
+              </a:rPr>
+              <a:t>vor </a:t>
+            </a:r>
+            <a:r>
+              <a:rPr lang="de-DE" dirty="0">
+                <a:latin typeface="Avenir Book"/>
+                <a:cs typeface="Avenir Book"/>
+              </a:rPr>
+              <a:t>allem </a:t>
+            </a:r>
+            <a:r>
+              <a:rPr lang="de-DE" dirty="0" smtClean="0">
+                <a:latin typeface="Avenir Book"/>
+                <a:cs typeface="Avenir Book"/>
+              </a:rPr>
+              <a:t>Erfassung</a:t>
+            </a:r>
+            <a:r>
+              <a:rPr lang="de-DE" dirty="0">
+                <a:latin typeface="Avenir Book"/>
+                <a:cs typeface="Avenir Book"/>
+              </a:rPr>
+              <a:t>, </a:t>
+            </a:r>
+            <a:r>
+              <a:rPr lang="de-DE" dirty="0" smtClean="0">
+                <a:latin typeface="Avenir Book"/>
+                <a:cs typeface="Avenir Book"/>
+              </a:rPr>
+              <a:t>Speicherung, Suche</a:t>
+            </a:r>
+            <a:r>
+              <a:rPr lang="de-DE" dirty="0">
+                <a:latin typeface="Avenir Book"/>
+                <a:cs typeface="Avenir Book"/>
+              </a:rPr>
+              <a:t>, Verteilung, </a:t>
+            </a:r>
+            <a:r>
+              <a:rPr lang="de-DE" dirty="0" smtClean="0">
+                <a:latin typeface="Avenir Book"/>
+                <a:cs typeface="Avenir Book"/>
+              </a:rPr>
+              <a:t>Analyse, Visualisierung </a:t>
+            </a:r>
+            <a:r>
+              <a:rPr lang="de-DE" dirty="0">
+                <a:latin typeface="Avenir Book"/>
+                <a:cs typeface="Avenir Book"/>
+              </a:rPr>
+              <a:t>von großen </a:t>
+            </a:r>
+            <a:r>
+              <a:rPr lang="de-DE" dirty="0" smtClean="0">
+                <a:latin typeface="Avenir Book"/>
+                <a:cs typeface="Avenir Book"/>
+              </a:rPr>
+              <a:t>Datenmengen</a:t>
+            </a:r>
+          </a:p>
+        </p:txBody>
+      </p:sp>
+    </p:spTree>
+    <p:extLst>
+      <p:ext uri="{BB962C8B-B14F-4D97-AF65-F5344CB8AC3E}">
+        <p14:creationId xmlns:p14="http://schemas.microsoft.com/office/powerpoint/2010/main" val="3166588457"/>
+      </p:ext>
+    </p:extLst>
+  </p:cSld>
+  <p:clrMapOvr>
+    <a:masterClrMapping/>
+  </p:clrMapOvr>
+  <p:timing>
+    <p:tnLst>
+      <p:par>
+        <p:cTn xmlns:p14="http://schemas.microsoft.com/office/powerpoint/2010/main" id="1" dur="indefinite" restart="never" nodeType="tmRoot"/>
+      </p:par>
+    </p:tnLst>
+  </p:timing>
+</p:sld>
+</file>
+
+<file path=ppt/slides/slide16.xml><?xml version="1.0" encoding="utf-8"?>
+<p:sld xmlns:a="http://schemas.openxmlformats.org/drawingml/2006/main" xmlns:r="http://schemas.openxmlformats.org/officeDocument/2006/relationships" xmlns:p="http://schemas.openxmlformats.org/presentationml/2006/main">
+  <p:cSld>
+    <p:spTree>
+      <p:nvGrpSpPr>
+        <p:cNvPr id="1" name=""/>
+        <p:cNvGrpSpPr/>
+        <p:nvPr/>
+      </p:nvGrpSpPr>
+      <p:grpSpPr>
+        <a:xfrm>
+          <a:off x="0" y="0"/>
+          <a:ext cx="0" cy="0"/>
+          <a:chOff x="0" y="0"/>
+          <a:chExt cx="0" cy="0"/>
+        </a:xfrm>
+      </p:grpSpPr>
+      <p:sp>
+        <p:nvSpPr>
+          <p:cNvPr id="2" name="Titel 1"/>
+          <p:cNvSpPr>
+            <a:spLocks noGrp="1"/>
+          </p:cNvSpPr>
+          <p:nvPr>
+            <p:ph type="title"/>
+          </p:nvPr>
+        </p:nvSpPr>
+        <p:spPr/>
+        <p:txBody>
+          <a:bodyPr/>
+          <a:lstStyle/>
+          <a:p>
+            <a:pPr algn="ctr"/>
+            <a:r>
+              <a:rPr lang="de-DE" dirty="0" smtClean="0">
+                <a:latin typeface="Avenir Black Oblique"/>
+                <a:cs typeface="Avenir Black Oblique"/>
+              </a:rPr>
+              <a:t>Streaming, </a:t>
+            </a:r>
+            <a:r>
+              <a:rPr lang="de-DE" dirty="0" err="1" smtClean="0">
+                <a:latin typeface="Avenir Black Oblique"/>
+                <a:cs typeface="Avenir Black Oblique"/>
+              </a:rPr>
+              <a:t>GraphX</a:t>
+            </a:r>
+            <a:r>
+              <a:rPr lang="de-DE" dirty="0" smtClean="0">
+                <a:latin typeface="Avenir Black Oblique"/>
+                <a:cs typeface="Avenir Black Oblique"/>
+              </a:rPr>
+              <a:t>, Spark SQL</a:t>
+            </a:r>
+            <a:endParaRPr lang="de-DE" dirty="0">
+              <a:latin typeface="Avenir Black Oblique"/>
+              <a:cs typeface="Avenir Black Oblique"/>
+            </a:endParaRPr>
+          </a:p>
+        </p:txBody>
+      </p:sp>
+      <p:sp>
+        <p:nvSpPr>
+          <p:cNvPr id="3" name="Inhaltsplatzhalter 2"/>
+          <p:cNvSpPr>
+            <a:spLocks noGrp="1"/>
+          </p:cNvSpPr>
+          <p:nvPr>
+            <p:ph idx="1"/>
+          </p:nvPr>
+        </p:nvSpPr>
+        <p:spPr/>
+        <p:txBody>
+          <a:bodyPr/>
+          <a:lstStyle/>
+          <a:p>
+            <a:r>
+              <a:rPr lang="de-DE" dirty="0" smtClean="0">
+                <a:latin typeface="Avenir Book"/>
+                <a:cs typeface="Avenir Book"/>
+              </a:rPr>
+              <a:t>Wikipedia sagt dazu: „.</a:t>
+            </a:r>
+            <a:r>
+              <a:rPr lang="de-DE" dirty="0">
+                <a:latin typeface="Avenir Book"/>
+                <a:cs typeface="Avenir Book"/>
+              </a:rPr>
+              <a:t>.. bezeichnet Daten-Mengen, die zu groß, oder zu komplex sind, oder sich zu schnell ändern, um sie mit </a:t>
+            </a:r>
+            <a:r>
+              <a:rPr lang="de-DE" dirty="0" err="1">
+                <a:latin typeface="Avenir Book"/>
+                <a:cs typeface="Avenir Book"/>
+              </a:rPr>
+              <a:t>händischen</a:t>
+            </a:r>
+            <a:r>
+              <a:rPr lang="de-DE" dirty="0">
+                <a:latin typeface="Avenir Book"/>
+                <a:cs typeface="Avenir Book"/>
+              </a:rPr>
+              <a:t> und klassischen Methoden der Datenverarbeitung auszuwerten</a:t>
+            </a:r>
+            <a:r>
+              <a:rPr lang="de-DE" dirty="0" smtClean="0">
+                <a:latin typeface="Avenir Book"/>
+                <a:cs typeface="Avenir Book"/>
+              </a:rPr>
+              <a:t>.“</a:t>
+            </a:r>
+          </a:p>
+          <a:p>
+            <a:r>
+              <a:rPr lang="de-DE" dirty="0">
+                <a:latin typeface="Avenir Book"/>
+                <a:cs typeface="Avenir Book"/>
+              </a:rPr>
+              <a:t>Andere Definition:  </a:t>
+            </a:r>
+            <a:r>
+              <a:rPr lang="de-DE" dirty="0" smtClean="0">
+                <a:latin typeface="Avenir Book"/>
+                <a:cs typeface="Avenir Book"/>
+              </a:rPr>
+              <a:t>„Big Data“ bezeichnet nicht nur Datenvolumen, sondern auch Werkzeuge und Prozesse für den Umgang mit großen Volumen </a:t>
+            </a:r>
+          </a:p>
+          <a:p>
+            <a:r>
+              <a:rPr lang="de-DE" dirty="0">
+                <a:latin typeface="Avenir Book"/>
+                <a:cs typeface="Avenir Book"/>
+              </a:rPr>
+              <a:t>Problematisch </a:t>
+            </a:r>
+            <a:r>
+              <a:rPr lang="de-DE" dirty="0" smtClean="0">
+                <a:latin typeface="Avenir Book"/>
+                <a:cs typeface="Avenir Book"/>
+              </a:rPr>
+              <a:t>vor </a:t>
+            </a:r>
+            <a:r>
+              <a:rPr lang="de-DE" dirty="0">
+                <a:latin typeface="Avenir Book"/>
+                <a:cs typeface="Avenir Book"/>
+              </a:rPr>
+              <a:t>allem </a:t>
+            </a:r>
+            <a:r>
+              <a:rPr lang="de-DE" dirty="0" smtClean="0">
+                <a:latin typeface="Avenir Book"/>
+                <a:cs typeface="Avenir Book"/>
+              </a:rPr>
+              <a:t>Erfassung</a:t>
+            </a:r>
+            <a:r>
+              <a:rPr lang="de-DE" dirty="0">
+                <a:latin typeface="Avenir Book"/>
+                <a:cs typeface="Avenir Book"/>
+              </a:rPr>
+              <a:t>, </a:t>
+            </a:r>
+            <a:r>
+              <a:rPr lang="de-DE" dirty="0" smtClean="0">
+                <a:latin typeface="Avenir Book"/>
+                <a:cs typeface="Avenir Book"/>
+              </a:rPr>
+              <a:t>Speicherung, Suche</a:t>
+            </a:r>
+            <a:r>
+              <a:rPr lang="de-DE" dirty="0">
+                <a:latin typeface="Avenir Book"/>
+                <a:cs typeface="Avenir Book"/>
+              </a:rPr>
+              <a:t>, Verteilung, </a:t>
+            </a:r>
+            <a:r>
+              <a:rPr lang="de-DE" dirty="0" smtClean="0">
+                <a:latin typeface="Avenir Book"/>
+                <a:cs typeface="Avenir Book"/>
+              </a:rPr>
+              <a:t>Analyse, Visualisierung </a:t>
+            </a:r>
+            <a:r>
+              <a:rPr lang="de-DE" dirty="0">
+                <a:latin typeface="Avenir Book"/>
+                <a:cs typeface="Avenir Book"/>
+              </a:rPr>
+              <a:t>von großen </a:t>
+            </a:r>
+            <a:r>
+              <a:rPr lang="de-DE" dirty="0" smtClean="0">
+                <a:latin typeface="Avenir Book"/>
+                <a:cs typeface="Avenir Book"/>
+              </a:rPr>
+              <a:t>Datenmengen</a:t>
+            </a:r>
+          </a:p>
+        </p:txBody>
+      </p:sp>
+    </p:spTree>
+    <p:extLst>
+      <p:ext uri="{BB962C8B-B14F-4D97-AF65-F5344CB8AC3E}">
+        <p14:creationId xmlns:p14="http://schemas.microsoft.com/office/powerpoint/2010/main" val="3166588457"/>
+      </p:ext>
+    </p:extLst>
+  </p:cSld>
+  <p:clrMapOvr>
+    <a:masterClrMapping/>
+  </p:clrMapOvr>
+  <p:timing>
+    <p:tnLst>
+      <p:par>
+        <p:cTn xmlns:p14="http://schemas.microsoft.com/office/powerpoint/2010/main" id="1" dur="indefinite" restart="never" nodeType="tmRoot"/>
+      </p:par>
+    </p:tnLst>
+  </p:timing>
+</p:sld>
+</file>
+
+<file path=ppt/slides/slide17.xml><?xml version="1.0" encoding="utf-8"?>
+<p:sld xmlns:a="http://schemas.openxmlformats.org/drawingml/2006/main" xmlns:r="http://schemas.openxmlformats.org/officeDocument/2006/relationships" xmlns:p="http://schemas.openxmlformats.org/presentationml/2006/main">
+  <p:cSld>
+    <p:spTree>
+      <p:nvGrpSpPr>
+        <p:cNvPr id="1" name=""/>
+        <p:cNvGrpSpPr/>
+        <p:nvPr/>
+      </p:nvGrpSpPr>
+      <p:grpSpPr>
+        <a:xfrm>
+          <a:off x="0" y="0"/>
+          <a:ext cx="0" cy="0"/>
+          <a:chOff x="0" y="0"/>
+          <a:chExt cx="0" cy="0"/>
+        </a:xfrm>
+      </p:grpSpPr>
+      <p:sp>
+        <p:nvSpPr>
+          <p:cNvPr id="2" name="Titel 1"/>
+          <p:cNvSpPr>
+            <a:spLocks noGrp="1"/>
+          </p:cNvSpPr>
+          <p:nvPr>
+            <p:ph type="title"/>
+          </p:nvPr>
+        </p:nvSpPr>
+        <p:spPr/>
+        <p:txBody>
+          <a:bodyPr/>
+          <a:lstStyle/>
+          <a:p>
+            <a:pPr algn="ctr"/>
+            <a:r>
+              <a:rPr lang="de-DE" dirty="0" err="1" smtClean="0">
+                <a:latin typeface="Avenir Black Oblique"/>
+                <a:cs typeface="Avenir Black Oblique"/>
+              </a:rPr>
+              <a:t>MLLibs</a:t>
+            </a:r>
+            <a:endParaRPr lang="de-DE" dirty="0">
+              <a:latin typeface="Avenir Black Oblique"/>
+              <a:cs typeface="Avenir Black Oblique"/>
+            </a:endParaRPr>
+          </a:p>
+        </p:txBody>
+      </p:sp>
+      <p:sp>
+        <p:nvSpPr>
+          <p:cNvPr id="3" name="Inhaltsplatzhalter 2"/>
+          <p:cNvSpPr>
+            <a:spLocks noGrp="1"/>
+          </p:cNvSpPr>
+          <p:nvPr>
+            <p:ph idx="1"/>
+          </p:nvPr>
+        </p:nvSpPr>
+        <p:spPr/>
+        <p:txBody>
+          <a:bodyPr/>
+          <a:lstStyle/>
+          <a:p>
+            <a:r>
+              <a:rPr lang="de-DE" dirty="0" smtClean="0">
+                <a:latin typeface="Avenir Book"/>
+                <a:cs typeface="Avenir Book"/>
+              </a:rPr>
+              <a:t>Wikipedia sagt dazu: „.</a:t>
+            </a:r>
+            <a:r>
+              <a:rPr lang="de-DE" dirty="0">
+                <a:latin typeface="Avenir Book"/>
+                <a:cs typeface="Avenir Book"/>
+              </a:rPr>
+              <a:t>.. bezeichnet Daten-Mengen, die zu groß, oder zu komplex sind, oder sich zu schnell ändern, um sie mit </a:t>
+            </a:r>
+            <a:r>
+              <a:rPr lang="de-DE" dirty="0" err="1">
+                <a:latin typeface="Avenir Book"/>
+                <a:cs typeface="Avenir Book"/>
+              </a:rPr>
+              <a:t>händischen</a:t>
+            </a:r>
+            <a:r>
+              <a:rPr lang="de-DE" dirty="0">
+                <a:latin typeface="Avenir Book"/>
+                <a:cs typeface="Avenir Book"/>
+              </a:rPr>
+              <a:t> und klassischen Methoden der Datenverarbeitung auszuwerten</a:t>
+            </a:r>
+            <a:r>
+              <a:rPr lang="de-DE" dirty="0" smtClean="0">
+                <a:latin typeface="Avenir Book"/>
+                <a:cs typeface="Avenir Book"/>
+              </a:rPr>
+              <a:t>.“</a:t>
+            </a:r>
+          </a:p>
+          <a:p>
+            <a:r>
+              <a:rPr lang="de-DE" dirty="0">
+                <a:latin typeface="Avenir Book"/>
+                <a:cs typeface="Avenir Book"/>
+              </a:rPr>
+              <a:t>Andere Definition:  </a:t>
+            </a:r>
+            <a:r>
+              <a:rPr lang="de-DE" dirty="0" smtClean="0">
+                <a:latin typeface="Avenir Book"/>
+                <a:cs typeface="Avenir Book"/>
+              </a:rPr>
+              <a:t>„Big Data“ bezeichnet nicht nur Datenvolumen, sondern auch Werkzeuge und Prozesse für den Umgang mit großen Volumen </a:t>
+            </a:r>
+          </a:p>
+          <a:p>
+            <a:r>
+              <a:rPr lang="de-DE" dirty="0">
+                <a:latin typeface="Avenir Book"/>
+                <a:cs typeface="Avenir Book"/>
+              </a:rPr>
+              <a:t>Problematisch </a:t>
+            </a:r>
+            <a:r>
+              <a:rPr lang="de-DE" dirty="0" smtClean="0">
+                <a:latin typeface="Avenir Book"/>
+                <a:cs typeface="Avenir Book"/>
+              </a:rPr>
+              <a:t>vor </a:t>
+            </a:r>
+            <a:r>
+              <a:rPr lang="de-DE" dirty="0">
+                <a:latin typeface="Avenir Book"/>
+                <a:cs typeface="Avenir Book"/>
+              </a:rPr>
+              <a:t>allem </a:t>
+            </a:r>
+            <a:r>
+              <a:rPr lang="de-DE" dirty="0" smtClean="0">
+                <a:latin typeface="Avenir Book"/>
+                <a:cs typeface="Avenir Book"/>
+              </a:rPr>
+              <a:t>Erfassung</a:t>
+            </a:r>
+            <a:r>
+              <a:rPr lang="de-DE" dirty="0">
+                <a:latin typeface="Avenir Book"/>
+                <a:cs typeface="Avenir Book"/>
+              </a:rPr>
+              <a:t>, </a:t>
+            </a:r>
+            <a:r>
+              <a:rPr lang="de-DE" dirty="0" smtClean="0">
+                <a:latin typeface="Avenir Book"/>
+                <a:cs typeface="Avenir Book"/>
+              </a:rPr>
+              <a:t>Speicherung, Suche</a:t>
+            </a:r>
+            <a:r>
+              <a:rPr lang="de-DE" dirty="0">
+                <a:latin typeface="Avenir Book"/>
+                <a:cs typeface="Avenir Book"/>
+              </a:rPr>
+              <a:t>, Verteilung, </a:t>
+            </a:r>
+            <a:r>
+              <a:rPr lang="de-DE" dirty="0" smtClean="0">
+                <a:latin typeface="Avenir Book"/>
+                <a:cs typeface="Avenir Book"/>
+              </a:rPr>
+              <a:t>Analyse, Visualisierung </a:t>
+            </a:r>
+            <a:r>
+              <a:rPr lang="de-DE" dirty="0">
+                <a:latin typeface="Avenir Book"/>
+                <a:cs typeface="Avenir Book"/>
+              </a:rPr>
+              <a:t>von großen </a:t>
+            </a:r>
+            <a:r>
+              <a:rPr lang="de-DE" dirty="0" smtClean="0">
+                <a:latin typeface="Avenir Book"/>
+                <a:cs typeface="Avenir Book"/>
+              </a:rPr>
+              <a:t>Datenmengen</a:t>
+            </a:r>
+          </a:p>
+        </p:txBody>
+      </p:sp>
+    </p:spTree>
+    <p:extLst>
+      <p:ext uri="{BB962C8B-B14F-4D97-AF65-F5344CB8AC3E}">
+        <p14:creationId xmlns:p14="http://schemas.microsoft.com/office/powerpoint/2010/main" val="3166588457"/>
+      </p:ext>
+    </p:extLst>
+  </p:cSld>
+  <p:clrMapOvr>
+    <a:masterClrMapping/>
+  </p:clrMapOvr>
+  <p:timing>
+    <p:tnLst>
+      <p:par>
+        <p:cTn xmlns:p14="http://schemas.microsoft.com/office/powerpoint/2010/main" id="1" dur="indefinite" restart="never" nodeType="tmRoot"/>
+      </p:par>
+    </p:tnLst>
+  </p:timing>
+</p:sld>
+</file>
+
+<file path=ppt/slides/slide18.xml><?xml version="1.0" encoding="utf-8"?>
+<p:sld xmlns:a="http://schemas.openxmlformats.org/drawingml/2006/main" xmlns:r="http://schemas.openxmlformats.org/officeDocument/2006/relationships" xmlns:p="http://schemas.openxmlformats.org/presentationml/2006/main">
+  <p:cSld>
+    <p:spTree>
+      <p:nvGrpSpPr>
+        <p:cNvPr id="1" name=""/>
+        <p:cNvGrpSpPr/>
+        <p:nvPr/>
+      </p:nvGrpSpPr>
+      <p:grpSpPr>
+        <a:xfrm>
+          <a:off x="0" y="0"/>
+          <a:ext cx="0" cy="0"/>
+          <a:chOff x="0" y="0"/>
+          <a:chExt cx="0" cy="0"/>
+        </a:xfrm>
+      </p:grpSpPr>
+      <p:sp>
+        <p:nvSpPr>
+          <p:cNvPr id="2" name="Titel 1"/>
+          <p:cNvSpPr>
+            <a:spLocks noGrp="1"/>
+          </p:cNvSpPr>
+          <p:nvPr>
+            <p:ph type="title"/>
+          </p:nvPr>
+        </p:nvSpPr>
+        <p:spPr/>
+        <p:txBody>
+          <a:bodyPr/>
+          <a:lstStyle/>
+          <a:p>
+            <a:pPr algn="ctr"/>
+            <a:r>
+              <a:rPr lang="de-DE" dirty="0" smtClean="0">
+                <a:latin typeface="Avenir Black Oblique"/>
+                <a:cs typeface="Avenir Black Oblique"/>
+              </a:rPr>
+              <a:t>Ein Beispiel</a:t>
+            </a:r>
+            <a:endParaRPr lang="de-DE" dirty="0">
+              <a:latin typeface="Avenir Black Oblique"/>
+              <a:cs typeface="Avenir Black Oblique"/>
+            </a:endParaRPr>
+          </a:p>
+        </p:txBody>
+      </p:sp>
+      <p:sp>
+        <p:nvSpPr>
+          <p:cNvPr id="3" name="Inhaltsplatzhalter 2"/>
+          <p:cNvSpPr>
+            <a:spLocks noGrp="1"/>
+          </p:cNvSpPr>
+          <p:nvPr>
+            <p:ph idx="1"/>
+          </p:nvPr>
+        </p:nvSpPr>
+        <p:spPr/>
+        <p:txBody>
+          <a:bodyPr/>
+          <a:lstStyle/>
+          <a:p>
+            <a:r>
+              <a:rPr lang="de-DE" dirty="0" smtClean="0">
+                <a:latin typeface="Avenir Book"/>
+                <a:cs typeface="Avenir Book"/>
+              </a:rPr>
+              <a:t>Wikipedia sagt dazu: „.</a:t>
+            </a:r>
+            <a:r>
+              <a:rPr lang="de-DE" dirty="0">
+                <a:latin typeface="Avenir Book"/>
+                <a:cs typeface="Avenir Book"/>
+              </a:rPr>
+              <a:t>.. bezeichnet Daten-Mengen, die zu groß, oder zu komplex sind, oder sich zu schnell ändern, um sie mit </a:t>
+            </a:r>
+            <a:r>
+              <a:rPr lang="de-DE" dirty="0" err="1">
+                <a:latin typeface="Avenir Book"/>
+                <a:cs typeface="Avenir Book"/>
+              </a:rPr>
+              <a:t>händischen</a:t>
+            </a:r>
+            <a:r>
+              <a:rPr lang="de-DE" dirty="0">
+                <a:latin typeface="Avenir Book"/>
+                <a:cs typeface="Avenir Book"/>
+              </a:rPr>
+              <a:t> und klassischen Methoden der Datenverarbeitung auszuwerten</a:t>
+            </a:r>
+            <a:r>
+              <a:rPr lang="de-DE" dirty="0" smtClean="0">
+                <a:latin typeface="Avenir Book"/>
+                <a:cs typeface="Avenir Book"/>
+              </a:rPr>
+              <a:t>.“</a:t>
+            </a:r>
+          </a:p>
+          <a:p>
+            <a:r>
+              <a:rPr lang="de-DE" dirty="0">
+                <a:latin typeface="Avenir Book"/>
+                <a:cs typeface="Avenir Book"/>
+              </a:rPr>
+              <a:t>Andere Definition:  </a:t>
+            </a:r>
+            <a:r>
+              <a:rPr lang="de-DE" dirty="0" smtClean="0">
+                <a:latin typeface="Avenir Book"/>
+                <a:cs typeface="Avenir Book"/>
+              </a:rPr>
+              <a:t>„Big Data“ bezeichnet nicht nur Datenvolumen, sondern auch Werkzeuge und Prozesse für den Umgang mit großen Volumen </a:t>
+            </a:r>
+          </a:p>
+          <a:p>
+            <a:r>
+              <a:rPr lang="de-DE" dirty="0">
+                <a:latin typeface="Avenir Book"/>
+                <a:cs typeface="Avenir Book"/>
+              </a:rPr>
+              <a:t>Problematisch </a:t>
+            </a:r>
+            <a:r>
+              <a:rPr lang="de-DE" dirty="0" smtClean="0">
+                <a:latin typeface="Avenir Book"/>
+                <a:cs typeface="Avenir Book"/>
+              </a:rPr>
+              <a:t>vor </a:t>
+            </a:r>
+            <a:r>
+              <a:rPr lang="de-DE" dirty="0">
+                <a:latin typeface="Avenir Book"/>
+                <a:cs typeface="Avenir Book"/>
+              </a:rPr>
+              <a:t>allem </a:t>
+            </a:r>
+            <a:r>
+              <a:rPr lang="de-DE" dirty="0" smtClean="0">
+                <a:latin typeface="Avenir Book"/>
+                <a:cs typeface="Avenir Book"/>
+              </a:rPr>
+              <a:t>Erfassung</a:t>
+            </a:r>
+            <a:r>
+              <a:rPr lang="de-DE" dirty="0">
+                <a:latin typeface="Avenir Book"/>
+                <a:cs typeface="Avenir Book"/>
+              </a:rPr>
+              <a:t>, </a:t>
+            </a:r>
+            <a:r>
+              <a:rPr lang="de-DE" dirty="0" smtClean="0">
+                <a:latin typeface="Avenir Book"/>
+                <a:cs typeface="Avenir Book"/>
+              </a:rPr>
+              <a:t>Speicherung, Suche</a:t>
+            </a:r>
+            <a:r>
+              <a:rPr lang="de-DE" dirty="0">
+                <a:latin typeface="Avenir Book"/>
+                <a:cs typeface="Avenir Book"/>
+              </a:rPr>
+              <a:t>, Verteilung, </a:t>
+            </a:r>
+            <a:r>
+              <a:rPr lang="de-DE" dirty="0" smtClean="0">
+                <a:latin typeface="Avenir Book"/>
+                <a:cs typeface="Avenir Book"/>
+              </a:rPr>
+              <a:t>Analyse, Visualisierung </a:t>
+            </a:r>
+            <a:r>
+              <a:rPr lang="de-DE" dirty="0">
+                <a:latin typeface="Avenir Book"/>
+                <a:cs typeface="Avenir Book"/>
+              </a:rPr>
+              <a:t>von großen </a:t>
+            </a:r>
+            <a:r>
+              <a:rPr lang="de-DE" dirty="0" smtClean="0">
+                <a:latin typeface="Avenir Book"/>
+                <a:cs typeface="Avenir Book"/>
+              </a:rPr>
+              <a:t>Datenmengen</a:t>
+            </a:r>
+          </a:p>
+        </p:txBody>
+      </p:sp>
+    </p:spTree>
+    <p:extLst>
+      <p:ext uri="{BB962C8B-B14F-4D97-AF65-F5344CB8AC3E}">
+        <p14:creationId xmlns:p14="http://schemas.microsoft.com/office/powerpoint/2010/main" val="2712330516"/>
+      </p:ext>
+    </p:extLst>
+  </p:cSld>
+  <p:clrMapOvr>
+    <a:masterClrMapping/>
+  </p:clrMapOvr>
+  <p:timing>
+    <p:tnLst>
+      <p:par>
+        <p:cTn xmlns:p14="http://schemas.microsoft.com/office/powerpoint/2010/main" id="1" dur="indefinite" restart="never" nodeType="tmRoot"/>
+      </p:par>
+    </p:tnLst>
+  </p:timing>
+</p:sld>
+</file>
+
+<file path=ppt/slides/slide19.xml><?xml version="1.0" encoding="utf-8"?>
+<p:sld xmlns:a="http://schemas.openxmlformats.org/drawingml/2006/main" xmlns:r="http://schemas.openxmlformats.org/officeDocument/2006/relationships" xmlns:p="http://schemas.openxmlformats.org/presentationml/2006/main">
+  <p:cSld>
+    <p:spTree>
+      <p:nvGrpSpPr>
+        <p:cNvPr id="1" name=""/>
+        <p:cNvGrpSpPr/>
+        <p:nvPr/>
+      </p:nvGrpSpPr>
+      <p:grpSpPr>
+        <a:xfrm>
+          <a:off x="0" y="0"/>
+          <a:ext cx="0" cy="0"/>
+          <a:chOff x="0" y="0"/>
+          <a:chExt cx="0" cy="0"/>
+        </a:xfrm>
+      </p:grpSpPr>
+      <p:sp>
+        <p:nvSpPr>
+          <p:cNvPr id="2" name="Titel 1"/>
+          <p:cNvSpPr>
+            <a:spLocks noGrp="1"/>
+          </p:cNvSpPr>
+          <p:nvPr>
+            <p:ph type="title"/>
+          </p:nvPr>
+        </p:nvSpPr>
+        <p:spPr/>
+        <p:txBody>
+          <a:bodyPr/>
+          <a:lstStyle/>
+          <a:p>
+            <a:pPr algn="ctr"/>
+            <a:r>
+              <a:rPr lang="de-DE" dirty="0" smtClean="0">
+                <a:latin typeface="Avenir Black Oblique"/>
+                <a:cs typeface="Avenir Black Oblique"/>
+              </a:rPr>
+              <a:t>Zweck der Masterarbeit</a:t>
+            </a:r>
+            <a:endParaRPr lang="de-DE" dirty="0">
+              <a:latin typeface="Avenir Black Oblique"/>
+              <a:cs typeface="Avenir Black Oblique"/>
+            </a:endParaRPr>
+          </a:p>
+        </p:txBody>
+      </p:sp>
+      <p:sp>
+        <p:nvSpPr>
+          <p:cNvPr id="3" name="Inhaltsplatzhalter 2"/>
+          <p:cNvSpPr>
+            <a:spLocks noGrp="1"/>
+          </p:cNvSpPr>
+          <p:nvPr>
+            <p:ph idx="1"/>
+          </p:nvPr>
+        </p:nvSpPr>
+        <p:spPr/>
+        <p:txBody>
+          <a:bodyPr/>
+          <a:lstStyle/>
+          <a:p>
+            <a:r>
+              <a:rPr lang="de-DE" dirty="0" smtClean="0">
+                <a:latin typeface="Avenir Book"/>
+                <a:cs typeface="Avenir Book"/>
+              </a:rPr>
+              <a:t>Wikipedia sagt dazu: „.</a:t>
+            </a:r>
+            <a:r>
+              <a:rPr lang="de-DE" dirty="0">
+                <a:latin typeface="Avenir Book"/>
+                <a:cs typeface="Avenir Book"/>
+              </a:rPr>
+              <a:t>.. bezeichnet Daten-Mengen, die zu groß, oder zu komplex sind, oder sich zu schnell ändern, um sie mit </a:t>
+            </a:r>
+            <a:r>
+              <a:rPr lang="de-DE" dirty="0" err="1">
+                <a:latin typeface="Avenir Book"/>
+                <a:cs typeface="Avenir Book"/>
+              </a:rPr>
+              <a:t>händischen</a:t>
+            </a:r>
+            <a:r>
+              <a:rPr lang="de-DE" dirty="0">
+                <a:latin typeface="Avenir Book"/>
+                <a:cs typeface="Avenir Book"/>
+              </a:rPr>
+              <a:t> und klassischen Methoden der Datenverarbeitung auszuwerten</a:t>
+            </a:r>
+            <a:r>
+              <a:rPr lang="de-DE" dirty="0" smtClean="0">
+                <a:latin typeface="Avenir Book"/>
+                <a:cs typeface="Avenir Book"/>
+              </a:rPr>
+              <a:t>.“</a:t>
+            </a:r>
+          </a:p>
+          <a:p>
+            <a:r>
+              <a:rPr lang="de-DE" dirty="0">
+                <a:latin typeface="Avenir Book"/>
+                <a:cs typeface="Avenir Book"/>
+              </a:rPr>
+              <a:t>Andere Definition:  </a:t>
+            </a:r>
+            <a:r>
+              <a:rPr lang="de-DE" dirty="0" smtClean="0">
+                <a:latin typeface="Avenir Book"/>
+                <a:cs typeface="Avenir Book"/>
+              </a:rPr>
+              <a:t>„Big Data“ bezeichnet nicht nur Datenvolumen, sondern auch Werkzeuge und Prozesse für den Umgang mit großen Volumen </a:t>
+            </a:r>
+          </a:p>
+          <a:p>
+            <a:r>
+              <a:rPr lang="de-DE" dirty="0">
+                <a:latin typeface="Avenir Book"/>
+                <a:cs typeface="Avenir Book"/>
+              </a:rPr>
+              <a:t>Problematisch </a:t>
+            </a:r>
+            <a:r>
+              <a:rPr lang="de-DE" dirty="0" smtClean="0">
+                <a:latin typeface="Avenir Book"/>
+                <a:cs typeface="Avenir Book"/>
+              </a:rPr>
+              <a:t>vor </a:t>
+            </a:r>
+            <a:r>
+              <a:rPr lang="de-DE" dirty="0">
+                <a:latin typeface="Avenir Book"/>
+                <a:cs typeface="Avenir Book"/>
+              </a:rPr>
+              <a:t>allem </a:t>
+            </a:r>
+            <a:r>
+              <a:rPr lang="de-DE" dirty="0" smtClean="0">
+                <a:latin typeface="Avenir Book"/>
+                <a:cs typeface="Avenir Book"/>
+              </a:rPr>
+              <a:t>Erfassung</a:t>
+            </a:r>
+            <a:r>
+              <a:rPr lang="de-DE" dirty="0">
+                <a:latin typeface="Avenir Book"/>
+                <a:cs typeface="Avenir Book"/>
+              </a:rPr>
+              <a:t>, </a:t>
+            </a:r>
+            <a:r>
+              <a:rPr lang="de-DE" dirty="0" smtClean="0">
+                <a:latin typeface="Avenir Book"/>
+                <a:cs typeface="Avenir Book"/>
+              </a:rPr>
+              <a:t>Speicherung, Suche</a:t>
+            </a:r>
+            <a:r>
+              <a:rPr lang="de-DE" dirty="0">
+                <a:latin typeface="Avenir Book"/>
+                <a:cs typeface="Avenir Book"/>
+              </a:rPr>
+              <a:t>, Verteilung, </a:t>
+            </a:r>
+            <a:r>
+              <a:rPr lang="de-DE" dirty="0" smtClean="0">
+                <a:latin typeface="Avenir Book"/>
+                <a:cs typeface="Avenir Book"/>
+              </a:rPr>
+              <a:t>Analyse, Visualisierung </a:t>
+            </a:r>
+            <a:r>
+              <a:rPr lang="de-DE" dirty="0">
+                <a:latin typeface="Avenir Book"/>
+                <a:cs typeface="Avenir Book"/>
+              </a:rPr>
+              <a:t>von großen </a:t>
+            </a:r>
+            <a:r>
+              <a:rPr lang="de-DE" dirty="0" smtClean="0">
+                <a:latin typeface="Avenir Book"/>
+                <a:cs typeface="Avenir Book"/>
+              </a:rPr>
+              <a:t>Datenmengen</a:t>
+            </a:r>
+          </a:p>
+        </p:txBody>
+      </p:sp>
+    </p:spTree>
+    <p:extLst>
+      <p:ext uri="{BB962C8B-B14F-4D97-AF65-F5344CB8AC3E}">
+        <p14:creationId xmlns:p14="http://schemas.microsoft.com/office/powerpoint/2010/main" val="3171442643"/>
+      </p:ext>
+    </p:extLst>
+  </p:cSld>
+  <p:clrMapOvr>
+    <a:masterClrMapping/>
+  </p:clrMapOvr>
+  <p:timing>
+    <p:tnLst>
+      <p:par>
+        <p:cTn xmlns:p14="http://schemas.microsoft.com/office/powerpoint/2010/main" id="1" dur="indefinite" restart="never" nodeType="tmRoot"/>
+      </p:par>
+    </p:tnLst>
+  </p:timing>
+</p:sld>
+</file>
+
 <file path=ppt/slides/slide2.xml><?xml version="1.0" encoding="utf-8"?>
 <p:sld xmlns:a="http://schemas.openxmlformats.org/drawingml/2006/main" xmlns:r="http://schemas.openxmlformats.org/officeDocument/2006/relationships" xmlns:p="http://schemas.openxmlformats.org/presentationml/2006/main">
   <p:cSld>
@@ -6097,7 +9786,7 @@
                 <a:latin typeface="Avenir Black Oblique"/>
                 <a:cs typeface="Avenir Black Oblique"/>
               </a:rPr>
-              <a:t>Definition von „Big Data“</a:t>
+              <a:t>Nutzen von „Big Data“</a:t>
             </a:r>
             <a:endParaRPr lang="de-DE" dirty="0">
               <a:latin typeface="Avenir Black Oblique"/>
@@ -6106,165 +9795,656 @@
           </a:p>
         </p:txBody>
       </p:sp>
-      <p:sp>
-        <p:nvSpPr>
-          <p:cNvPr id="3" name="Inhaltsplatzhalter 2"/>
-          <p:cNvSpPr>
-            <a:spLocks noGrp="1"/>
-          </p:cNvSpPr>
-          <p:nvPr>
-            <p:ph idx="1"/>
-          </p:nvPr>
-        </p:nvSpPr>
-        <p:spPr/>
-        <p:txBody>
-          <a:bodyPr/>
-          <a:lstStyle/>
-          <a:p>
-            <a:r>
-              <a:rPr lang="de-DE" dirty="0" smtClean="0">
-                <a:latin typeface="Avenir Book"/>
-                <a:cs typeface="Avenir Book"/>
-              </a:rPr>
-              <a:t>Wikipedia sagt: „.</a:t>
-            </a:r>
-            <a:r>
-              <a:rPr lang="de-DE" dirty="0">
-                <a:latin typeface="Avenir Book"/>
-                <a:cs typeface="Avenir Book"/>
-              </a:rPr>
-              <a:t>.. bezeichnet Daten-Mengen, die zu groß, oder zu komplex sind, oder sich zu schnell ändern, um sie mit </a:t>
-            </a:r>
-            <a:r>
-              <a:rPr lang="de-DE" dirty="0" err="1">
-                <a:latin typeface="Avenir Book"/>
-                <a:cs typeface="Avenir Book"/>
-              </a:rPr>
-              <a:t>händischen</a:t>
-            </a:r>
-            <a:r>
-              <a:rPr lang="de-DE" dirty="0">
-                <a:latin typeface="Avenir Book"/>
-                <a:cs typeface="Avenir Book"/>
-              </a:rPr>
-              <a:t> und klassischen Methoden der Datenverarbeitung auszuwerten</a:t>
-            </a:r>
-            <a:r>
-              <a:rPr lang="de-DE" dirty="0" smtClean="0">
-                <a:latin typeface="Avenir Book"/>
-                <a:cs typeface="Avenir Book"/>
-              </a:rPr>
-              <a:t>.“</a:t>
-            </a:r>
-          </a:p>
-          <a:p>
-            <a:r>
-              <a:rPr lang="de-DE" dirty="0">
-                <a:latin typeface="Avenir Book"/>
-                <a:cs typeface="Avenir Book"/>
-              </a:rPr>
-              <a:t>Andere Definition:  </a:t>
-            </a:r>
-            <a:r>
-              <a:rPr lang="de-DE" dirty="0" smtClean="0">
-                <a:latin typeface="Avenir Book"/>
-                <a:cs typeface="Avenir Book"/>
-              </a:rPr>
-              <a:t>„Big Data“ bezeichnet nicht nur Datenvolumen, sondern auch </a:t>
-            </a:r>
-            <a:r>
-              <a:rPr lang="de-DE" dirty="0" err="1" smtClean="0">
-                <a:latin typeface="Avenir Book"/>
-                <a:cs typeface="Avenir Book"/>
-              </a:rPr>
-              <a:t>Werzeuge</a:t>
-            </a:r>
-            <a:r>
-              <a:rPr lang="de-DE" dirty="0" smtClean="0">
-                <a:latin typeface="Avenir Book"/>
-                <a:cs typeface="Avenir Book"/>
-              </a:rPr>
-              <a:t> und Prozesse für den Umgang mit großen Volumen </a:t>
-            </a:r>
-          </a:p>
-          <a:p>
-            <a:r>
-              <a:rPr lang="de-DE" dirty="0">
-                <a:latin typeface="Avenir Book"/>
-                <a:cs typeface="Avenir Book"/>
-              </a:rPr>
-              <a:t>Problematisch </a:t>
-            </a:r>
-            <a:r>
-              <a:rPr lang="de-DE" dirty="0" smtClean="0">
-                <a:latin typeface="Avenir Book"/>
-                <a:cs typeface="Avenir Book"/>
-              </a:rPr>
-              <a:t>vor </a:t>
-            </a:r>
-            <a:r>
-              <a:rPr lang="de-DE" dirty="0">
-                <a:latin typeface="Avenir Book"/>
-                <a:cs typeface="Avenir Book"/>
-              </a:rPr>
-              <a:t>allem </a:t>
-            </a:r>
-            <a:r>
-              <a:rPr lang="de-DE" dirty="0" smtClean="0">
-                <a:latin typeface="Avenir Book"/>
-                <a:cs typeface="Avenir Book"/>
-              </a:rPr>
-              <a:t>Erfassung</a:t>
-            </a:r>
-            <a:r>
-              <a:rPr lang="de-DE" dirty="0">
-                <a:latin typeface="Avenir Book"/>
-                <a:cs typeface="Avenir Book"/>
-              </a:rPr>
-              <a:t>, </a:t>
-            </a:r>
-            <a:r>
-              <a:rPr lang="de-DE" dirty="0" smtClean="0">
-                <a:latin typeface="Avenir Book"/>
-                <a:cs typeface="Avenir Book"/>
-              </a:rPr>
-              <a:t>Speicherung, Suche</a:t>
-            </a:r>
-            <a:r>
-              <a:rPr lang="de-DE" dirty="0">
-                <a:latin typeface="Avenir Book"/>
-                <a:cs typeface="Avenir Book"/>
-              </a:rPr>
-              <a:t>, Verteilung, </a:t>
-            </a:r>
-            <a:r>
-              <a:rPr lang="de-DE" dirty="0" smtClean="0">
-                <a:latin typeface="Avenir Book"/>
-                <a:cs typeface="Avenir Book"/>
-              </a:rPr>
-              <a:t>Analyse, Visualisierung </a:t>
-            </a:r>
-            <a:r>
-              <a:rPr lang="de-DE" dirty="0">
-                <a:latin typeface="Avenir Book"/>
-                <a:cs typeface="Avenir Book"/>
-              </a:rPr>
-              <a:t>von großen </a:t>
-            </a:r>
-            <a:r>
-              <a:rPr lang="de-DE" dirty="0" smtClean="0">
-                <a:latin typeface="Avenir Book"/>
-                <a:cs typeface="Avenir Book"/>
-              </a:rPr>
-              <a:t>Datenmengen</a:t>
-            </a:r>
-          </a:p>
-        </p:txBody>
-      </p:sp>
+      <p:pic>
+        <p:nvPicPr>
+          <p:cNvPr id="4" name="Bild 3" descr="divia_infografik_60_sekunden.jpg"/>
+          <p:cNvPicPr>
+            <a:picLocks noChangeAspect="1"/>
+          </p:cNvPicPr>
+          <p:nvPr/>
+        </p:nvPicPr>
+        <p:blipFill>
+          <a:blip r:embed="rId2">
+            <a:extLst>
+              <a:ext uri="{28A0092B-C50C-407E-A947-70E740481C1C}">
+                <a14:useLocalDpi xmlns:a14="http://schemas.microsoft.com/office/drawing/2010/main" val="0"/>
+              </a:ext>
+            </a:extLst>
+          </a:blip>
+          <a:stretch>
+            <a:fillRect/>
+          </a:stretch>
+        </p:blipFill>
+        <p:spPr>
+          <a:xfrm>
+            <a:off x="1306718" y="1498661"/>
+            <a:ext cx="6480665" cy="4860499"/>
+          </a:xfrm>
+          <a:prstGeom prst="rect">
+            <a:avLst/>
+          </a:prstGeom>
+        </p:spPr>
+      </p:pic>
     </p:spTree>
     <p:extLst>
       <p:ext uri="{BB962C8B-B14F-4D97-AF65-F5344CB8AC3E}">
         <p14:creationId xmlns:p14="http://schemas.microsoft.com/office/powerpoint/2010/main" val="3969221509"/>
+      </p:ext>
+    </p:extLst>
+  </p:cSld>
+  <p:clrMapOvr>
+    <a:masterClrMapping/>
+  </p:clrMapOvr>
+  <p:timing>
+    <p:tnLst>
+      <p:par>
+        <p:cTn xmlns:p14="http://schemas.microsoft.com/office/powerpoint/2010/main" id="1" dur="indefinite" restart="never" nodeType="tmRoot"/>
+      </p:par>
+    </p:tnLst>
+  </p:timing>
+</p:sld>
+</file>
+
+<file path=ppt/slides/slide6.xml><?xml version="1.0" encoding="utf-8"?>
+<p:sld xmlns:a="http://schemas.openxmlformats.org/drawingml/2006/main" xmlns:r="http://schemas.openxmlformats.org/officeDocument/2006/relationships" xmlns:p="http://schemas.openxmlformats.org/presentationml/2006/main">
+  <p:cSld>
+    <p:spTree>
+      <p:nvGrpSpPr>
+        <p:cNvPr id="1" name=""/>
+        <p:cNvGrpSpPr/>
+        <p:nvPr/>
+      </p:nvGrpSpPr>
+      <p:grpSpPr>
+        <a:xfrm>
+          <a:off x="0" y="0"/>
+          <a:ext cx="0" cy="0"/>
+          <a:chOff x="0" y="0"/>
+          <a:chExt cx="0" cy="0"/>
+        </a:xfrm>
+      </p:grpSpPr>
+      <p:sp>
+        <p:nvSpPr>
+          <p:cNvPr id="2" name="Titel 1"/>
+          <p:cNvSpPr>
+            <a:spLocks noGrp="1"/>
+          </p:cNvSpPr>
+          <p:nvPr>
+            <p:ph type="title"/>
+          </p:nvPr>
+        </p:nvSpPr>
+        <p:spPr/>
+        <p:txBody>
+          <a:bodyPr/>
+          <a:lstStyle/>
+          <a:p>
+            <a:pPr algn="ctr"/>
+            <a:r>
+              <a:rPr lang="de-DE" dirty="0" smtClean="0">
+                <a:latin typeface="Avenir Black Oblique"/>
+                <a:cs typeface="Avenir Black Oblique"/>
+              </a:rPr>
+              <a:t>Wie geht man damit um?</a:t>
+            </a:r>
+            <a:endParaRPr lang="de-DE" dirty="0">
+              <a:latin typeface="Avenir Black Oblique"/>
+              <a:cs typeface="Avenir Black Oblique"/>
+            </a:endParaRPr>
+          </a:p>
+        </p:txBody>
+      </p:sp>
+      <p:pic>
+        <p:nvPicPr>
+          <p:cNvPr id="5" name="Inhaltsplatzhalter 4" descr="Screen Shot 2015-01-18 at 22.54.42.png"/>
+          <p:cNvPicPr>
+            <a:picLocks noGrp="1" noChangeAspect="1"/>
+          </p:cNvPicPr>
+          <p:nvPr>
+            <p:ph idx="1"/>
+          </p:nvPr>
+        </p:nvPicPr>
+        <p:blipFill>
+          <a:blip r:embed="rId2">
+            <a:extLst>
+              <a:ext uri="{28A0092B-C50C-407E-A947-70E740481C1C}">
+                <a14:useLocalDpi xmlns:a14="http://schemas.microsoft.com/office/drawing/2010/main" val="0"/>
+              </a:ext>
+            </a:extLst>
+          </a:blip>
+          <a:srcRect l="-8134" r="-8134"/>
+          <a:stretch>
+            <a:fillRect/>
+          </a:stretch>
+        </p:blipFill>
+        <p:spPr/>
+      </p:pic>
+    </p:spTree>
+    <p:extLst>
+      <p:ext uri="{BB962C8B-B14F-4D97-AF65-F5344CB8AC3E}">
+        <p14:creationId xmlns:p14="http://schemas.microsoft.com/office/powerpoint/2010/main" val="1051269514"/>
+      </p:ext>
+    </p:extLst>
+  </p:cSld>
+  <p:clrMapOvr>
+    <a:masterClrMapping/>
+  </p:clrMapOvr>
+  <p:timing>
+    <p:tnLst>
+      <p:par>
+        <p:cTn xmlns:p14="http://schemas.microsoft.com/office/powerpoint/2010/main" id="1" dur="indefinite" restart="never" nodeType="tmRoot"/>
+      </p:par>
+    </p:tnLst>
+  </p:timing>
+</p:sld>
+</file>
+
+<file path=ppt/slides/slide7.xml><?xml version="1.0" encoding="utf-8"?>
+<p:sld xmlns:a="http://schemas.openxmlformats.org/drawingml/2006/main" xmlns:r="http://schemas.openxmlformats.org/officeDocument/2006/relationships" xmlns:p="http://schemas.openxmlformats.org/presentationml/2006/main">
+  <p:cSld>
+    <p:spTree>
+      <p:nvGrpSpPr>
+        <p:cNvPr id="1" name=""/>
+        <p:cNvGrpSpPr/>
+        <p:nvPr/>
+      </p:nvGrpSpPr>
+      <p:grpSpPr>
+        <a:xfrm>
+          <a:off x="0" y="0"/>
+          <a:ext cx="0" cy="0"/>
+          <a:chOff x="0" y="0"/>
+          <a:chExt cx="0" cy="0"/>
+        </a:xfrm>
+      </p:grpSpPr>
+      <p:sp>
+        <p:nvSpPr>
+          <p:cNvPr id="2" name="Titel 1"/>
+          <p:cNvSpPr>
+            <a:spLocks noGrp="1"/>
+          </p:cNvSpPr>
+          <p:nvPr>
+            <p:ph type="title"/>
+          </p:nvPr>
+        </p:nvSpPr>
+        <p:spPr/>
+        <p:txBody>
+          <a:bodyPr/>
+          <a:lstStyle/>
+          <a:p>
+            <a:pPr algn="ctr"/>
+            <a:r>
+              <a:rPr lang="de-DE" dirty="0" err="1" smtClean="0">
+                <a:latin typeface="Avenir Black Oblique"/>
+                <a:cs typeface="Avenir Black Oblique"/>
+              </a:rPr>
+              <a:t>MapReduce</a:t>
+            </a:r>
+            <a:endParaRPr lang="de-DE" dirty="0">
+              <a:latin typeface="Avenir Black Oblique"/>
+              <a:cs typeface="Avenir Black Oblique"/>
+            </a:endParaRPr>
+          </a:p>
+        </p:txBody>
+      </p:sp>
+      <p:pic>
+        <p:nvPicPr>
+          <p:cNvPr id="5" name="Inhaltsplatzhalter 4" descr="mapreduce.eps"/>
+          <p:cNvPicPr>
+            <a:picLocks noGrp="1" noChangeAspect="1"/>
+          </p:cNvPicPr>
+          <p:nvPr>
+            <p:ph idx="1"/>
+          </p:nvPr>
+        </p:nvPicPr>
+        <p:blipFill>
+          <a:blip r:embed="rId2">
+            <a:extLst>
+              <a:ext uri="{28A0092B-C50C-407E-A947-70E740481C1C}">
+                <a14:useLocalDpi xmlns:a14="http://schemas.microsoft.com/office/drawing/2010/main" val="0"/>
+              </a:ext>
+            </a:extLst>
+          </a:blip>
+          <a:srcRect t="-7144" b="-7144"/>
+          <a:stretch>
+            <a:fillRect/>
+          </a:stretch>
+        </p:blipFill>
+        <p:spPr>
+          <a:effectLst>
+            <a:glow rad="101600">
+              <a:schemeClr val="accent5">
+                <a:lumMod val="60000"/>
+                <a:lumOff val="40000"/>
+                <a:alpha val="75000"/>
+              </a:schemeClr>
+            </a:glow>
+            <a:outerShdw blurRad="50800" dist="38100" dir="2700000" algn="tl" rotWithShape="0">
+              <a:srgbClr val="000000">
+                <a:alpha val="43000"/>
+              </a:srgbClr>
+            </a:outerShdw>
+          </a:effectLst>
+        </p:spPr>
+      </p:pic>
+    </p:spTree>
+    <p:extLst>
+      <p:ext uri="{BB962C8B-B14F-4D97-AF65-F5344CB8AC3E}">
+        <p14:creationId xmlns:p14="http://schemas.microsoft.com/office/powerpoint/2010/main" val="1051269514"/>
+      </p:ext>
+    </p:extLst>
+  </p:cSld>
+  <p:clrMapOvr>
+    <a:masterClrMapping/>
+  </p:clrMapOvr>
+  <p:timing>
+    <p:tnLst>
+      <p:par>
+        <p:cTn xmlns:p14="http://schemas.microsoft.com/office/powerpoint/2010/main" id="1" dur="indefinite" restart="never" nodeType="tmRoot"/>
+      </p:par>
+    </p:tnLst>
+  </p:timing>
+</p:sld>
+</file>
+
+<file path=ppt/slides/slide8.xml><?xml version="1.0" encoding="utf-8"?>
+<p:sld xmlns:a="http://schemas.openxmlformats.org/drawingml/2006/main" xmlns:r="http://schemas.openxmlformats.org/officeDocument/2006/relationships" xmlns:p="http://schemas.openxmlformats.org/presentationml/2006/main">
+  <p:cSld>
+    <p:spTree>
+      <p:nvGrpSpPr>
+        <p:cNvPr id="1" name=""/>
+        <p:cNvGrpSpPr/>
+        <p:nvPr/>
+      </p:nvGrpSpPr>
+      <p:grpSpPr>
+        <a:xfrm>
+          <a:off x="0" y="0"/>
+          <a:ext cx="0" cy="0"/>
+          <a:chOff x="0" y="0"/>
+          <a:chExt cx="0" cy="0"/>
+        </a:xfrm>
+      </p:grpSpPr>
+      <p:sp>
+        <p:nvSpPr>
+          <p:cNvPr id="2" name="Titel 1"/>
+          <p:cNvSpPr>
+            <a:spLocks noGrp="1"/>
+          </p:cNvSpPr>
+          <p:nvPr>
+            <p:ph type="title"/>
+          </p:nvPr>
+        </p:nvSpPr>
+        <p:spPr/>
+        <p:txBody>
+          <a:bodyPr/>
+          <a:lstStyle/>
+          <a:p>
+            <a:pPr algn="ctr"/>
+            <a:r>
+              <a:rPr lang="de-DE" dirty="0" err="1" smtClean="0">
+                <a:latin typeface="Avenir Black Oblique"/>
+                <a:cs typeface="Avenir Black Oblique"/>
+              </a:rPr>
+              <a:t>MapReduce</a:t>
+            </a:r>
+            <a:endParaRPr lang="de-DE" dirty="0">
+              <a:latin typeface="Avenir Black Oblique"/>
+              <a:cs typeface="Avenir Black Oblique"/>
+            </a:endParaRPr>
+          </a:p>
+        </p:txBody>
+      </p:sp>
+      <p:sp>
+        <p:nvSpPr>
+          <p:cNvPr id="3" name="Inhaltsplatzhalter 2"/>
+          <p:cNvSpPr>
+            <a:spLocks noGrp="1"/>
+          </p:cNvSpPr>
+          <p:nvPr>
+            <p:ph idx="1"/>
+          </p:nvPr>
+        </p:nvSpPr>
+        <p:spPr/>
+        <p:txBody>
+          <a:bodyPr>
+            <a:normAutofit lnSpcReduction="10000"/>
+          </a:bodyPr>
+          <a:lstStyle/>
+          <a:p>
+            <a:r>
+              <a:rPr lang="de-DE" i="1" dirty="0" err="1" smtClean="0">
+                <a:solidFill>
+                  <a:schemeClr val="accent4">
+                    <a:lumMod val="60000"/>
+                    <a:lumOff val="40000"/>
+                  </a:schemeClr>
+                </a:solidFill>
+                <a:latin typeface="Avenir Book"/>
+                <a:cs typeface="Avenir Book"/>
+              </a:rPr>
+              <a:t>Map</a:t>
+            </a:r>
+            <a:r>
+              <a:rPr lang="de-DE" i="1" dirty="0" smtClean="0">
+                <a:solidFill>
+                  <a:schemeClr val="accent4">
+                    <a:lumMod val="60000"/>
+                    <a:lumOff val="40000"/>
+                  </a:schemeClr>
+                </a:solidFill>
+                <a:latin typeface="Avenir Book"/>
+                <a:cs typeface="Avenir Book"/>
+              </a:rPr>
+              <a:t>:</a:t>
+            </a:r>
+            <a:r>
+              <a:rPr lang="de-DE" dirty="0" smtClean="0">
+                <a:latin typeface="Avenir Book"/>
+                <a:cs typeface="Avenir Book"/>
+              </a:rPr>
+              <a:t> bildet Paar aus Key und Value auf Liste von Zwischenergebnissen ab. Für </a:t>
+            </a:r>
+            <a:r>
+              <a:rPr lang="de-DE" dirty="0" smtClean="0">
+                <a:latin typeface="Avenir Book"/>
+                <a:cs typeface="Avenir Book"/>
+              </a:rPr>
+              <a:t>jedes Wertpaar aus  </a:t>
+            </a:r>
+            <a:r>
+              <a:rPr lang="de-DE" dirty="0" smtClean="0">
+                <a:latin typeface="Avenir Book"/>
+                <a:cs typeface="Avenir Book"/>
+              </a:rPr>
+              <a:t>Eingabeliste wird </a:t>
+            </a:r>
+            <a:r>
+              <a:rPr lang="de-DE" dirty="0" err="1" smtClean="0">
+                <a:latin typeface="Avenir Book"/>
+                <a:cs typeface="Avenir Book"/>
+              </a:rPr>
+              <a:t>Map</a:t>
+            </a:r>
+            <a:r>
+              <a:rPr lang="de-DE" dirty="0" smtClean="0">
+                <a:latin typeface="Avenir Book"/>
+                <a:cs typeface="Avenir Book"/>
+              </a:rPr>
+              <a:t> unabhängig aufgerufen, Ausführung nebenläufig und verteilt.</a:t>
+            </a:r>
+          </a:p>
+          <a:p>
+            <a:r>
+              <a:rPr lang="de-DE" i="1" dirty="0" smtClean="0">
+                <a:solidFill>
+                  <a:srgbClr val="FF9E40"/>
+                </a:solidFill>
+                <a:latin typeface="Avenir Book"/>
+                <a:cs typeface="Avenir Book"/>
+              </a:rPr>
+              <a:t>Shuffle:</a:t>
+            </a:r>
+            <a:r>
+              <a:rPr lang="de-DE" dirty="0" smtClean="0">
+                <a:latin typeface="Avenir Book"/>
+                <a:cs typeface="Avenir Book"/>
+              </a:rPr>
+              <a:t> Ergebnisse werden vor </a:t>
+            </a:r>
+            <a:r>
+              <a:rPr lang="de-DE" dirty="0" err="1" smtClean="0">
+                <a:latin typeface="Avenir Book"/>
+                <a:cs typeface="Avenir Book"/>
+              </a:rPr>
+              <a:t>Reduce</a:t>
+            </a:r>
+            <a:r>
+              <a:rPr lang="de-DE" dirty="0" smtClean="0">
+                <a:latin typeface="Avenir Book"/>
+                <a:cs typeface="Avenir Book"/>
+              </a:rPr>
+              <a:t> </a:t>
+            </a:r>
+            <a:r>
+              <a:rPr lang="de-DE" dirty="0" smtClean="0">
+                <a:latin typeface="Avenir Book"/>
+                <a:cs typeface="Avenir Book"/>
+              </a:rPr>
+              <a:t>nach neuem Schlüssel in Liste gruppiert. Bei verteilten Systemen Datenaustausch über Netzwerk. (deshalb evtl. vorher Combine </a:t>
+            </a:r>
+            <a:r>
+              <a:rPr lang="de-DE" dirty="0" smtClean="0">
+                <a:latin typeface="Avenir Book"/>
+                <a:cs typeface="Avenir Book"/>
+              </a:rPr>
+              <a:t>auf gleichem Knoten wie </a:t>
+            </a:r>
+            <a:r>
+              <a:rPr lang="de-DE" dirty="0" err="1" smtClean="0">
+                <a:latin typeface="Avenir Book"/>
+                <a:cs typeface="Avenir Book"/>
+              </a:rPr>
+              <a:t>Map</a:t>
+            </a:r>
+            <a:r>
+              <a:rPr lang="de-DE" dirty="0" smtClean="0">
+                <a:latin typeface="Avenir Book"/>
+                <a:cs typeface="Avenir Book"/>
+              </a:rPr>
+              <a:t>-Funktion)</a:t>
+            </a:r>
+            <a:endParaRPr lang="de-DE" dirty="0" smtClean="0">
+              <a:latin typeface="Avenir Book"/>
+              <a:cs typeface="Avenir Book"/>
+            </a:endParaRPr>
+          </a:p>
+          <a:p>
+            <a:r>
+              <a:rPr lang="de-DE" i="1" dirty="0" err="1" smtClean="0">
+                <a:solidFill>
+                  <a:srgbClr val="FF9E40"/>
+                </a:solidFill>
+                <a:latin typeface="Avenir Book"/>
+                <a:cs typeface="Avenir Book"/>
+              </a:rPr>
+              <a:t>Reduce</a:t>
+            </a:r>
+            <a:r>
+              <a:rPr lang="de-DE" i="1" dirty="0" smtClean="0">
+                <a:solidFill>
+                  <a:srgbClr val="FF9E40"/>
+                </a:solidFill>
+                <a:latin typeface="Avenir Book"/>
+                <a:cs typeface="Avenir Book"/>
+              </a:rPr>
+              <a:t>:</a:t>
+            </a:r>
+            <a:r>
+              <a:rPr lang="de-DE" dirty="0" smtClean="0">
+                <a:latin typeface="Avenir Book"/>
+                <a:cs typeface="Avenir Book"/>
+              </a:rPr>
+              <a:t> Für jede Liste Aufruf der benutzerdefinierten </a:t>
+            </a:r>
+            <a:r>
+              <a:rPr lang="de-DE" dirty="0" err="1" smtClean="0">
+                <a:latin typeface="Avenir Book"/>
+                <a:cs typeface="Avenir Book"/>
+              </a:rPr>
+              <a:t>Reduce</a:t>
+            </a:r>
+            <a:r>
+              <a:rPr lang="de-DE" dirty="0" smtClean="0">
+                <a:latin typeface="Avenir Book"/>
+                <a:cs typeface="Avenir Book"/>
+              </a:rPr>
+              <a:t>-Funktion. Diese berechnet Ausgabeliste mit Ergebnissen. Ausführung </a:t>
+            </a:r>
+            <a:r>
+              <a:rPr lang="de-DE" dirty="0" smtClean="0">
+                <a:latin typeface="Avenir Book"/>
+                <a:cs typeface="Avenir Book"/>
+              </a:rPr>
+              <a:t>nebenläufig und verteilt.</a:t>
+            </a:r>
+            <a:endParaRPr lang="de-DE" dirty="0" smtClean="0">
+              <a:latin typeface="Avenir Book"/>
+              <a:cs typeface="Avenir Book"/>
+            </a:endParaRPr>
+          </a:p>
+        </p:txBody>
+      </p:sp>
+    </p:spTree>
+    <p:extLst>
+      <p:ext uri="{BB962C8B-B14F-4D97-AF65-F5344CB8AC3E}">
+        <p14:creationId xmlns:p14="http://schemas.microsoft.com/office/powerpoint/2010/main" val="1051269514"/>
+      </p:ext>
+    </p:extLst>
+  </p:cSld>
+  <p:clrMapOvr>
+    <a:masterClrMapping/>
+  </p:clrMapOvr>
+  <p:timing>
+    <p:tnLst>
+      <p:par>
+        <p:cTn xmlns:p14="http://schemas.microsoft.com/office/powerpoint/2010/main" id="1" dur="indefinite" restart="never" nodeType="tmRoot"/>
+      </p:par>
+    </p:tnLst>
+  </p:timing>
+</p:sld>
+</file>
+
+<file path=ppt/slides/slide9.xml><?xml version="1.0" encoding="utf-8"?>
+<p:sld xmlns:a="http://schemas.openxmlformats.org/drawingml/2006/main" xmlns:r="http://schemas.openxmlformats.org/officeDocument/2006/relationships" xmlns:p="http://schemas.openxmlformats.org/presentationml/2006/main">
+  <p:cSld>
+    <p:spTree>
+      <p:nvGrpSpPr>
+        <p:cNvPr id="1" name=""/>
+        <p:cNvGrpSpPr/>
+        <p:nvPr/>
+      </p:nvGrpSpPr>
+      <p:grpSpPr>
+        <a:xfrm>
+          <a:off x="0" y="0"/>
+          <a:ext cx="0" cy="0"/>
+          <a:chOff x="0" y="0"/>
+          <a:chExt cx="0" cy="0"/>
+        </a:xfrm>
+      </p:grpSpPr>
+      <p:sp>
+        <p:nvSpPr>
+          <p:cNvPr id="2" name="Titel 1"/>
+          <p:cNvSpPr>
+            <a:spLocks noGrp="1"/>
+          </p:cNvSpPr>
+          <p:nvPr>
+            <p:ph type="title"/>
+          </p:nvPr>
+        </p:nvSpPr>
+        <p:spPr/>
+        <p:txBody>
+          <a:bodyPr/>
+          <a:lstStyle/>
+          <a:p>
+            <a:pPr algn="ctr"/>
+            <a:r>
+              <a:rPr lang="de-DE" dirty="0" smtClean="0">
+                <a:latin typeface="Avenir Black Oblique"/>
+                <a:cs typeface="Avenir Black Oblique"/>
+              </a:rPr>
+              <a:t>Schwächen von </a:t>
+            </a:r>
+            <a:r>
+              <a:rPr lang="de-DE" dirty="0" err="1" smtClean="0">
+                <a:latin typeface="Avenir Black Oblique"/>
+                <a:cs typeface="Avenir Black Oblique"/>
+              </a:rPr>
+              <a:t>Hadoop</a:t>
+            </a:r>
+            <a:endParaRPr lang="de-DE" dirty="0">
+              <a:latin typeface="Avenir Black Oblique"/>
+              <a:cs typeface="Avenir Black Oblique"/>
+            </a:endParaRPr>
+          </a:p>
+        </p:txBody>
+      </p:sp>
+      <p:sp>
+        <p:nvSpPr>
+          <p:cNvPr id="3" name="Inhaltsplatzhalter 2"/>
+          <p:cNvSpPr>
+            <a:spLocks noGrp="1"/>
+          </p:cNvSpPr>
+          <p:nvPr>
+            <p:ph idx="1"/>
+          </p:nvPr>
+        </p:nvSpPr>
+        <p:spPr/>
+        <p:txBody>
+          <a:bodyPr/>
+          <a:lstStyle/>
+          <a:p>
+            <a:r>
+              <a:rPr lang="de-DE" dirty="0" smtClean="0">
+                <a:latin typeface="Avenir Book"/>
+                <a:cs typeface="Avenir Book"/>
+              </a:rPr>
+              <a:t>Zwischenergebnisse werden immer persistiert, sind also I/O-Abhängig. </a:t>
+            </a:r>
+            <a:endParaRPr lang="de-DE" dirty="0" smtClean="0">
+              <a:latin typeface="Avenir Book"/>
+              <a:cs typeface="Avenir Book"/>
+            </a:endParaRPr>
+          </a:p>
+          <a:p>
+            <a:r>
+              <a:rPr lang="de-DE" dirty="0" smtClean="0">
+                <a:latin typeface="Avenir Book"/>
+                <a:cs typeface="Avenir Book"/>
+              </a:rPr>
+              <a:t>Kein Problem für große Batch-Jobs wie ETL, Daten-konsolidierung, Datenbereinigung, hingegen problematisch für Streaming-Daten oder interaktive Abfragen</a:t>
+            </a:r>
+            <a:endParaRPr lang="de-DE" dirty="0" smtClean="0">
+              <a:latin typeface="Avenir Book"/>
+              <a:cs typeface="Avenir Book"/>
+            </a:endParaRPr>
+          </a:p>
+          <a:p>
+            <a:r>
+              <a:rPr lang="de-DE" dirty="0" smtClean="0">
+                <a:latin typeface="Avenir Book"/>
+                <a:cs typeface="Avenir Book"/>
+              </a:rPr>
+              <a:t>Mittlerweile umfangreiches </a:t>
+            </a:r>
+            <a:r>
+              <a:rPr lang="de-DE" dirty="0" smtClean="0">
+                <a:latin typeface="Avenir Book"/>
+                <a:cs typeface="Avenir Book"/>
+              </a:rPr>
+              <a:t>Ökosystem – dadurch verschiedene Technologie-</a:t>
+            </a:r>
+            <a:r>
+              <a:rPr lang="de-DE" dirty="0" err="1" smtClean="0">
+                <a:latin typeface="Avenir Book"/>
+                <a:cs typeface="Avenir Book"/>
+              </a:rPr>
+              <a:t>Stacks</a:t>
+            </a:r>
+            <a:r>
+              <a:rPr lang="de-DE" dirty="0" smtClean="0">
+                <a:latin typeface="Avenir Book"/>
+                <a:cs typeface="Avenir Book"/>
+              </a:rPr>
+              <a:t> für verschiedene Zwecke, häufig Versionskonflikte, nicht ideal für schnellen Datenaustausch zwischen Paralleljobs</a:t>
+            </a:r>
+            <a:endParaRPr lang="de-DE" dirty="0" smtClean="0">
+              <a:latin typeface="Avenir Book"/>
+              <a:cs typeface="Avenir Book"/>
+            </a:endParaRPr>
+          </a:p>
+        </p:txBody>
+      </p:sp>
+    </p:spTree>
+    <p:extLst>
+      <p:ext uri="{BB962C8B-B14F-4D97-AF65-F5344CB8AC3E}">
+        <p14:creationId xmlns:p14="http://schemas.microsoft.com/office/powerpoint/2010/main" val="1051269514"/>
       </p:ext>
     </p:extLst>
   </p:cSld>

--- a/apache_spark/poster/Spark_Presentation.pptx
+++ b/apache_spark/poster/Spark_Presentation.pptx
@@ -19,11 +19,15 @@
     <p:sldId id="267" r:id="rId13"/>
     <p:sldId id="268" r:id="rId14"/>
     <p:sldId id="269" r:id="rId15"/>
-    <p:sldId id="270" r:id="rId16"/>
-    <p:sldId id="272" r:id="rId17"/>
-    <p:sldId id="271" r:id="rId18"/>
-    <p:sldId id="273" r:id="rId19"/>
-    <p:sldId id="274" r:id="rId20"/>
+    <p:sldId id="276" r:id="rId16"/>
+    <p:sldId id="277" r:id="rId17"/>
+    <p:sldId id="270" r:id="rId18"/>
+    <p:sldId id="272" r:id="rId19"/>
+    <p:sldId id="271" r:id="rId20"/>
+    <p:sldId id="273" r:id="rId21"/>
+    <p:sldId id="274" r:id="rId22"/>
+    <p:sldId id="278" r:id="rId23"/>
+    <p:sldId id="279" r:id="rId24"/>
   </p:sldIdLst>
   <p:sldSz cx="9144000" cy="6858000" type="screen4x3"/>
   <p:notesSz cx="6858000" cy="9144000"/>
@@ -360,7 +364,7 @@
           <a:p>
             <a:fld id="{D140825E-4A15-4D39-8176-1F07E904CB30}" type="datetimeFigureOut">
               <a:rPr lang="en-US" smtClean="0"/>
-              <a:t>19/01/15</a:t>
+              <a:t>20/01/15</a:t>
             </a:fld>
             <a:endParaRPr lang="en-US"/>
           </a:p>
@@ -451,7 +455,7 @@
           <a:p>
             <a:fld id="{D140825E-4A15-4D39-8176-1F07E904CB30}" type="datetimeFigureOut">
               <a:rPr lang="en-US" smtClean="0"/>
-              <a:t>19/01/15</a:t>
+              <a:t>20/01/15</a:t>
             </a:fld>
             <a:endParaRPr lang="en-US"/>
           </a:p>
@@ -754,7 +758,7 @@
           <a:p>
             <a:fld id="{D140825E-4A15-4D39-8176-1F07E904CB30}" type="datetimeFigureOut">
               <a:rPr lang="en-US" smtClean="0"/>
-              <a:t>19/01/15</a:t>
+              <a:t>20/01/15</a:t>
             </a:fld>
             <a:endParaRPr lang="en-US"/>
           </a:p>
@@ -975,7 +979,7 @@
           <a:p>
             <a:fld id="{D140825E-4A15-4D39-8176-1F07E904CB30}" type="datetimeFigureOut">
               <a:rPr lang="en-US" smtClean="0"/>
-              <a:t>19/01/15</a:t>
+              <a:t>20/01/15</a:t>
             </a:fld>
             <a:endParaRPr lang="en-US"/>
           </a:p>
@@ -1363,7 +1367,7 @@
           <a:p>
             <a:fld id="{D140825E-4A15-4D39-8176-1F07E904CB30}" type="datetimeFigureOut">
               <a:rPr lang="en-US" smtClean="0"/>
-              <a:t>19/01/15</a:t>
+              <a:t>20/01/15</a:t>
             </a:fld>
             <a:endParaRPr lang="en-US"/>
           </a:p>
@@ -1671,7 +1675,7 @@
           <a:p>
             <a:fld id="{D140825E-4A15-4D39-8176-1F07E904CB30}" type="datetimeFigureOut">
               <a:rPr lang="en-US" smtClean="0"/>
-              <a:t>19/01/15</a:t>
+              <a:t>20/01/15</a:t>
             </a:fld>
             <a:endParaRPr lang="en-US"/>
           </a:p>
@@ -1869,7 +1873,7 @@
           <a:p>
             <a:fld id="{D140825E-4A15-4D39-8176-1F07E904CB30}" type="datetimeFigureOut">
               <a:rPr lang="en-US" smtClean="0"/>
-              <a:t>19/01/15</a:t>
+              <a:t>20/01/15</a:t>
             </a:fld>
             <a:endParaRPr lang="en-US"/>
           </a:p>
@@ -2072,7 +2076,7 @@
           <a:p>
             <a:fld id="{D140825E-4A15-4D39-8176-1F07E904CB30}" type="datetimeFigureOut">
               <a:rPr lang="en-US" smtClean="0"/>
-              <a:t>19/01/15</a:t>
+              <a:t>20/01/15</a:t>
             </a:fld>
             <a:endParaRPr lang="en-US"/>
           </a:p>
@@ -2265,7 +2269,7 @@
           <a:p>
             <a:fld id="{D140825E-4A15-4D39-8176-1F07E904CB30}" type="datetimeFigureOut">
               <a:rPr lang="en-US" smtClean="0"/>
-              <a:t>19/01/15</a:t>
+              <a:t>20/01/15</a:t>
             </a:fld>
             <a:endParaRPr lang="en-US"/>
           </a:p>
@@ -2537,7 +2541,7 @@
           <a:p>
             <a:fld id="{D140825E-4A15-4D39-8176-1F07E904CB30}" type="datetimeFigureOut">
               <a:rPr lang="en-US" smtClean="0"/>
-              <a:t>19/01/15</a:t>
+              <a:t>20/01/15</a:t>
             </a:fld>
             <a:endParaRPr lang="en-US"/>
           </a:p>
@@ -2848,7 +2852,7 @@
           <a:p>
             <a:fld id="{D140825E-4A15-4D39-8176-1F07E904CB30}" type="datetimeFigureOut">
               <a:rPr lang="en-US" smtClean="0"/>
-              <a:t>19/01/15</a:t>
+              <a:t>20/01/15</a:t>
             </a:fld>
             <a:endParaRPr lang="en-US"/>
           </a:p>
@@ -3314,7 +3318,7 @@
           <a:p>
             <a:fld id="{D140825E-4A15-4D39-8176-1F07E904CB30}" type="datetimeFigureOut">
               <a:rPr lang="en-US" smtClean="0"/>
-              <a:t>19/01/15</a:t>
+              <a:t>20/01/15</a:t>
             </a:fld>
             <a:endParaRPr lang="en-US"/>
           </a:p>
@@ -3678,7 +3682,7 @@
           <a:p>
             <a:fld id="{D140825E-4A15-4D39-8176-1F07E904CB30}" type="datetimeFigureOut">
               <a:rPr lang="en-US" smtClean="0"/>
-              <a:t>19/01/15</a:t>
+              <a:t>20/01/15</a:t>
             </a:fld>
             <a:endParaRPr lang="en-US"/>
           </a:p>
@@ -3989,7 +3993,7 @@
           <a:p>
             <a:fld id="{D140825E-4A15-4D39-8176-1F07E904CB30}" type="datetimeFigureOut">
               <a:rPr lang="en-US" smtClean="0"/>
-              <a:t>19/01/15</a:t>
+              <a:t>20/01/15</a:t>
             </a:fld>
             <a:endParaRPr lang="en-US"/>
           </a:p>
@@ -4300,7 +4304,7 @@
           <a:p>
             <a:fld id="{D140825E-4A15-4D39-8176-1F07E904CB30}" type="datetimeFigureOut">
               <a:rPr lang="en-US" smtClean="0"/>
-              <a:t>19/01/15</a:t>
+              <a:t>20/01/15</a:t>
             </a:fld>
             <a:endParaRPr lang="en-US"/>
           </a:p>
@@ -4785,7 +4789,7 @@
           <a:p>
             <a:fld id="{D140825E-4A15-4D39-8176-1F07E904CB30}" type="datetimeFigureOut">
               <a:rPr lang="en-US" smtClean="0"/>
-              <a:t>19/01/15</a:t>
+              <a:t>20/01/15</a:t>
             </a:fld>
             <a:endParaRPr lang="en-US"/>
           </a:p>
@@ -5048,7 +5052,7 @@
           <a:p>
             <a:fld id="{D140825E-4A15-4D39-8176-1F07E904CB30}" type="datetimeFigureOut">
               <a:rPr lang="en-US" smtClean="0"/>
-              <a:t>19/01/15</a:t>
+              <a:t>20/01/15</a:t>
             </a:fld>
             <a:endParaRPr lang="en-US"/>
           </a:p>
@@ -6900,10 +6904,6 @@
               </a:rPr>
               <a:t>.“</a:t>
             </a:r>
-            <a:endParaRPr lang="de-DE" dirty="0" smtClean="0">
-              <a:latin typeface="Avenir Book"/>
-              <a:cs typeface="Avenir Book"/>
-            </a:endParaRPr>
           </a:p>
         </p:txBody>
       </p:sp>
@@ -7624,7 +7624,7 @@
           <a:lstStyle/>
           <a:p>
             <a:r>
-              <a:rPr lang="de-DE" b="1" dirty="0" smtClean="0">
+              <a:rPr lang="de-DE" b="1" dirty="0">
                 <a:solidFill>
                   <a:schemeClr val="bg1"/>
                 </a:solidFill>
@@ -8078,6 +8078,104 @@
               <a:latin typeface="Avenir Heavy"/>
               <a:cs typeface="Avenir Heavy"/>
             </a:endParaRPr>
+          </a:p>
+        </p:txBody>
+      </p:sp>
+      <p:sp>
+        <p:nvSpPr>
+          <p:cNvPr id="3" name="Rechteck 2"/>
+          <p:cNvSpPr/>
+          <p:nvPr/>
+        </p:nvSpPr>
+        <p:spPr>
+          <a:xfrm>
+            <a:off x="529668" y="4898507"/>
+            <a:ext cx="2107293" cy="1200329"/>
+          </a:xfrm>
+          <a:prstGeom prst="rect">
+            <a:avLst/>
+          </a:prstGeom>
+        </p:spPr>
+        <p:txBody>
+          <a:bodyPr wrap="none">
+            <a:spAutoFit/>
+          </a:bodyPr>
+          <a:lstStyle/>
+          <a:p>
+            <a:r>
+              <a:rPr lang="de-DE" sz="1200" dirty="0" smtClean="0">
+                <a:solidFill>
+                  <a:schemeClr val="bg1"/>
+                </a:solidFill>
+              </a:rPr>
+              <a:t>Driver führt Parallel-</a:t>
+            </a:r>
+          </a:p>
+          <a:p>
+            <a:r>
+              <a:rPr lang="de-DE" sz="1200" dirty="0" smtClean="0">
+                <a:solidFill>
+                  <a:schemeClr val="bg1"/>
+                </a:solidFill>
+              </a:rPr>
+              <a:t>Operationen auf </a:t>
+            </a:r>
+          </a:p>
+          <a:p>
+            <a:r>
+              <a:rPr lang="de-DE" sz="1200" dirty="0" smtClean="0">
+                <a:solidFill>
+                  <a:schemeClr val="bg1"/>
+                </a:solidFill>
+              </a:rPr>
+              <a:t>Cluster aus, definiert</a:t>
+            </a:r>
+          </a:p>
+          <a:p>
+            <a:r>
+              <a:rPr lang="de-DE" sz="1200" dirty="0" smtClean="0">
+                <a:solidFill>
+                  <a:schemeClr val="bg1"/>
+                </a:solidFill>
+              </a:rPr>
+              <a:t>RDD und Operationen.</a:t>
+            </a:r>
+          </a:p>
+          <a:p>
+            <a:r>
+              <a:rPr lang="de-DE" sz="1200" dirty="0" smtClean="0">
+                <a:solidFill>
+                  <a:schemeClr val="bg1"/>
+                </a:solidFill>
+              </a:rPr>
+              <a:t>Spark </a:t>
+            </a:r>
+            <a:r>
+              <a:rPr lang="de-DE" sz="1200" dirty="0" err="1" smtClean="0">
+                <a:solidFill>
+                  <a:schemeClr val="bg1"/>
+                </a:solidFill>
+              </a:rPr>
+              <a:t>Context</a:t>
+            </a:r>
+            <a:r>
+              <a:rPr lang="de-DE" sz="1200" dirty="0" smtClean="0">
+                <a:solidFill>
+                  <a:schemeClr val="bg1"/>
+                </a:solidFill>
+              </a:rPr>
+              <a:t> repräsentiert</a:t>
+            </a:r>
+          </a:p>
+          <a:p>
+            <a:r>
+              <a:rPr lang="de-DE" sz="1200" dirty="0" smtClean="0">
+                <a:solidFill>
+                  <a:schemeClr val="bg1"/>
+                </a:solidFill>
+              </a:rPr>
+              <a:t>Verbindung zu Cluster.</a:t>
+            </a:r>
           </a:p>
         </p:txBody>
       </p:sp>
@@ -8172,10 +8270,416 @@
             <p:ph idx="1"/>
           </p:nvPr>
         </p:nvSpPr>
-        <p:spPr/>
-        <p:txBody>
-          <a:bodyPr/>
+        <p:spPr>
+          <a:xfrm>
+            <a:off x="437906" y="1828799"/>
+            <a:ext cx="8298296" cy="4729479"/>
+          </a:xfrm>
+        </p:spPr>
+        <p:txBody>
+          <a:bodyPr>
+            <a:normAutofit fontScale="85000" lnSpcReduction="20000"/>
+          </a:bodyPr>
           <a:lstStyle/>
+          <a:p>
+            <a:r>
+              <a:rPr lang="de-DE" dirty="0" smtClean="0">
+                <a:latin typeface="Avenir Book"/>
+                <a:cs typeface="Avenir Book"/>
+              </a:rPr>
+              <a:t>...sind Kernkonzept von Spark.</a:t>
+            </a:r>
+          </a:p>
+          <a:p>
+            <a:r>
+              <a:rPr lang="de-DE" dirty="0" smtClean="0">
+                <a:latin typeface="Avenir Book"/>
+                <a:cs typeface="Avenir Book"/>
+              </a:rPr>
+              <a:t>...sind verteilte „</a:t>
+            </a:r>
+            <a:r>
+              <a:rPr lang="de-DE" dirty="0" err="1" smtClean="0">
+                <a:latin typeface="Avenir Book"/>
+                <a:cs typeface="Avenir Book"/>
+              </a:rPr>
+              <a:t>Immutable</a:t>
+            </a:r>
+            <a:r>
+              <a:rPr lang="de-DE" dirty="0" smtClean="0">
+                <a:latin typeface="Avenir Book"/>
+                <a:cs typeface="Avenir Book"/>
+              </a:rPr>
+              <a:t> </a:t>
+            </a:r>
+            <a:r>
+              <a:rPr lang="de-DE" dirty="0" err="1" smtClean="0">
+                <a:latin typeface="Avenir Book"/>
+                <a:cs typeface="Avenir Book"/>
+              </a:rPr>
+              <a:t>Collections</a:t>
+            </a:r>
+            <a:r>
+              <a:rPr lang="de-DE" dirty="0" smtClean="0">
+                <a:latin typeface="Avenir Book"/>
+                <a:cs typeface="Avenir Book"/>
+              </a:rPr>
+              <a:t>“ von Objekten.</a:t>
+            </a:r>
+          </a:p>
+          <a:p>
+            <a:r>
+              <a:rPr lang="de-DE" dirty="0" smtClean="0">
+                <a:latin typeface="Avenir Book"/>
+                <a:cs typeface="Avenir Book"/>
+              </a:rPr>
+              <a:t>...sind in verschiedene Partitionen aufgeteilt, die auf verschiedenen Knoten des Clusters berechnet werden können.</a:t>
+            </a:r>
+          </a:p>
+          <a:p>
+            <a:r>
+              <a:rPr lang="de-DE" dirty="0" smtClean="0">
+                <a:latin typeface="Avenir Book"/>
+                <a:cs typeface="Avenir Book"/>
+              </a:rPr>
+              <a:t>...können alle Arten von Objekten (Java, Scala, Python) enthalten.</a:t>
+            </a:r>
+          </a:p>
+          <a:p>
+            <a:r>
+              <a:rPr lang="de-DE" dirty="0" smtClean="0">
+                <a:latin typeface="Avenir Book"/>
+                <a:cs typeface="Avenir Book"/>
+              </a:rPr>
+              <a:t>...können auf zwei Arten erstellt werden: </a:t>
+            </a:r>
+          </a:p>
+          <a:p>
+            <a:pPr marL="0" indent="0">
+              <a:buNone/>
+            </a:pPr>
+            <a:r>
+              <a:rPr lang="de-DE" dirty="0">
+                <a:latin typeface="Avenir Book"/>
+                <a:cs typeface="Avenir Book"/>
+              </a:rPr>
+              <a:t> </a:t>
+            </a:r>
+            <a:r>
+              <a:rPr lang="de-DE" dirty="0" smtClean="0">
+                <a:latin typeface="Avenir Book"/>
+                <a:cs typeface="Avenir Book"/>
+              </a:rPr>
+              <a:t>	- durch Laden von externen Datensätzen</a:t>
+            </a:r>
+          </a:p>
+          <a:p>
+            <a:pPr marL="0" indent="0">
+              <a:buNone/>
+            </a:pPr>
+            <a:r>
+              <a:rPr lang="de-DE" dirty="0">
+                <a:latin typeface="Avenir Book"/>
+                <a:cs typeface="Avenir Book"/>
+              </a:rPr>
+              <a:t>	</a:t>
+            </a:r>
+            <a:r>
+              <a:rPr lang="de-DE" dirty="0" smtClean="0">
+                <a:latin typeface="Avenir Book"/>
+                <a:cs typeface="Avenir Book"/>
+              </a:rPr>
+              <a:t>   </a:t>
+            </a:r>
+            <a:r>
+              <a:rPr lang="de-DE" b="1" dirty="0" err="1" smtClean="0">
+                <a:solidFill>
+                  <a:srgbClr val="BFBFBF"/>
+                </a:solidFill>
+              </a:rPr>
+              <a:t>val</a:t>
+            </a:r>
+            <a:r>
+              <a:rPr lang="de-DE" b="1" dirty="0" smtClean="0">
+                <a:solidFill>
+                  <a:srgbClr val="BFBFBF"/>
+                </a:solidFill>
+              </a:rPr>
+              <a:t> </a:t>
+            </a:r>
+            <a:r>
+              <a:rPr lang="de-DE" dirty="0" err="1">
+                <a:solidFill>
+                  <a:srgbClr val="BFBFBF"/>
+                </a:solidFill>
+              </a:rPr>
+              <a:t>lines</a:t>
+            </a:r>
+            <a:r>
+              <a:rPr lang="de-DE" dirty="0">
+                <a:solidFill>
+                  <a:srgbClr val="BFBFBF"/>
+                </a:solidFill>
+              </a:rPr>
+              <a:t> </a:t>
+            </a:r>
+            <a:r>
+              <a:rPr lang="de-DE" b="1" dirty="0">
+                <a:solidFill>
+                  <a:srgbClr val="BFBFBF"/>
+                </a:solidFill>
+              </a:rPr>
+              <a:t>= </a:t>
+            </a:r>
+            <a:r>
+              <a:rPr lang="de-DE" dirty="0" err="1">
+                <a:solidFill>
+                  <a:srgbClr val="BFBFBF"/>
+                </a:solidFill>
+              </a:rPr>
+              <a:t>sc.textFile</a:t>
+            </a:r>
+            <a:r>
+              <a:rPr lang="de-DE" dirty="0">
+                <a:solidFill>
+                  <a:srgbClr val="BFBFBF"/>
+                </a:solidFill>
+              </a:rPr>
+              <a:t>("/</a:t>
+            </a:r>
+            <a:r>
+              <a:rPr lang="de-DE" dirty="0" err="1">
+                <a:solidFill>
+                  <a:srgbClr val="BFBFBF"/>
+                </a:solidFill>
+              </a:rPr>
+              <a:t>path</a:t>
+            </a:r>
+            <a:r>
+              <a:rPr lang="de-DE" dirty="0">
+                <a:solidFill>
+                  <a:srgbClr val="BFBFBF"/>
+                </a:solidFill>
+              </a:rPr>
+              <a:t>/</a:t>
+            </a:r>
+            <a:r>
+              <a:rPr lang="de-DE" dirty="0" err="1">
+                <a:solidFill>
+                  <a:srgbClr val="BFBFBF"/>
+                </a:solidFill>
+              </a:rPr>
+              <a:t>to</a:t>
+            </a:r>
+            <a:r>
+              <a:rPr lang="de-DE" dirty="0">
+                <a:solidFill>
+                  <a:srgbClr val="BFBFBF"/>
+                </a:solidFill>
+              </a:rPr>
+              <a:t>/</a:t>
+            </a:r>
+            <a:r>
+              <a:rPr lang="de-DE" dirty="0" err="1">
+                <a:solidFill>
+                  <a:srgbClr val="BFBFBF"/>
+                </a:solidFill>
+              </a:rPr>
+              <a:t>README.md</a:t>
+            </a:r>
+            <a:r>
+              <a:rPr lang="de-DE" dirty="0">
+                <a:solidFill>
+                  <a:srgbClr val="BFBFBF"/>
+                </a:solidFill>
+              </a:rPr>
+              <a:t>") </a:t>
+            </a:r>
+            <a:endParaRPr lang="de-DE" dirty="0" smtClean="0">
+              <a:solidFill>
+                <a:srgbClr val="BFBFBF"/>
+              </a:solidFill>
+              <a:latin typeface="Avenir Book"/>
+              <a:cs typeface="Avenir Book"/>
+            </a:endParaRPr>
+          </a:p>
+          <a:p>
+            <a:pPr marL="0" indent="0">
+              <a:buNone/>
+            </a:pPr>
+            <a:r>
+              <a:rPr lang="de-DE" dirty="0">
+                <a:latin typeface="Avenir Book"/>
+                <a:cs typeface="Avenir Book"/>
+              </a:rPr>
+              <a:t>	</a:t>
+            </a:r>
+            <a:r>
+              <a:rPr lang="de-DE" dirty="0" smtClean="0">
+                <a:latin typeface="Avenir Book"/>
+                <a:cs typeface="Avenir Book"/>
+              </a:rPr>
+              <a:t>- durch das Verteilen einer </a:t>
+            </a:r>
+            <a:r>
+              <a:rPr lang="de-DE" dirty="0" err="1" smtClean="0">
+                <a:latin typeface="Avenir Book"/>
+                <a:cs typeface="Avenir Book"/>
+              </a:rPr>
+              <a:t>Object-Collection</a:t>
+            </a:r>
+            <a:r>
+              <a:rPr lang="de-DE" dirty="0" smtClean="0">
+                <a:latin typeface="Avenir Book"/>
+                <a:cs typeface="Avenir Book"/>
+              </a:rPr>
+              <a:t> (List, Set) im Treiber. </a:t>
+            </a:r>
+          </a:p>
+          <a:p>
+            <a:pPr marL="0" indent="0">
+              <a:buNone/>
+            </a:pPr>
+            <a:r>
+              <a:rPr lang="de-DE" b="1" dirty="0">
+                <a:latin typeface="Avenir Book"/>
+                <a:cs typeface="Avenir Book"/>
+              </a:rPr>
+              <a:t> </a:t>
+            </a:r>
+            <a:r>
+              <a:rPr lang="de-DE" b="1" dirty="0" smtClean="0">
+                <a:latin typeface="Avenir Book"/>
+                <a:cs typeface="Avenir Book"/>
+              </a:rPr>
+              <a:t>                </a:t>
+            </a:r>
+            <a:r>
+              <a:rPr lang="de-DE" b="1" dirty="0" err="1" smtClean="0">
+                <a:solidFill>
+                  <a:srgbClr val="BFBFBF"/>
+                </a:solidFill>
+              </a:rPr>
+              <a:t>val</a:t>
+            </a:r>
+            <a:r>
+              <a:rPr lang="de-DE" b="1" dirty="0" smtClean="0">
+                <a:solidFill>
+                  <a:srgbClr val="BFBFBF"/>
+                </a:solidFill>
+              </a:rPr>
+              <a:t> </a:t>
+            </a:r>
+            <a:r>
+              <a:rPr lang="de-DE" dirty="0" err="1">
+                <a:solidFill>
+                  <a:srgbClr val="BFBFBF"/>
+                </a:solidFill>
+              </a:rPr>
+              <a:t>lines</a:t>
+            </a:r>
+            <a:r>
+              <a:rPr lang="de-DE" dirty="0">
+                <a:solidFill>
+                  <a:srgbClr val="BFBFBF"/>
+                </a:solidFill>
+              </a:rPr>
+              <a:t> </a:t>
+            </a:r>
+            <a:r>
+              <a:rPr lang="de-DE" b="1" dirty="0">
+                <a:solidFill>
+                  <a:srgbClr val="BFBFBF"/>
+                </a:solidFill>
+              </a:rPr>
+              <a:t>= </a:t>
+            </a:r>
+            <a:r>
+              <a:rPr lang="de-DE" dirty="0" err="1">
+                <a:solidFill>
+                  <a:srgbClr val="BFBFBF"/>
+                </a:solidFill>
+              </a:rPr>
+              <a:t>sc.parallelize</a:t>
+            </a:r>
+            <a:r>
+              <a:rPr lang="de-DE" dirty="0">
+                <a:solidFill>
+                  <a:srgbClr val="BFBFBF"/>
+                </a:solidFill>
+              </a:rPr>
+              <a:t>(</a:t>
+            </a:r>
+            <a:r>
+              <a:rPr lang="de-DE" b="1" dirty="0">
+                <a:solidFill>
+                  <a:srgbClr val="BFBFBF"/>
+                </a:solidFill>
+              </a:rPr>
+              <a:t>List</a:t>
+            </a:r>
+            <a:r>
+              <a:rPr lang="de-DE" dirty="0">
+                <a:solidFill>
+                  <a:srgbClr val="BFBFBF"/>
+                </a:solidFill>
+              </a:rPr>
+              <a:t>("</a:t>
+            </a:r>
+            <a:r>
+              <a:rPr lang="de-DE" dirty="0" err="1">
+                <a:solidFill>
+                  <a:srgbClr val="BFBFBF"/>
+                </a:solidFill>
+              </a:rPr>
+              <a:t>pandas</a:t>
+            </a:r>
+            <a:r>
+              <a:rPr lang="de-DE" dirty="0">
+                <a:solidFill>
+                  <a:srgbClr val="BFBFBF"/>
+                </a:solidFill>
+              </a:rPr>
+              <a:t>", "i </a:t>
+            </a:r>
+            <a:r>
+              <a:rPr lang="de-DE" dirty="0" err="1">
+                <a:solidFill>
+                  <a:srgbClr val="BFBFBF"/>
+                </a:solidFill>
+              </a:rPr>
+              <a:t>like</a:t>
+            </a:r>
+            <a:r>
+              <a:rPr lang="de-DE" dirty="0">
+                <a:solidFill>
+                  <a:srgbClr val="BFBFBF"/>
+                </a:solidFill>
+              </a:rPr>
+              <a:t> </a:t>
+            </a:r>
+            <a:r>
+              <a:rPr lang="de-DE" dirty="0" err="1">
+                <a:solidFill>
+                  <a:srgbClr val="BFBFBF"/>
+                </a:solidFill>
+              </a:rPr>
+              <a:t>pandas</a:t>
+            </a:r>
+            <a:r>
+              <a:rPr lang="de-DE" dirty="0">
+                <a:solidFill>
+                  <a:srgbClr val="BFBFBF"/>
+                </a:solidFill>
+              </a:rPr>
+              <a:t>")) </a:t>
+            </a:r>
+            <a:endParaRPr lang="de-DE" dirty="0">
+              <a:solidFill>
+                <a:srgbClr val="BFBFBF"/>
+              </a:solidFill>
+            </a:endParaRPr>
+          </a:p>
           <a:p>
             <a:endParaRPr lang="de-DE" dirty="0" smtClean="0">
               <a:latin typeface="Avenir Book"/>
@@ -8242,28 +8746,21 @@
                 <a:latin typeface="Avenir Black Oblique"/>
                 <a:cs typeface="Avenir Black Oblique"/>
               </a:rPr>
-              <a:t>Der Berkeley Data </a:t>
+              <a:t>Die </a:t>
             </a:r>
             <a:r>
               <a:rPr lang="de-DE" dirty="0" err="1" smtClean="0">
                 <a:latin typeface="Avenir Black Oblique"/>
                 <a:cs typeface="Avenir Black Oblique"/>
               </a:rPr>
-              <a:t>Analytics</a:t>
+              <a:t>Resilient</a:t>
             </a:r>
             <a:r>
               <a:rPr lang="de-DE" dirty="0" smtClean="0">
                 <a:latin typeface="Avenir Black Oblique"/>
                 <a:cs typeface="Avenir Black Oblique"/>
               </a:rPr>
-              <a:t> </a:t>
-            </a:r>
-            <a:r>
-              <a:rPr lang="de-DE" dirty="0" err="1" smtClean="0">
-                <a:latin typeface="Avenir Black Oblique"/>
-                <a:cs typeface="Avenir Black Oblique"/>
-              </a:rPr>
-              <a:t>Stack</a:t>
+              <a:t> Distributed Datasets</a:t>
             </a:r>
             <a:endParaRPr lang="de-DE" dirty="0">
               <a:latin typeface="Avenir Black Oblique"/>
@@ -8284,7 +8781,9 @@
         </p:nvSpPr>
         <p:spPr/>
         <p:txBody>
-          <a:bodyPr/>
+          <a:bodyPr>
+            <a:normAutofit lnSpcReduction="10000"/>
+          </a:bodyPr>
           <a:lstStyle/>
           <a:p>
             <a:r>
@@ -8292,131 +8791,610 @@
                 <a:latin typeface="Avenir Book"/>
                 <a:cs typeface="Avenir Book"/>
               </a:rPr>
-              <a:t>Wikipedia sagt dazu: „.</a:t>
-            </a:r>
-            <a:r>
-              <a:rPr lang="de-DE" dirty="0">
-                <a:latin typeface="Avenir Book"/>
-                <a:cs typeface="Avenir Book"/>
-              </a:rPr>
-              <a:t>.. bezeichnet Daten-Mengen, die zu groß, oder zu komplex sind, oder sich zu schnell ändern, um sie mit </a:t>
+              <a:t>Zwei Arten von Operationen: </a:t>
+            </a:r>
+            <a:r>
+              <a:rPr lang="de-DE" dirty="0" err="1" smtClean="0">
+                <a:latin typeface="Avenir Book"/>
+                <a:cs typeface="Avenir Book"/>
+              </a:rPr>
+              <a:t>transformation</a:t>
+            </a:r>
+            <a:r>
+              <a:rPr lang="de-DE" dirty="0" smtClean="0">
+                <a:latin typeface="Avenir Book"/>
+                <a:cs typeface="Avenir Book"/>
+              </a:rPr>
+              <a:t> und </a:t>
+            </a:r>
+            <a:r>
+              <a:rPr lang="de-DE" dirty="0" err="1" smtClean="0">
+                <a:latin typeface="Avenir Book"/>
+                <a:cs typeface="Avenir Book"/>
+              </a:rPr>
+              <a:t>action</a:t>
+            </a:r>
+            <a:endParaRPr lang="de-DE" dirty="0" smtClean="0">
+              <a:latin typeface="Avenir Book"/>
+              <a:cs typeface="Avenir Book"/>
+            </a:endParaRPr>
+          </a:p>
+          <a:p>
+            <a:r>
+              <a:rPr lang="de-DE" dirty="0" smtClean="0">
+                <a:latin typeface="Avenir Book"/>
+                <a:cs typeface="Avenir Book"/>
+              </a:rPr>
+              <a:t>Transformation: </a:t>
+            </a:r>
+            <a:r>
+              <a:rPr lang="de-DE" dirty="0" err="1" smtClean="0">
+                <a:latin typeface="Avenir Book"/>
+                <a:cs typeface="Avenir Book"/>
+              </a:rPr>
+              <a:t>filter</a:t>
+            </a:r>
+            <a:r>
+              <a:rPr lang="de-DE" dirty="0" smtClean="0">
+                <a:latin typeface="Avenir Book"/>
+                <a:cs typeface="Avenir Book"/>
+              </a:rPr>
+              <a:t>(), </a:t>
+            </a:r>
+            <a:r>
+              <a:rPr lang="de-DE" dirty="0" err="1" smtClean="0">
+                <a:latin typeface="Avenir Book"/>
+                <a:cs typeface="Avenir Book"/>
+              </a:rPr>
+              <a:t>map</a:t>
+            </a:r>
+            <a:r>
+              <a:rPr lang="de-DE" dirty="0" smtClean="0">
+                <a:latin typeface="Avenir Book"/>
+                <a:cs typeface="Avenir Book"/>
+              </a:rPr>
+              <a:t>(), </a:t>
+            </a:r>
+            <a:r>
+              <a:rPr lang="de-DE" dirty="0" err="1" smtClean="0">
+                <a:latin typeface="Avenir Book"/>
+                <a:cs typeface="Avenir Book"/>
+              </a:rPr>
+              <a:t>union</a:t>
+            </a:r>
+            <a:r>
+              <a:rPr lang="de-DE" dirty="0" smtClean="0">
+                <a:latin typeface="Avenir Book"/>
+                <a:cs typeface="Avenir Book"/>
+              </a:rPr>
+              <a:t>(), </a:t>
+            </a:r>
+            <a:r>
+              <a:rPr lang="de-DE" dirty="0" err="1" smtClean="0">
+                <a:latin typeface="Avenir Book"/>
+                <a:cs typeface="Avenir Book"/>
+              </a:rPr>
+              <a:t>intersection</a:t>
+            </a:r>
+            <a:r>
+              <a:rPr lang="de-DE" dirty="0">
+                <a:latin typeface="Avenir Book"/>
+                <a:cs typeface="Avenir Book"/>
+              </a:rPr>
+              <a:t>(), </a:t>
             </a:r>
             <a:r>
               <a:rPr lang="de-DE" dirty="0" err="1">
                 <a:latin typeface="Avenir Book"/>
                 <a:cs typeface="Avenir Book"/>
               </a:rPr>
-              <a:t>händischen</a:t>
-            </a:r>
-            <a:r>
-              <a:rPr lang="de-DE" dirty="0">
-                <a:latin typeface="Avenir Book"/>
-                <a:cs typeface="Avenir Book"/>
-              </a:rPr>
-              <a:t> und klassischen Methoden der Datenverarbeitung auszuwerten</a:t>
-            </a:r>
-            <a:r>
-              <a:rPr lang="de-DE" dirty="0" smtClean="0">
-                <a:latin typeface="Avenir Book"/>
-                <a:cs typeface="Avenir Book"/>
-              </a:rPr>
-              <a:t>.“</a:t>
-            </a:r>
-          </a:p>
-          <a:p>
-            <a:r>
-              <a:rPr lang="de-DE" dirty="0">
-                <a:latin typeface="Avenir Book"/>
-                <a:cs typeface="Avenir Book"/>
-              </a:rPr>
-              <a:t>Andere Definition:  </a:t>
-            </a:r>
-            <a:r>
-              <a:rPr lang="de-DE" dirty="0" smtClean="0">
-                <a:latin typeface="Avenir Book"/>
-                <a:cs typeface="Avenir Book"/>
-              </a:rPr>
-              <a:t>„Big Data“ bezeichnet nicht nur Datenvolumen, sondern auch Werkzeuge und Prozesse für den Umgang mit großen Volumen </a:t>
-            </a:r>
-          </a:p>
-          <a:p>
-            <a:r>
-              <a:rPr lang="de-DE" dirty="0">
-                <a:latin typeface="Avenir Book"/>
-                <a:cs typeface="Avenir Book"/>
-              </a:rPr>
-              <a:t>Problematisch </a:t>
-            </a:r>
-            <a:r>
-              <a:rPr lang="de-DE" dirty="0" smtClean="0">
-                <a:latin typeface="Avenir Book"/>
-                <a:cs typeface="Avenir Book"/>
-              </a:rPr>
-              <a:t>vor </a:t>
-            </a:r>
-            <a:r>
-              <a:rPr lang="de-DE" dirty="0">
-                <a:latin typeface="Avenir Book"/>
-                <a:cs typeface="Avenir Book"/>
-              </a:rPr>
-              <a:t>allem </a:t>
-            </a:r>
-            <a:r>
-              <a:rPr lang="de-DE" dirty="0" smtClean="0">
-                <a:latin typeface="Avenir Book"/>
-                <a:cs typeface="Avenir Book"/>
-              </a:rPr>
-              <a:t>Erfassung</a:t>
-            </a:r>
-            <a:r>
-              <a:rPr lang="de-DE" dirty="0">
-                <a:latin typeface="Avenir Book"/>
-                <a:cs typeface="Avenir Book"/>
-              </a:rPr>
-              <a:t>, </a:t>
-            </a:r>
-            <a:r>
-              <a:rPr lang="de-DE" dirty="0" smtClean="0">
-                <a:latin typeface="Avenir Book"/>
-                <a:cs typeface="Avenir Book"/>
-              </a:rPr>
-              <a:t>Speicherung, Suche</a:t>
-            </a:r>
-            <a:r>
-              <a:rPr lang="de-DE" dirty="0">
-                <a:latin typeface="Avenir Book"/>
-                <a:cs typeface="Avenir Book"/>
-              </a:rPr>
-              <a:t>, Verteilung, </a:t>
-            </a:r>
-            <a:r>
-              <a:rPr lang="de-DE" dirty="0" smtClean="0">
-                <a:latin typeface="Avenir Book"/>
-                <a:cs typeface="Avenir Book"/>
-              </a:rPr>
-              <a:t>Analyse, Visualisierung </a:t>
-            </a:r>
-            <a:r>
-              <a:rPr lang="de-DE" dirty="0">
-                <a:latin typeface="Avenir Book"/>
-                <a:cs typeface="Avenir Book"/>
-              </a:rPr>
-              <a:t>von großen </a:t>
-            </a:r>
-            <a:r>
-              <a:rPr lang="de-DE" dirty="0" smtClean="0">
-                <a:latin typeface="Avenir Book"/>
-                <a:cs typeface="Avenir Book"/>
-              </a:rPr>
-              <a:t>Datenmengen</a:t>
-            </a:r>
+              <a:t>subtract</a:t>
+            </a:r>
+            <a:r>
+              <a:rPr lang="de-DE" dirty="0">
+                <a:latin typeface="Avenir Book"/>
+                <a:cs typeface="Avenir Book"/>
+              </a:rPr>
+              <a:t>(), </a:t>
+            </a:r>
+            <a:r>
+              <a:rPr lang="de-DE" dirty="0" err="1">
+                <a:latin typeface="Avenir Book"/>
+                <a:cs typeface="Avenir Book"/>
+              </a:rPr>
+              <a:t>cartesian</a:t>
+            </a:r>
+            <a:r>
+              <a:rPr lang="de-DE" dirty="0">
+                <a:latin typeface="Avenir Book"/>
+                <a:cs typeface="Avenir Book"/>
+              </a:rPr>
+              <a:t>()</a:t>
+            </a:r>
+            <a:r>
+              <a:rPr lang="de-DE" dirty="0" smtClean="0">
+                <a:latin typeface="Avenir Book"/>
+                <a:cs typeface="Avenir Book"/>
+              </a:rPr>
+              <a:t>,.</a:t>
+            </a:r>
+            <a:r>
+              <a:rPr lang="de-DE" dirty="0" smtClean="0">
+                <a:latin typeface="Avenir Book"/>
+                <a:cs typeface="Avenir Book"/>
+              </a:rPr>
+              <a:t>.. – erzeugen jeweils neue RDDs</a:t>
+            </a:r>
+          </a:p>
+          <a:p>
+            <a:r>
+              <a:rPr lang="de-DE" dirty="0" smtClean="0">
+                <a:latin typeface="Avenir Book"/>
+                <a:cs typeface="Avenir Book"/>
+              </a:rPr>
+              <a:t>Action: </a:t>
+            </a:r>
+            <a:r>
+              <a:rPr lang="de-DE" dirty="0" err="1" smtClean="0">
+                <a:latin typeface="Avenir Book"/>
+                <a:cs typeface="Avenir Book"/>
+              </a:rPr>
+              <a:t>reduce</a:t>
+            </a:r>
+            <a:r>
+              <a:rPr lang="de-DE" dirty="0" smtClean="0">
+                <a:latin typeface="Avenir Book"/>
+                <a:cs typeface="Avenir Book"/>
+              </a:rPr>
+              <a:t>(</a:t>
+            </a:r>
+            <a:r>
+              <a:rPr lang="de-DE" dirty="0" err="1" smtClean="0">
+                <a:latin typeface="Avenir Book"/>
+                <a:cs typeface="Avenir Book"/>
+              </a:rPr>
+              <a:t>by</a:t>
+            </a:r>
+            <a:r>
+              <a:rPr lang="de-DE" dirty="0" smtClean="0">
+                <a:latin typeface="Avenir Book"/>
+                <a:cs typeface="Avenir Book"/>
+              </a:rPr>
+              <a:t> x), </a:t>
+            </a:r>
+            <a:r>
+              <a:rPr lang="de-DE" dirty="0" err="1" smtClean="0">
+                <a:latin typeface="Avenir Book"/>
+                <a:cs typeface="Avenir Book"/>
+              </a:rPr>
+              <a:t>count</a:t>
+            </a:r>
+            <a:r>
+              <a:rPr lang="de-DE" dirty="0" smtClean="0">
+                <a:latin typeface="Avenir Book"/>
+                <a:cs typeface="Avenir Book"/>
+              </a:rPr>
+              <a:t>(), </a:t>
+            </a:r>
+            <a:r>
+              <a:rPr lang="de-DE" dirty="0" err="1" smtClean="0">
+                <a:latin typeface="Avenir Book"/>
+                <a:cs typeface="Avenir Book"/>
+              </a:rPr>
+              <a:t>first</a:t>
+            </a:r>
+            <a:r>
+              <a:rPr lang="de-DE" dirty="0" smtClean="0">
+                <a:latin typeface="Avenir Book"/>
+                <a:cs typeface="Avenir Book"/>
+              </a:rPr>
+              <a:t>(), </a:t>
+            </a:r>
+            <a:r>
+              <a:rPr lang="de-DE" dirty="0" err="1" smtClean="0">
+                <a:latin typeface="Avenir Book"/>
+                <a:cs typeface="Avenir Book"/>
+              </a:rPr>
+              <a:t>take</a:t>
+            </a:r>
+            <a:r>
+              <a:rPr lang="de-DE" dirty="0" smtClean="0">
+                <a:latin typeface="Avenir Book"/>
+                <a:cs typeface="Avenir Book"/>
+              </a:rPr>
+              <a:t>(</a:t>
+            </a:r>
+            <a:r>
+              <a:rPr lang="de-DE" dirty="0" err="1" smtClean="0">
+                <a:latin typeface="Avenir Book"/>
+                <a:cs typeface="Avenir Book"/>
+              </a:rPr>
+              <a:t>n</a:t>
+            </a:r>
+            <a:r>
+              <a:rPr lang="de-DE" dirty="0" smtClean="0">
+                <a:latin typeface="Avenir Book"/>
+                <a:cs typeface="Avenir Book"/>
+              </a:rPr>
+              <a:t>), </a:t>
+            </a:r>
+            <a:r>
+              <a:rPr lang="de-DE" dirty="0" err="1" smtClean="0">
+                <a:latin typeface="Avenir Book"/>
+                <a:cs typeface="Avenir Book"/>
+              </a:rPr>
+              <a:t>collect</a:t>
+            </a:r>
+            <a:r>
+              <a:rPr lang="de-DE" dirty="0" smtClean="0">
+                <a:latin typeface="Avenir Book"/>
+                <a:cs typeface="Avenir Book"/>
+              </a:rPr>
+              <a:t>(),... – lösen Berechnung aus, geben Wert an Master zurück, oder persistieren Daten</a:t>
+            </a:r>
+          </a:p>
+          <a:p>
+            <a:r>
+              <a:rPr lang="de-DE" b="1" dirty="0" smtClean="0">
+                <a:latin typeface="Avenir Book"/>
+                <a:cs typeface="Avenir Book"/>
+              </a:rPr>
+              <a:t>Beispiel:</a:t>
+            </a:r>
+            <a:r>
+              <a:rPr lang="de-DE" b="1" dirty="0" smtClean="0"/>
+              <a:t> </a:t>
+            </a:r>
+            <a:r>
+              <a:rPr lang="is-IS" b="1" dirty="0">
+                <a:solidFill>
+                  <a:srgbClr val="BFBFBF"/>
+                </a:solidFill>
+              </a:rPr>
+              <a:t>val </a:t>
+            </a:r>
+            <a:r>
+              <a:rPr lang="is-IS" dirty="0">
+                <a:solidFill>
+                  <a:srgbClr val="BFBFBF"/>
+                </a:solidFill>
+              </a:rPr>
+              <a:t>sum </a:t>
+            </a:r>
+            <a:r>
+              <a:rPr lang="is-IS" b="1" dirty="0">
+                <a:solidFill>
+                  <a:srgbClr val="BFBFBF"/>
+                </a:solidFill>
+              </a:rPr>
+              <a:t>= </a:t>
+            </a:r>
+            <a:r>
+              <a:rPr lang="is-IS" dirty="0">
+                <a:solidFill>
+                  <a:srgbClr val="BFBFBF"/>
+                </a:solidFill>
+              </a:rPr>
+              <a:t>rdd.reduce((x, y) </a:t>
+            </a:r>
+            <a:r>
+              <a:rPr lang="is-IS" b="1" dirty="0">
+                <a:solidFill>
+                  <a:srgbClr val="BFBFBF"/>
+                </a:solidFill>
+              </a:rPr>
+              <a:t>=&gt; </a:t>
+            </a:r>
+            <a:r>
+              <a:rPr lang="is-IS" dirty="0">
+                <a:solidFill>
+                  <a:srgbClr val="BFBFBF"/>
+                </a:solidFill>
+              </a:rPr>
+              <a:t>x + y) </a:t>
+            </a:r>
+            <a:endParaRPr lang="is-IS" dirty="0">
+              <a:solidFill>
+                <a:srgbClr val="BFBFBF"/>
+              </a:solidFill>
+            </a:endParaRPr>
+          </a:p>
+          <a:p>
+            <a:r>
+              <a:rPr lang="de-DE" b="1" dirty="0" smtClean="0">
+                <a:latin typeface="Avenir Book"/>
+                <a:cs typeface="Avenir Book"/>
+              </a:rPr>
+              <a:t>Beispiel</a:t>
+            </a:r>
+            <a:r>
+              <a:rPr lang="de-DE" b="1" dirty="0">
+                <a:latin typeface="Avenir Book"/>
+                <a:cs typeface="Avenir Book"/>
+              </a:rPr>
+              <a:t>:</a:t>
+            </a:r>
+            <a:r>
+              <a:rPr lang="de-DE" b="1" dirty="0"/>
+              <a:t> </a:t>
+            </a:r>
+            <a:r>
+              <a:rPr lang="de-DE" b="1" dirty="0" err="1">
+                <a:solidFill>
+                  <a:schemeClr val="bg1">
+                    <a:lumMod val="75000"/>
+                  </a:schemeClr>
+                </a:solidFill>
+              </a:rPr>
+              <a:t>val</a:t>
+            </a:r>
+            <a:r>
+              <a:rPr lang="de-DE" b="1" dirty="0">
+                <a:solidFill>
+                  <a:schemeClr val="bg1">
+                    <a:lumMod val="75000"/>
+                  </a:schemeClr>
+                </a:solidFill>
+              </a:rPr>
+              <a:t> </a:t>
+            </a:r>
+            <a:r>
+              <a:rPr lang="de-DE" dirty="0" err="1">
+                <a:solidFill>
+                  <a:schemeClr val="bg1">
+                    <a:lumMod val="75000"/>
+                  </a:schemeClr>
+                </a:solidFill>
+              </a:rPr>
+              <a:t>input</a:t>
+            </a:r>
+            <a:r>
+              <a:rPr lang="de-DE" dirty="0">
+                <a:solidFill>
+                  <a:schemeClr val="bg1">
+                    <a:lumMod val="75000"/>
+                  </a:schemeClr>
+                </a:solidFill>
+              </a:rPr>
+              <a:t> </a:t>
+            </a:r>
+            <a:r>
+              <a:rPr lang="de-DE" b="1" dirty="0">
+                <a:solidFill>
+                  <a:schemeClr val="bg1">
+                    <a:lumMod val="75000"/>
+                  </a:schemeClr>
+                </a:solidFill>
+              </a:rPr>
+              <a:t>= </a:t>
+            </a:r>
+            <a:r>
+              <a:rPr lang="de-DE" dirty="0" err="1">
+                <a:solidFill>
+                  <a:schemeClr val="bg1">
+                    <a:lumMod val="75000"/>
+                  </a:schemeClr>
+                </a:solidFill>
+              </a:rPr>
+              <a:t>sc.parallelize</a:t>
+            </a:r>
+            <a:r>
+              <a:rPr lang="de-DE" dirty="0">
+                <a:solidFill>
+                  <a:schemeClr val="bg1">
+                    <a:lumMod val="75000"/>
+                  </a:schemeClr>
+                </a:solidFill>
+              </a:rPr>
+              <a:t>(</a:t>
+            </a:r>
+            <a:r>
+              <a:rPr lang="de-DE" b="1" dirty="0">
+                <a:solidFill>
+                  <a:schemeClr val="bg1">
+                    <a:lumMod val="75000"/>
+                  </a:schemeClr>
+                </a:solidFill>
+              </a:rPr>
+              <a:t>List</a:t>
+            </a:r>
+            <a:r>
+              <a:rPr lang="de-DE" dirty="0">
+                <a:solidFill>
+                  <a:schemeClr val="bg1">
+                    <a:lumMod val="75000"/>
+                  </a:schemeClr>
+                </a:solidFill>
+              </a:rPr>
+              <a:t>(1, 2, 3, 4))                     	      </a:t>
+            </a:r>
+            <a:r>
+              <a:rPr lang="de-DE" b="1" dirty="0" err="1">
+                <a:solidFill>
+                  <a:schemeClr val="bg1">
+                    <a:lumMod val="75000"/>
+                  </a:schemeClr>
+                </a:solidFill>
+              </a:rPr>
+              <a:t>val</a:t>
+            </a:r>
+            <a:r>
+              <a:rPr lang="de-DE" b="1" dirty="0">
+                <a:solidFill>
+                  <a:schemeClr val="bg1">
+                    <a:lumMod val="75000"/>
+                  </a:schemeClr>
+                </a:solidFill>
+              </a:rPr>
+              <a:t> </a:t>
+            </a:r>
+            <a:r>
+              <a:rPr lang="de-DE" dirty="0" err="1">
+                <a:solidFill>
+                  <a:schemeClr val="bg1">
+                    <a:lumMod val="75000"/>
+                  </a:schemeClr>
+                </a:solidFill>
+              </a:rPr>
+              <a:t>result</a:t>
+            </a:r>
+            <a:r>
+              <a:rPr lang="de-DE" dirty="0">
+                <a:solidFill>
+                  <a:schemeClr val="bg1">
+                    <a:lumMod val="75000"/>
+                  </a:schemeClr>
+                </a:solidFill>
+              </a:rPr>
+              <a:t> </a:t>
+            </a:r>
+            <a:r>
+              <a:rPr lang="de-DE" b="1" dirty="0">
+                <a:solidFill>
+                  <a:schemeClr val="bg1">
+                    <a:lumMod val="75000"/>
+                  </a:schemeClr>
+                </a:solidFill>
+              </a:rPr>
+              <a:t>= </a:t>
+            </a:r>
+            <a:r>
+              <a:rPr lang="de-DE" dirty="0" err="1">
+                <a:solidFill>
+                  <a:schemeClr val="bg1">
+                    <a:lumMod val="75000"/>
+                  </a:schemeClr>
+                </a:solidFill>
+              </a:rPr>
+              <a:t>input.map</a:t>
+            </a:r>
+            <a:r>
+              <a:rPr lang="de-DE" dirty="0">
+                <a:solidFill>
+                  <a:schemeClr val="bg1">
+                    <a:lumMod val="75000"/>
+                  </a:schemeClr>
+                </a:solidFill>
+              </a:rPr>
+              <a:t>(x </a:t>
+            </a:r>
+            <a:r>
+              <a:rPr lang="de-DE" b="1" dirty="0">
+                <a:solidFill>
+                  <a:schemeClr val="bg1">
+                    <a:lumMod val="75000"/>
+                  </a:schemeClr>
+                </a:solidFill>
+              </a:rPr>
+              <a:t>=&gt; </a:t>
+            </a:r>
+            <a:r>
+              <a:rPr lang="de-DE" dirty="0">
+                <a:solidFill>
+                  <a:schemeClr val="bg1">
+                    <a:lumMod val="75000"/>
+                  </a:schemeClr>
+                </a:solidFill>
+              </a:rPr>
+              <a:t>x * x)      	     	  	      </a:t>
+            </a:r>
+            <a:r>
+              <a:rPr lang="de-DE" dirty="0" err="1">
+                <a:solidFill>
+                  <a:schemeClr val="bg1">
+                    <a:lumMod val="75000"/>
+                  </a:schemeClr>
+                </a:solidFill>
+              </a:rPr>
+              <a:t>println</a:t>
+            </a:r>
+            <a:r>
+              <a:rPr lang="de-DE" dirty="0">
+                <a:solidFill>
+                  <a:schemeClr val="bg1">
+                    <a:lumMod val="75000"/>
+                  </a:schemeClr>
+                </a:solidFill>
+              </a:rPr>
+              <a:t>(</a:t>
+            </a:r>
+            <a:r>
+              <a:rPr lang="de-DE" dirty="0" err="1">
+                <a:solidFill>
+                  <a:schemeClr val="bg1">
+                    <a:lumMod val="75000"/>
+                  </a:schemeClr>
+                </a:solidFill>
+              </a:rPr>
+              <a:t>result.collect</a:t>
+            </a:r>
+            <a:r>
+              <a:rPr lang="de-DE" dirty="0">
+                <a:solidFill>
+                  <a:schemeClr val="bg1">
+                    <a:lumMod val="75000"/>
+                  </a:schemeClr>
+                </a:solidFill>
+              </a:rPr>
+              <a:t>().</a:t>
+            </a:r>
+            <a:r>
+              <a:rPr lang="de-DE" dirty="0" err="1">
+                <a:solidFill>
+                  <a:schemeClr val="bg1">
+                    <a:lumMod val="75000"/>
+                  </a:schemeClr>
+                </a:solidFill>
+              </a:rPr>
+              <a:t>mkString</a:t>
+            </a:r>
+            <a:r>
+              <a:rPr lang="de-DE" dirty="0">
+                <a:solidFill>
+                  <a:schemeClr val="bg1">
+                    <a:lumMod val="75000"/>
+                  </a:schemeClr>
+                </a:solidFill>
+              </a:rPr>
+              <a:t>(",")) </a:t>
+            </a:r>
+          </a:p>
+          <a:p>
+            <a:endParaRPr lang="de-DE" dirty="0" smtClean="0">
+              <a:solidFill>
+                <a:schemeClr val="bg1">
+                  <a:lumMod val="75000"/>
+                </a:schemeClr>
+              </a:solidFill>
+            </a:endParaRPr>
+          </a:p>
+          <a:p>
+            <a:endParaRPr lang="de-DE" dirty="0" smtClean="0">
+              <a:solidFill>
+                <a:schemeClr val="bg1">
+                  <a:lumMod val="75000"/>
+                </a:schemeClr>
+              </a:solidFill>
+            </a:endParaRPr>
+          </a:p>
+          <a:p>
+            <a:endParaRPr lang="de-DE" dirty="0" smtClean="0">
+              <a:latin typeface="Avenir Book"/>
+              <a:cs typeface="Avenir Book"/>
+            </a:endParaRPr>
+          </a:p>
+          <a:p>
+            <a:endParaRPr lang="de-DE" dirty="0" smtClean="0">
+              <a:latin typeface="Avenir Book"/>
+              <a:cs typeface="Avenir Book"/>
+            </a:endParaRPr>
           </a:p>
         </p:txBody>
       </p:sp>
     </p:spTree>
     <p:extLst>
       <p:ext uri="{BB962C8B-B14F-4D97-AF65-F5344CB8AC3E}">
-        <p14:creationId xmlns:p14="http://schemas.microsoft.com/office/powerpoint/2010/main" val="3166588457"/>
+        <p14:creationId xmlns:p14="http://schemas.microsoft.com/office/powerpoint/2010/main" val="4051680830"/>
       </p:ext>
     </p:extLst>
   </p:cSld>
@@ -8471,21 +9449,21 @@
                 <a:latin typeface="Avenir Black Oblique"/>
                 <a:cs typeface="Avenir Black Oblique"/>
               </a:rPr>
-              <a:t>Streaming, </a:t>
+              <a:t>Die </a:t>
             </a:r>
             <a:r>
               <a:rPr lang="de-DE" dirty="0" err="1" smtClean="0">
                 <a:latin typeface="Avenir Black Oblique"/>
                 <a:cs typeface="Avenir Black Oblique"/>
               </a:rPr>
-              <a:t>GraphX</a:t>
+              <a:t>Resilient</a:t>
             </a:r>
             <a:r>
               <a:rPr lang="de-DE" dirty="0" smtClean="0">
                 <a:latin typeface="Avenir Black Oblique"/>
                 <a:cs typeface="Avenir Black Oblique"/>
               </a:rPr>
-              <a:t>, Spark SQL</a:t>
+              <a:t> Distributed Datasets</a:t>
             </a:r>
             <a:endParaRPr lang="de-DE" dirty="0">
               <a:latin typeface="Avenir Black Oblique"/>
@@ -8506,139 +9484,100 @@
         </p:nvSpPr>
         <p:spPr/>
         <p:txBody>
-          <a:bodyPr/>
+          <a:bodyPr>
+            <a:normAutofit lnSpcReduction="10000"/>
+          </a:bodyPr>
           <a:lstStyle/>
           <a:p>
             <a:r>
-              <a:rPr lang="de-DE" dirty="0" smtClean="0">
-                <a:latin typeface="Avenir Book"/>
-                <a:cs typeface="Avenir Book"/>
-              </a:rPr>
-              <a:t>Wikipedia sagt dazu: „.</a:t>
-            </a:r>
-            <a:r>
-              <a:rPr lang="de-DE" dirty="0">
-                <a:latin typeface="Avenir Book"/>
-                <a:cs typeface="Avenir Book"/>
-              </a:rPr>
-              <a:t>.. bezeichnet Daten-Mengen, die zu groß, oder zu komplex sind, oder sich zu schnell ändern, um sie mit </a:t>
-            </a:r>
-            <a:r>
-              <a:rPr lang="de-DE" dirty="0" err="1">
-                <a:latin typeface="Avenir Book"/>
-                <a:cs typeface="Avenir Book"/>
-              </a:rPr>
-              <a:t>händischen</a:t>
-            </a:r>
-            <a:r>
-              <a:rPr lang="de-DE" dirty="0">
-                <a:latin typeface="Avenir Book"/>
-                <a:cs typeface="Avenir Book"/>
-              </a:rPr>
-              <a:t> und klassischen Methoden der Datenverarbeitung auszuwerten</a:t>
-            </a:r>
-            <a:r>
-              <a:rPr lang="de-DE" dirty="0" smtClean="0">
-                <a:latin typeface="Avenir Book"/>
-                <a:cs typeface="Avenir Book"/>
-              </a:rPr>
-              <a:t>.“</a:t>
-            </a:r>
-          </a:p>
-          <a:p>
-            <a:r>
-              <a:rPr lang="de-DE" dirty="0">
-                <a:latin typeface="Avenir Book"/>
-                <a:cs typeface="Avenir Book"/>
-              </a:rPr>
-              <a:t>Andere Definition:  </a:t>
-            </a:r>
-            <a:r>
-              <a:rPr lang="de-DE" dirty="0" smtClean="0">
-                <a:latin typeface="Avenir Book"/>
-                <a:cs typeface="Avenir Book"/>
-              </a:rPr>
-              <a:t>„Big Data“ bezeichnet nicht nur Datenvolumen, sondern auch Werkzeuge und Prozesse für den Umgang mit großen Volumen </a:t>
-            </a:r>
-          </a:p>
-          <a:p>
-            <a:r>
-              <a:rPr lang="de-DE" dirty="0">
-                <a:latin typeface="Avenir Book"/>
-                <a:cs typeface="Avenir Book"/>
-              </a:rPr>
-              <a:t>Problematisch </a:t>
-            </a:r>
-            <a:r>
-              <a:rPr lang="de-DE" dirty="0" smtClean="0">
-                <a:latin typeface="Avenir Book"/>
-                <a:cs typeface="Avenir Book"/>
-              </a:rPr>
-              <a:t>vor </a:t>
-            </a:r>
-            <a:r>
-              <a:rPr lang="de-DE" dirty="0">
-                <a:latin typeface="Avenir Book"/>
-                <a:cs typeface="Avenir Book"/>
-              </a:rPr>
-              <a:t>allem </a:t>
-            </a:r>
-            <a:r>
-              <a:rPr lang="de-DE" dirty="0" smtClean="0">
-                <a:latin typeface="Avenir Book"/>
-                <a:cs typeface="Avenir Book"/>
-              </a:rPr>
-              <a:t>Erfassung</a:t>
-            </a:r>
-            <a:r>
-              <a:rPr lang="de-DE" dirty="0">
-                <a:latin typeface="Avenir Book"/>
-                <a:cs typeface="Avenir Book"/>
-              </a:rPr>
-              <a:t>, </a:t>
-            </a:r>
-            <a:r>
-              <a:rPr lang="de-DE" dirty="0" smtClean="0">
-                <a:latin typeface="Avenir Book"/>
-                <a:cs typeface="Avenir Book"/>
-              </a:rPr>
-              <a:t>Speicherung, Suche</a:t>
-            </a:r>
-            <a:r>
-              <a:rPr lang="de-DE" dirty="0">
-                <a:latin typeface="Avenir Book"/>
-                <a:cs typeface="Avenir Book"/>
-              </a:rPr>
-              <a:t>, Verteilung, </a:t>
-            </a:r>
-            <a:r>
-              <a:rPr lang="de-DE" dirty="0" smtClean="0">
-                <a:latin typeface="Avenir Book"/>
-                <a:cs typeface="Avenir Book"/>
-              </a:rPr>
-              <a:t>Analyse, Visualisierung </a:t>
-            </a:r>
-            <a:r>
-              <a:rPr lang="de-DE" dirty="0">
-                <a:latin typeface="Avenir Book"/>
-                <a:cs typeface="Avenir Book"/>
-              </a:rPr>
-              <a:t>von großen </a:t>
-            </a:r>
-            <a:r>
-              <a:rPr lang="de-DE" dirty="0" smtClean="0">
-                <a:latin typeface="Avenir Book"/>
-                <a:cs typeface="Avenir Book"/>
-              </a:rPr>
-              <a:t>Datenmengen</a:t>
-            </a:r>
+              <a:rPr lang="de-DE" dirty="0" err="1" smtClean="0">
+                <a:latin typeface="Avenir Book"/>
+                <a:cs typeface="Avenir Book"/>
+              </a:rPr>
+              <a:t>Resilient</a:t>
+            </a:r>
+            <a:r>
+              <a:rPr lang="de-DE" dirty="0" smtClean="0">
+                <a:latin typeface="Avenir Book"/>
+                <a:cs typeface="Avenir Book"/>
+              </a:rPr>
+              <a:t>: Spark Master/Driver merkt sich die Transformationen, die zur Erstellung eines RDD geführt haben. Wenn Knoten ausfällt, können betreffende RDDs rekonstruiert werden.</a:t>
+            </a:r>
+          </a:p>
+          <a:p>
+            <a:r>
+              <a:rPr lang="de-DE" dirty="0" smtClean="0">
+                <a:latin typeface="Avenir Book"/>
+                <a:cs typeface="Avenir Book"/>
+              </a:rPr>
+              <a:t>Persistenz: Spark berechnet bei jeder Action die RDDs inklusive aller Abhängigkeiten neu. Besonders für iterative Algorithmen teuer – RDD können für Wiederverwendung persistiert werden.</a:t>
+            </a:r>
+          </a:p>
+          <a:p>
+            <a:r>
+              <a:rPr lang="de-DE" dirty="0" err="1" smtClean="0">
+                <a:latin typeface="Avenir Book"/>
+                <a:cs typeface="Avenir Book"/>
+              </a:rPr>
+              <a:t>Persistenzlevel</a:t>
+            </a:r>
+            <a:r>
+              <a:rPr lang="de-DE" dirty="0" smtClean="0">
+                <a:latin typeface="Avenir Book"/>
+                <a:cs typeface="Avenir Book"/>
+              </a:rPr>
+              <a:t>: </a:t>
+            </a:r>
+            <a:r>
+              <a:rPr lang="de-DE" dirty="0" smtClean="0">
+                <a:solidFill>
+                  <a:schemeClr val="bg1">
+                    <a:lumMod val="75000"/>
+                  </a:schemeClr>
+                </a:solidFill>
+                <a:latin typeface="Avenir Book"/>
+                <a:cs typeface="Avenir Book"/>
+              </a:rPr>
+              <a:t>MEMORY_ONLY, MEMORY_ONLY_SER, MEMORY_AND_DISK, MEMORY_AND_DISK_SER, DISK_ONLY.</a:t>
+            </a:r>
+            <a:r>
+              <a:rPr lang="de-DE" dirty="0" smtClean="0">
+                <a:solidFill>
+                  <a:schemeClr val="bg1">
+                    <a:lumMod val="75000"/>
+                  </a:schemeClr>
+                </a:solidFill>
+              </a:rPr>
+              <a:t> </a:t>
+            </a:r>
+          </a:p>
+          <a:p>
+            <a:endParaRPr lang="de-DE" dirty="0" smtClean="0">
+              <a:solidFill>
+                <a:schemeClr val="bg1">
+                  <a:lumMod val="75000"/>
+                </a:schemeClr>
+              </a:solidFill>
+            </a:endParaRPr>
+          </a:p>
+          <a:p>
+            <a:endParaRPr lang="de-DE" dirty="0" smtClean="0">
+              <a:latin typeface="Avenir Book"/>
+              <a:cs typeface="Avenir Book"/>
+            </a:endParaRPr>
+          </a:p>
+          <a:p>
+            <a:endParaRPr lang="de-DE" dirty="0" smtClean="0">
+              <a:latin typeface="Avenir Book"/>
+              <a:cs typeface="Avenir Book"/>
+            </a:endParaRPr>
           </a:p>
         </p:txBody>
       </p:sp>
     </p:spTree>
     <p:extLst>
       <p:ext uri="{BB962C8B-B14F-4D97-AF65-F5344CB8AC3E}">
-        <p14:creationId xmlns:p14="http://schemas.microsoft.com/office/powerpoint/2010/main" val="3166588457"/>
+        <p14:creationId xmlns:p14="http://schemas.microsoft.com/office/powerpoint/2010/main" val="792930457"/>
       </p:ext>
     </p:extLst>
   </p:cSld>
@@ -8689,11 +9628,32 @@
           <a:p>
             <a:pPr algn="ctr"/>
             <a:r>
+              <a:rPr lang="de-DE" dirty="0" smtClean="0">
+                <a:latin typeface="Avenir Black Oblique"/>
+                <a:cs typeface="Avenir Black Oblique"/>
+              </a:rPr>
+              <a:t>Der Berkeley Data </a:t>
+            </a:r>
+            <a:r>
               <a:rPr lang="de-DE" dirty="0" err="1" smtClean="0">
                 <a:latin typeface="Avenir Black Oblique"/>
                 <a:cs typeface="Avenir Black Oblique"/>
               </a:rPr>
-              <a:t>MLLibs</a:t>
+              <a:t>Analytics</a:t>
+            </a:r>
+            <a:r>
+              <a:rPr lang="de-DE" dirty="0" smtClean="0">
+                <a:latin typeface="Avenir Black Oblique"/>
+                <a:cs typeface="Avenir Black Oblique"/>
+              </a:rPr>
+              <a:t> </a:t>
+            </a:r>
+            <a:r>
+              <a:rPr lang="de-DE" dirty="0" err="1" smtClean="0">
+                <a:latin typeface="Avenir Black Oblique"/>
+                <a:cs typeface="Avenir Black Oblique"/>
+              </a:rPr>
+              <a:t>Stack</a:t>
             </a:r>
             <a:endParaRPr lang="de-DE" dirty="0">
               <a:latin typeface="Avenir Black Oblique"/>
@@ -8702,147 +9662,36 @@
           </a:p>
         </p:txBody>
       </p:sp>
-      <p:sp>
-        <p:nvSpPr>
-          <p:cNvPr id="3" name="Inhaltsplatzhalter 2"/>
-          <p:cNvSpPr>
-            <a:spLocks noGrp="1"/>
-          </p:cNvSpPr>
-          <p:nvPr>
-            <p:ph idx="1"/>
-          </p:nvPr>
-        </p:nvSpPr>
-        <p:spPr/>
-        <p:txBody>
-          <a:bodyPr/>
-          <a:lstStyle/>
-          <a:p>
-            <a:r>
-              <a:rPr lang="de-DE" dirty="0" smtClean="0">
-                <a:latin typeface="Avenir Book"/>
-                <a:cs typeface="Avenir Book"/>
-              </a:rPr>
-              <a:t>Wikipedia sagt dazu: „.</a:t>
-            </a:r>
-            <a:r>
-              <a:rPr lang="de-DE" dirty="0">
-                <a:latin typeface="Avenir Book"/>
-                <a:cs typeface="Avenir Book"/>
-              </a:rPr>
-              <a:t>.. bezeichnet Daten-Mengen, die zu groß, oder zu komplex sind, oder sich zu schnell ändern, um sie mit </a:t>
-            </a:r>
-            <a:r>
-              <a:rPr lang="de-DE" dirty="0" err="1">
-                <a:latin typeface="Avenir Book"/>
-                <a:cs typeface="Avenir Book"/>
-              </a:rPr>
-              <a:t>händischen</a:t>
-            </a:r>
-            <a:r>
-              <a:rPr lang="de-DE" dirty="0">
-                <a:latin typeface="Avenir Book"/>
-                <a:cs typeface="Avenir Book"/>
-              </a:rPr>
-              <a:t> und klassischen Methoden der Datenverarbeitung auszuwerten</a:t>
-            </a:r>
-            <a:r>
-              <a:rPr lang="de-DE" dirty="0" smtClean="0">
-                <a:latin typeface="Avenir Book"/>
-                <a:cs typeface="Avenir Book"/>
-              </a:rPr>
-              <a:t>.“</a:t>
-            </a:r>
-          </a:p>
-          <a:p>
-            <a:r>
-              <a:rPr lang="de-DE" dirty="0">
-                <a:latin typeface="Avenir Book"/>
-                <a:cs typeface="Avenir Book"/>
-              </a:rPr>
-              <a:t>Andere Definition:  </a:t>
-            </a:r>
-            <a:r>
-              <a:rPr lang="de-DE" dirty="0" smtClean="0">
-                <a:latin typeface="Avenir Book"/>
-                <a:cs typeface="Avenir Book"/>
-              </a:rPr>
-              <a:t>„Big Data“ bezeichnet nicht nur Datenvolumen, sondern auch Werkzeuge und Prozesse für den Umgang mit großen Volumen </a:t>
-            </a:r>
-          </a:p>
-          <a:p>
-            <a:r>
-              <a:rPr lang="de-DE" dirty="0">
-                <a:latin typeface="Avenir Book"/>
-                <a:cs typeface="Avenir Book"/>
-              </a:rPr>
-              <a:t>Problematisch </a:t>
-            </a:r>
-            <a:r>
-              <a:rPr lang="de-DE" dirty="0" smtClean="0">
-                <a:latin typeface="Avenir Book"/>
-                <a:cs typeface="Avenir Book"/>
-              </a:rPr>
-              <a:t>vor </a:t>
-            </a:r>
-            <a:r>
-              <a:rPr lang="de-DE" dirty="0">
-                <a:latin typeface="Avenir Book"/>
-                <a:cs typeface="Avenir Book"/>
-              </a:rPr>
-              <a:t>allem </a:t>
-            </a:r>
-            <a:r>
-              <a:rPr lang="de-DE" dirty="0" smtClean="0">
-                <a:latin typeface="Avenir Book"/>
-                <a:cs typeface="Avenir Book"/>
-              </a:rPr>
-              <a:t>Erfassung</a:t>
-            </a:r>
-            <a:r>
-              <a:rPr lang="de-DE" dirty="0">
-                <a:latin typeface="Avenir Book"/>
-                <a:cs typeface="Avenir Book"/>
-              </a:rPr>
-              <a:t>, </a:t>
-            </a:r>
-            <a:r>
-              <a:rPr lang="de-DE" dirty="0" smtClean="0">
-                <a:latin typeface="Avenir Book"/>
-                <a:cs typeface="Avenir Book"/>
-              </a:rPr>
-              <a:t>Speicherung, Suche</a:t>
-            </a:r>
-            <a:r>
-              <a:rPr lang="de-DE" dirty="0">
-                <a:latin typeface="Avenir Book"/>
-                <a:cs typeface="Avenir Book"/>
-              </a:rPr>
-              <a:t>, Verteilung, </a:t>
-            </a:r>
-            <a:r>
-              <a:rPr lang="de-DE" dirty="0" smtClean="0">
-                <a:latin typeface="Avenir Book"/>
-                <a:cs typeface="Avenir Book"/>
-              </a:rPr>
-              <a:t>Analyse, Visualisierung </a:t>
-            </a:r>
-            <a:r>
-              <a:rPr lang="de-DE" dirty="0">
-                <a:latin typeface="Avenir Book"/>
-                <a:cs typeface="Avenir Book"/>
-              </a:rPr>
-              <a:t>von großen </a:t>
-            </a:r>
-            <a:r>
-              <a:rPr lang="de-DE" dirty="0" smtClean="0">
-                <a:latin typeface="Avenir Book"/>
-                <a:cs typeface="Avenir Book"/>
-              </a:rPr>
-              <a:t>Datenmengen</a:t>
-            </a:r>
-          </a:p>
-        </p:txBody>
-      </p:sp>
+      <p:pic>
+        <p:nvPicPr>
+          <p:cNvPr id="5" name="Bild 4" descr="BDAS.png"/>
+          <p:cNvPicPr>
+            <a:picLocks noChangeAspect="1"/>
+          </p:cNvPicPr>
+          <p:nvPr/>
+        </p:nvPicPr>
+        <p:blipFill>
+          <a:blip r:embed="rId2" cstate="print">
+            <a:extLst>
+              <a:ext uri="{28A0092B-C50C-407E-A947-70E740481C1C}">
+                <a14:useLocalDpi xmlns:a14="http://schemas.microsoft.com/office/drawing/2010/main" val="0"/>
+              </a:ext>
+            </a:extLst>
+          </a:blip>
+          <a:stretch>
+            <a:fillRect/>
+          </a:stretch>
+        </p:blipFill>
+        <p:spPr>
+          <a:xfrm>
+            <a:off x="1490953" y="1595820"/>
+            <a:ext cx="6106693" cy="4780387"/>
+          </a:xfrm>
+          <a:prstGeom prst="rect">
+            <a:avLst/>
+          </a:prstGeom>
+        </p:spPr>
+      </p:pic>
     </p:spTree>
     <p:extLst>
       <p:ext uri="{BB962C8B-B14F-4D97-AF65-F5344CB8AC3E}">
@@ -8901,7 +9750,21 @@
                 <a:latin typeface="Avenir Black Oblique"/>
                 <a:cs typeface="Avenir Black Oblique"/>
               </a:rPr>
-              <a:t>Ein Beispiel</a:t>
+              <a:t>Streaming, </a:t>
+            </a:r>
+            <a:r>
+              <a:rPr lang="de-DE" dirty="0" err="1" smtClean="0">
+                <a:latin typeface="Avenir Black Oblique"/>
+                <a:cs typeface="Avenir Black Oblique"/>
+              </a:rPr>
+              <a:t>GraphX</a:t>
+            </a:r>
+            <a:r>
+              <a:rPr lang="de-DE" dirty="0" smtClean="0">
+                <a:latin typeface="Avenir Black Oblique"/>
+                <a:cs typeface="Avenir Black Oblique"/>
+              </a:rPr>
+              <a:t>, Spark SQL</a:t>
             </a:r>
             <a:endParaRPr lang="de-DE" dirty="0">
               <a:latin typeface="Avenir Black Oblique"/>
@@ -8922,7 +9785,9 @@
         </p:nvSpPr>
         <p:spPr/>
         <p:txBody>
-          <a:bodyPr/>
+          <a:bodyPr>
+            <a:normAutofit lnSpcReduction="10000"/>
+          </a:bodyPr>
           <a:lstStyle/>
           <a:p>
             <a:r>
@@ -8930,131 +9795,178 @@
                 <a:latin typeface="Avenir Book"/>
                 <a:cs typeface="Avenir Book"/>
               </a:rPr>
-              <a:t>Wikipedia sagt dazu: „.</a:t>
-            </a:r>
-            <a:r>
-              <a:rPr lang="de-DE" dirty="0">
-                <a:latin typeface="Avenir Book"/>
-                <a:cs typeface="Avenir Book"/>
-              </a:rPr>
-              <a:t>.. bezeichnet Daten-Mengen, die zu groß, oder zu komplex sind, oder sich zu schnell ändern, um sie mit </a:t>
-            </a:r>
-            <a:r>
-              <a:rPr lang="de-DE" dirty="0" err="1">
-                <a:latin typeface="Avenir Book"/>
-                <a:cs typeface="Avenir Book"/>
-              </a:rPr>
-              <a:t>händischen</a:t>
-            </a:r>
-            <a:r>
-              <a:rPr lang="de-DE" dirty="0">
-                <a:latin typeface="Avenir Book"/>
-                <a:cs typeface="Avenir Book"/>
-              </a:rPr>
-              <a:t> und klassischen Methoden der Datenverarbeitung auszuwerten</a:t>
-            </a:r>
-            <a:r>
-              <a:rPr lang="de-DE" dirty="0" smtClean="0">
-                <a:latin typeface="Avenir Book"/>
-                <a:cs typeface="Avenir Book"/>
-              </a:rPr>
-              <a:t>.“</a:t>
-            </a:r>
-          </a:p>
-          <a:p>
-            <a:r>
-              <a:rPr lang="de-DE" dirty="0">
-                <a:latin typeface="Avenir Book"/>
-                <a:cs typeface="Avenir Book"/>
-              </a:rPr>
-              <a:t>Andere Definition:  </a:t>
-            </a:r>
-            <a:r>
-              <a:rPr lang="de-DE" dirty="0" smtClean="0">
-                <a:latin typeface="Avenir Book"/>
-                <a:cs typeface="Avenir Book"/>
-              </a:rPr>
-              <a:t>„Big Data“ bezeichnet nicht nur Datenvolumen, sondern auch Werkzeuge und Prozesse für den Umgang mit großen Volumen </a:t>
-            </a:r>
-          </a:p>
-          <a:p>
-            <a:r>
-              <a:rPr lang="de-DE" dirty="0">
-                <a:latin typeface="Avenir Book"/>
-                <a:cs typeface="Avenir Book"/>
-              </a:rPr>
-              <a:t>Problematisch </a:t>
-            </a:r>
-            <a:r>
-              <a:rPr lang="de-DE" dirty="0" smtClean="0">
-                <a:latin typeface="Avenir Book"/>
-                <a:cs typeface="Avenir Book"/>
-              </a:rPr>
-              <a:t>vor </a:t>
-            </a:r>
-            <a:r>
-              <a:rPr lang="de-DE" dirty="0">
-                <a:latin typeface="Avenir Book"/>
-                <a:cs typeface="Avenir Book"/>
-              </a:rPr>
-              <a:t>allem </a:t>
-            </a:r>
-            <a:r>
-              <a:rPr lang="de-DE" dirty="0" smtClean="0">
-                <a:latin typeface="Avenir Book"/>
-                <a:cs typeface="Avenir Book"/>
-              </a:rPr>
-              <a:t>Erfassung</a:t>
-            </a:r>
-            <a:r>
-              <a:rPr lang="de-DE" dirty="0">
+              <a:t>Spark Streaming: Ermöglicht Verarbeitung von Live-</a:t>
+            </a:r>
+            <a:r>
+              <a:rPr lang="de-DE" dirty="0" err="1" smtClean="0">
+                <a:latin typeface="Avenir Book"/>
+                <a:cs typeface="Avenir Book"/>
+              </a:rPr>
+              <a:t>Datenstömen</a:t>
+            </a:r>
+            <a:r>
+              <a:rPr lang="de-DE" dirty="0" smtClean="0">
+                <a:latin typeface="Avenir Book"/>
+                <a:cs typeface="Avenir Book"/>
+              </a:rPr>
+              <a:t> (Produktionslogs, Messages, </a:t>
+            </a:r>
+            <a:r>
+              <a:rPr lang="de-DE" dirty="0" err="1" smtClean="0">
+                <a:latin typeface="Avenir Book"/>
+                <a:cs typeface="Avenir Book"/>
+              </a:rPr>
+              <a:t>Tweets</a:t>
+            </a:r>
+            <a:r>
+              <a:rPr lang="de-DE" dirty="0" smtClean="0">
+                <a:latin typeface="Avenir Book"/>
+                <a:cs typeface="Avenir Book"/>
+              </a:rPr>
+              <a:t>...). API ist nah an den RDD-Basisfunktionen um Prozesse auf persistente und </a:t>
+            </a:r>
+            <a:r>
+              <a:rPr lang="de-DE" dirty="0" err="1" smtClean="0">
+                <a:latin typeface="Avenir Book"/>
+                <a:cs typeface="Avenir Book"/>
+              </a:rPr>
+              <a:t>Streamingdaten</a:t>
+            </a:r>
+            <a:r>
+              <a:rPr lang="de-DE" dirty="0" smtClean="0">
+                <a:latin typeface="Avenir Book"/>
+                <a:cs typeface="Avenir Book"/>
+              </a:rPr>
+              <a:t> anwenden zu können. </a:t>
+            </a:r>
+            <a:r>
+              <a:rPr lang="de-DE" dirty="0" smtClean="0">
+                <a:latin typeface="Avenir Book"/>
+                <a:cs typeface="Avenir Book"/>
+              </a:rPr>
+              <a:t> </a:t>
+            </a:r>
+            <a:endParaRPr lang="de-DE" dirty="0" smtClean="0">
+              <a:latin typeface="Avenir Book"/>
+              <a:cs typeface="Avenir Book"/>
+            </a:endParaRPr>
+          </a:p>
+          <a:p>
+            <a:r>
+              <a:rPr lang="de-DE" dirty="0" err="1" smtClean="0">
+                <a:latin typeface="Avenir Book"/>
+                <a:cs typeface="Avenir Book"/>
+              </a:rPr>
+              <a:t>GraphX</a:t>
+            </a:r>
+            <a:r>
+              <a:rPr lang="de-DE" dirty="0" smtClean="0">
+                <a:latin typeface="Avenir Book"/>
+                <a:cs typeface="Avenir Book"/>
+              </a:rPr>
+              <a:t>: Bibliothek zur Manipulation von Graphen (z.B</a:t>
+            </a:r>
+            <a:r>
+              <a:rPr lang="de-DE" dirty="0" smtClean="0">
+                <a:latin typeface="Avenir Book"/>
+                <a:cs typeface="Avenir Book"/>
+              </a:rPr>
+              <a:t>. soziale Netzwerke) um hier Parallelverarbeitung zu ermöglichen. API für RDDs ist erweitert um Knoten und Kanten zu erstellen. Standardalgorithmen wie </a:t>
+            </a:r>
+            <a:r>
+              <a:rPr lang="de-DE" dirty="0" err="1" smtClean="0">
+                <a:latin typeface="Avenir Book"/>
+                <a:cs typeface="Avenir Book"/>
+              </a:rPr>
+              <a:t>PageRank</a:t>
+            </a:r>
+            <a:r>
+              <a:rPr lang="de-DE" dirty="0" smtClean="0">
+                <a:latin typeface="Avenir Book"/>
+                <a:cs typeface="Avenir Book"/>
+              </a:rPr>
+              <a:t>. </a:t>
+            </a:r>
+            <a:r>
+              <a:rPr lang="de-DE" dirty="0" smtClean="0">
+                <a:latin typeface="Avenir Book"/>
+                <a:cs typeface="Avenir Book"/>
+              </a:rPr>
+              <a:t> </a:t>
+            </a:r>
+            <a:endParaRPr lang="de-DE" dirty="0" smtClean="0">
+              <a:latin typeface="Avenir Book"/>
+              <a:cs typeface="Avenir Book"/>
+            </a:endParaRPr>
+          </a:p>
+          <a:p>
+            <a:r>
+              <a:rPr lang="de-DE" dirty="0" smtClean="0">
+                <a:latin typeface="Avenir Book"/>
+                <a:cs typeface="Avenir Book"/>
+              </a:rPr>
+              <a:t>Spark SQL: Paket </a:t>
+            </a:r>
+            <a:r>
+              <a:rPr lang="de-DE" dirty="0" smtClean="0">
+                <a:latin typeface="Avenir Book"/>
+                <a:cs typeface="Avenir Book"/>
+              </a:rPr>
+              <a:t>für strukturierte Daten (</a:t>
+            </a:r>
+            <a:r>
+              <a:rPr lang="de-DE" dirty="0" err="1" smtClean="0">
+                <a:latin typeface="Avenir Book"/>
+                <a:cs typeface="Avenir Book"/>
+              </a:rPr>
+              <a:t>Hive</a:t>
+            </a:r>
+            <a:r>
+              <a:rPr lang="de-DE" dirty="0" smtClean="0">
+                <a:latin typeface="Avenir Book"/>
+                <a:cs typeface="Avenir Book"/>
+              </a:rPr>
+              <a:t> </a:t>
+            </a:r>
+            <a:r>
+              <a:rPr lang="de-DE" dirty="0" err="1" smtClean="0">
+                <a:latin typeface="Avenir Book"/>
+                <a:cs typeface="Avenir Book"/>
+              </a:rPr>
+              <a:t>Tables</a:t>
+            </a:r>
+            <a:r>
+              <a:rPr lang="de-DE" dirty="0" smtClean="0">
                 <a:latin typeface="Avenir Book"/>
                 <a:cs typeface="Avenir Book"/>
               </a:rPr>
               <a:t>, </a:t>
             </a:r>
             <a:r>
-              <a:rPr lang="de-DE" dirty="0" smtClean="0">
-                <a:latin typeface="Avenir Book"/>
-                <a:cs typeface="Avenir Book"/>
-              </a:rPr>
-              <a:t>Speicherung, Suche</a:t>
-            </a:r>
-            <a:r>
-              <a:rPr lang="de-DE" dirty="0">
-                <a:latin typeface="Avenir Book"/>
-                <a:cs typeface="Avenir Book"/>
-              </a:rPr>
-              <a:t>, Verteilung, </a:t>
-            </a:r>
-            <a:r>
-              <a:rPr lang="de-DE" dirty="0" smtClean="0">
-                <a:latin typeface="Avenir Book"/>
-                <a:cs typeface="Avenir Book"/>
-              </a:rPr>
-              <a:t>Analyse, Visualisierung </a:t>
-            </a:r>
-            <a:r>
-              <a:rPr lang="de-DE" dirty="0">
-                <a:latin typeface="Avenir Book"/>
-                <a:cs typeface="Avenir Book"/>
-              </a:rPr>
-              <a:t>von großen </a:t>
-            </a:r>
-            <a:r>
-              <a:rPr lang="de-DE" dirty="0" smtClean="0">
-                <a:latin typeface="Avenir Book"/>
-                <a:cs typeface="Avenir Book"/>
-              </a:rPr>
-              <a:t>Datenmengen</a:t>
-            </a:r>
+              <a:rPr lang="de-DE" dirty="0" err="1" smtClean="0">
+                <a:latin typeface="Avenir Book"/>
+                <a:cs typeface="Avenir Book"/>
+              </a:rPr>
+              <a:t>Parquet</a:t>
+            </a:r>
+            <a:r>
+              <a:rPr lang="de-DE" dirty="0" smtClean="0">
+                <a:latin typeface="Avenir Book"/>
+                <a:cs typeface="Avenir Book"/>
+              </a:rPr>
+              <a:t>, JSON). Ermöglicht den Mix von SQL mit Analysefunktionen auf RDDs innerhalb einer Applikation.</a:t>
+            </a:r>
+            <a:endParaRPr lang="de-DE" dirty="0" smtClean="0">
+              <a:latin typeface="Avenir Book"/>
+              <a:cs typeface="Avenir Book"/>
+            </a:endParaRPr>
           </a:p>
         </p:txBody>
       </p:sp>
     </p:spTree>
     <p:extLst>
       <p:ext uri="{BB962C8B-B14F-4D97-AF65-F5344CB8AC3E}">
-        <p14:creationId xmlns:p14="http://schemas.microsoft.com/office/powerpoint/2010/main" val="2712330516"/>
+        <p14:creationId xmlns:p14="http://schemas.microsoft.com/office/powerpoint/2010/main" val="3166588457"/>
       </p:ext>
     </p:extLst>
   </p:cSld>
@@ -9105,11 +10017,11 @@
           <a:p>
             <a:pPr algn="ctr"/>
             <a:r>
-              <a:rPr lang="de-DE" dirty="0" smtClean="0">
+              <a:rPr lang="de-DE" dirty="0" err="1" smtClean="0">
                 <a:latin typeface="Avenir Black Oblique"/>
                 <a:cs typeface="Avenir Black Oblique"/>
               </a:rPr>
-              <a:t>Zweck der Masterarbeit</a:t>
+              <a:t>MLLib</a:t>
             </a:r>
             <a:endParaRPr lang="de-DE" dirty="0">
               <a:latin typeface="Avenir Black Oblique"/>
@@ -9134,127 +10046,131 @@
           <a:lstStyle/>
           <a:p>
             <a:r>
-              <a:rPr lang="de-DE" dirty="0" smtClean="0">
-                <a:latin typeface="Avenir Book"/>
-                <a:cs typeface="Avenir Book"/>
-              </a:rPr>
-              <a:t>Wikipedia sagt dazu: „.</a:t>
-            </a:r>
-            <a:r>
-              <a:rPr lang="de-DE" dirty="0">
-                <a:latin typeface="Avenir Book"/>
-                <a:cs typeface="Avenir Book"/>
-              </a:rPr>
-              <a:t>.. bezeichnet Daten-Mengen, die zu groß, oder zu komplex sind, oder sich zu schnell ändern, um sie mit </a:t>
-            </a:r>
-            <a:r>
-              <a:rPr lang="de-DE" dirty="0" err="1">
-                <a:latin typeface="Avenir Book"/>
-                <a:cs typeface="Avenir Book"/>
-              </a:rPr>
-              <a:t>händischen</a:t>
-            </a:r>
-            <a:r>
-              <a:rPr lang="de-DE" dirty="0">
-                <a:latin typeface="Avenir Book"/>
-                <a:cs typeface="Avenir Book"/>
-              </a:rPr>
-              <a:t> und klassischen Methoden der Datenverarbeitung auszuwerten</a:t>
-            </a:r>
-            <a:r>
-              <a:rPr lang="de-DE" dirty="0" smtClean="0">
-                <a:latin typeface="Avenir Book"/>
-                <a:cs typeface="Avenir Book"/>
-              </a:rPr>
-              <a:t>.“</a:t>
-            </a:r>
-          </a:p>
-          <a:p>
-            <a:r>
-              <a:rPr lang="de-DE" dirty="0">
-                <a:latin typeface="Avenir Book"/>
-                <a:cs typeface="Avenir Book"/>
-              </a:rPr>
-              <a:t>Andere Definition:  </a:t>
-            </a:r>
-            <a:r>
-              <a:rPr lang="de-DE" dirty="0" smtClean="0">
-                <a:latin typeface="Avenir Book"/>
-                <a:cs typeface="Avenir Book"/>
-              </a:rPr>
-              <a:t>„Big Data“ bezeichnet nicht nur Datenvolumen, sondern auch Werkzeuge und Prozesse für den Umgang mit großen Volumen </a:t>
-            </a:r>
-          </a:p>
-          <a:p>
-            <a:r>
-              <a:rPr lang="de-DE" dirty="0">
-                <a:latin typeface="Avenir Book"/>
-                <a:cs typeface="Avenir Book"/>
-              </a:rPr>
-              <a:t>Problematisch </a:t>
-            </a:r>
-            <a:r>
-              <a:rPr lang="de-DE" dirty="0" smtClean="0">
-                <a:latin typeface="Avenir Book"/>
-                <a:cs typeface="Avenir Book"/>
-              </a:rPr>
-              <a:t>vor </a:t>
-            </a:r>
-            <a:r>
-              <a:rPr lang="de-DE" dirty="0">
-                <a:latin typeface="Avenir Book"/>
-                <a:cs typeface="Avenir Book"/>
-              </a:rPr>
-              <a:t>allem </a:t>
-            </a:r>
-            <a:r>
-              <a:rPr lang="de-DE" dirty="0" smtClean="0">
-                <a:latin typeface="Avenir Book"/>
-                <a:cs typeface="Avenir Book"/>
-              </a:rPr>
-              <a:t>Erfassung</a:t>
-            </a:r>
-            <a:r>
-              <a:rPr lang="de-DE" dirty="0">
-                <a:latin typeface="Avenir Book"/>
-                <a:cs typeface="Avenir Book"/>
-              </a:rPr>
-              <a:t>, </a:t>
-            </a:r>
-            <a:r>
-              <a:rPr lang="de-DE" dirty="0" smtClean="0">
-                <a:latin typeface="Avenir Book"/>
-                <a:cs typeface="Avenir Book"/>
-              </a:rPr>
-              <a:t>Speicherung, Suche</a:t>
-            </a:r>
-            <a:r>
-              <a:rPr lang="de-DE" dirty="0">
-                <a:latin typeface="Avenir Book"/>
-                <a:cs typeface="Avenir Book"/>
-              </a:rPr>
-              <a:t>, Verteilung, </a:t>
-            </a:r>
-            <a:r>
-              <a:rPr lang="de-DE" dirty="0" smtClean="0">
-                <a:latin typeface="Avenir Book"/>
-                <a:cs typeface="Avenir Book"/>
-              </a:rPr>
-              <a:t>Analyse, Visualisierung </a:t>
-            </a:r>
-            <a:r>
-              <a:rPr lang="de-DE" dirty="0">
-                <a:latin typeface="Avenir Book"/>
-                <a:cs typeface="Avenir Book"/>
-              </a:rPr>
-              <a:t>von großen </a:t>
-            </a:r>
-            <a:r>
-              <a:rPr lang="de-DE" dirty="0" smtClean="0">
-                <a:latin typeface="Avenir Book"/>
-                <a:cs typeface="Avenir Book"/>
-              </a:rPr>
-              <a:t>Datenmengen</a:t>
+              <a:rPr lang="de-DE" dirty="0" err="1" smtClean="0">
+                <a:latin typeface="Avenir Book"/>
+                <a:cs typeface="Avenir Book"/>
+              </a:rPr>
+              <a:t>Machin</a:t>
+            </a:r>
+            <a:r>
+              <a:rPr lang="de-DE" dirty="0" err="1" smtClean="0">
+                <a:latin typeface="Avenir Book"/>
+                <a:cs typeface="Avenir Book"/>
+              </a:rPr>
+              <a:t>e</a:t>
+            </a:r>
+            <a:r>
+              <a:rPr lang="de-DE" dirty="0" smtClean="0">
+                <a:latin typeface="Avenir Book"/>
+                <a:cs typeface="Avenir Book"/>
+              </a:rPr>
+              <a:t> Learning Library</a:t>
+            </a:r>
+          </a:p>
+          <a:p>
+            <a:r>
+              <a:rPr lang="de-DE" dirty="0" smtClean="0">
+                <a:latin typeface="Avenir Book"/>
+                <a:cs typeface="Avenir Book"/>
+              </a:rPr>
+              <a:t>Enthält verschiedene Arten von </a:t>
+            </a:r>
+            <a:r>
+              <a:rPr lang="de-DE" dirty="0" err="1" smtClean="0">
+                <a:latin typeface="Avenir Book"/>
+                <a:cs typeface="Avenir Book"/>
+              </a:rPr>
+              <a:t>Machine</a:t>
+            </a:r>
+            <a:r>
+              <a:rPr lang="de-DE" dirty="0" smtClean="0">
+                <a:latin typeface="Avenir Book"/>
+                <a:cs typeface="Avenir Book"/>
+              </a:rPr>
+              <a:t>-Learning-Algorithmen (</a:t>
+            </a:r>
+            <a:r>
+              <a:rPr lang="de-DE" dirty="0" err="1" smtClean="0">
+                <a:latin typeface="Avenir Book"/>
+                <a:cs typeface="Avenir Book"/>
+              </a:rPr>
+              <a:t>Classifikation</a:t>
+            </a:r>
+            <a:r>
+              <a:rPr lang="de-DE" dirty="0" smtClean="0">
+                <a:latin typeface="Avenir Book"/>
+                <a:cs typeface="Avenir Book"/>
+              </a:rPr>
+              <a:t>, Regression, </a:t>
+            </a:r>
+            <a:r>
+              <a:rPr lang="de-DE" dirty="0" err="1" smtClean="0">
+                <a:latin typeface="Avenir Book"/>
+                <a:cs typeface="Avenir Book"/>
+              </a:rPr>
+              <a:t>Colaborative</a:t>
+            </a:r>
+            <a:r>
+              <a:rPr lang="de-DE" dirty="0" smtClean="0">
+                <a:latin typeface="Avenir Book"/>
+                <a:cs typeface="Avenir Book"/>
+              </a:rPr>
+              <a:t> </a:t>
+            </a:r>
+            <a:r>
+              <a:rPr lang="de-DE" dirty="0" err="1" smtClean="0">
+                <a:latin typeface="Avenir Book"/>
+                <a:cs typeface="Avenir Book"/>
+              </a:rPr>
+              <a:t>Filtering</a:t>
+            </a:r>
+            <a:r>
+              <a:rPr lang="de-DE" dirty="0" smtClean="0">
+                <a:latin typeface="Avenir Book"/>
+                <a:cs typeface="Avenir Book"/>
+              </a:rPr>
+              <a:t>, Clustering)</a:t>
+            </a:r>
+          </a:p>
+          <a:p>
+            <a:r>
+              <a:rPr lang="de-DE" dirty="0" smtClean="0">
+                <a:latin typeface="Avenir Book"/>
+                <a:cs typeface="Avenir Book"/>
+              </a:rPr>
+              <a:t>Bietet Funktionen zur Modellevaluierung und zum Datenimport. </a:t>
+            </a:r>
+          </a:p>
+          <a:p>
+            <a:r>
+              <a:rPr lang="de-DE" dirty="0" smtClean="0">
+                <a:latin typeface="Avenir Book"/>
+                <a:cs typeface="Avenir Book"/>
+              </a:rPr>
+              <a:t>Enthält einige ML-Primitiven (z.B. </a:t>
+            </a:r>
+            <a:r>
+              <a:rPr lang="de-DE" dirty="0" err="1" smtClean="0">
+                <a:latin typeface="Avenir Book"/>
+                <a:cs typeface="Avenir Book"/>
+              </a:rPr>
+              <a:t>Gradientenverfahren</a:t>
+            </a:r>
+            <a:r>
+              <a:rPr lang="de-DE" dirty="0" smtClean="0">
+                <a:latin typeface="Avenir Book"/>
+                <a:cs typeface="Avenir Book"/>
+              </a:rPr>
+              <a:t>)</a:t>
+            </a:r>
+          </a:p>
+          <a:p>
+            <a:r>
+              <a:rPr lang="de-DE" dirty="0" smtClean="0">
+                <a:latin typeface="Avenir Book"/>
+                <a:cs typeface="Avenir Book"/>
+              </a:rPr>
+              <a:t>Alle Elemente sind so entworfen, dass sie auf Cluster gut skalieren.</a:t>
             </a:r>
           </a:p>
         </p:txBody>
@@ -9262,7 +10178,7 @@
     </p:spTree>
     <p:extLst>
       <p:ext uri="{BB962C8B-B14F-4D97-AF65-F5344CB8AC3E}">
-        <p14:creationId xmlns:p14="http://schemas.microsoft.com/office/powerpoint/2010/main" val="3171442643"/>
+        <p14:creationId xmlns:p14="http://schemas.microsoft.com/office/powerpoint/2010/main" val="3166588457"/>
       </p:ext>
     </p:extLst>
   </p:cSld>
@@ -9424,6 +10340,1511 @@
     <p:extLst>
       <p:ext uri="{BB962C8B-B14F-4D97-AF65-F5344CB8AC3E}">
         <p14:creationId xmlns:p14="http://schemas.microsoft.com/office/powerpoint/2010/main" val="20754861"/>
+      </p:ext>
+    </p:extLst>
+  </p:cSld>
+  <p:clrMapOvr>
+    <a:masterClrMapping/>
+  </p:clrMapOvr>
+  <p:timing>
+    <p:tnLst>
+      <p:par>
+        <p:cTn xmlns:p14="http://schemas.microsoft.com/office/powerpoint/2010/main" id="1" dur="indefinite" restart="never" nodeType="tmRoot"/>
+      </p:par>
+    </p:tnLst>
+  </p:timing>
+</p:sld>
+</file>
+
+<file path=ppt/slides/slide20.xml><?xml version="1.0" encoding="utf-8"?>
+<p:sld xmlns:a="http://schemas.openxmlformats.org/drawingml/2006/main" xmlns:r="http://schemas.openxmlformats.org/officeDocument/2006/relationships" xmlns:p="http://schemas.openxmlformats.org/presentationml/2006/main">
+  <p:cSld>
+    <p:spTree>
+      <p:nvGrpSpPr>
+        <p:cNvPr id="1" name=""/>
+        <p:cNvGrpSpPr/>
+        <p:nvPr/>
+      </p:nvGrpSpPr>
+      <p:grpSpPr>
+        <a:xfrm>
+          <a:off x="0" y="0"/>
+          <a:ext cx="0" cy="0"/>
+          <a:chOff x="0" y="0"/>
+          <a:chExt cx="0" cy="0"/>
+        </a:xfrm>
+      </p:grpSpPr>
+      <p:sp>
+        <p:nvSpPr>
+          <p:cNvPr id="2" name="Titel 1"/>
+          <p:cNvSpPr>
+            <a:spLocks noGrp="1"/>
+          </p:cNvSpPr>
+          <p:nvPr>
+            <p:ph type="title"/>
+          </p:nvPr>
+        </p:nvSpPr>
+        <p:spPr/>
+        <p:txBody>
+          <a:bodyPr/>
+          <a:lstStyle/>
+          <a:p>
+            <a:pPr algn="ctr"/>
+            <a:r>
+              <a:rPr lang="de-DE" dirty="0" smtClean="0">
+                <a:latin typeface="Avenir Black Oblique"/>
+                <a:cs typeface="Avenir Black Oblique"/>
+              </a:rPr>
+              <a:t>Ein </a:t>
+            </a:r>
+            <a:r>
+              <a:rPr lang="de-DE" dirty="0" smtClean="0">
+                <a:latin typeface="Avenir Black Oblique"/>
+                <a:cs typeface="Avenir Black Oblique"/>
+              </a:rPr>
+              <a:t>Beispiel: Clustering</a:t>
+            </a:r>
+            <a:endParaRPr lang="de-DE" dirty="0">
+              <a:latin typeface="Avenir Black Oblique"/>
+              <a:cs typeface="Avenir Black Oblique"/>
+            </a:endParaRPr>
+          </a:p>
+        </p:txBody>
+      </p:sp>
+      <p:sp>
+        <p:nvSpPr>
+          <p:cNvPr id="4" name="Textfeld 3"/>
+          <p:cNvSpPr txBox="1"/>
+          <p:nvPr/>
+        </p:nvSpPr>
+        <p:spPr>
+          <a:xfrm>
+            <a:off x="779463" y="1795589"/>
+            <a:ext cx="7529652" cy="4247317"/>
+          </a:xfrm>
+          <a:prstGeom prst="rect">
+            <a:avLst/>
+          </a:prstGeom>
+          <a:noFill/>
+        </p:spPr>
+        <p:txBody>
+          <a:bodyPr wrap="none" rtlCol="0">
+            <a:spAutoFit/>
+          </a:bodyPr>
+          <a:lstStyle/>
+          <a:p>
+            <a:endParaRPr lang="de-DE" b="1" dirty="0" smtClean="0"/>
+          </a:p>
+          <a:p>
+            <a:r>
+              <a:rPr lang="de-DE" b="1" dirty="0" err="1" smtClean="0">
+                <a:solidFill>
+                  <a:schemeClr val="bg1"/>
+                </a:solidFill>
+              </a:rPr>
+              <a:t>import</a:t>
+            </a:r>
+            <a:r>
+              <a:rPr lang="de-DE" dirty="0" smtClean="0">
+                <a:solidFill>
+                  <a:schemeClr val="bg1"/>
+                </a:solidFill>
+              </a:rPr>
+              <a:t> </a:t>
+            </a:r>
+            <a:r>
+              <a:rPr lang="de-DE" b="1" dirty="0" err="1">
+                <a:solidFill>
+                  <a:schemeClr val="bg1"/>
+                </a:solidFill>
+              </a:rPr>
+              <a:t>org.apache.spark.mllib.clustering.KMeans</a:t>
+            </a:r>
+            <a:endParaRPr lang="de-DE" dirty="0">
+              <a:solidFill>
+                <a:schemeClr val="bg1"/>
+              </a:solidFill>
+            </a:endParaRPr>
+          </a:p>
+          <a:p>
+            <a:endParaRPr lang="de-DE" dirty="0">
+              <a:solidFill>
+                <a:schemeClr val="bg1"/>
+              </a:solidFill>
+            </a:endParaRPr>
+          </a:p>
+          <a:p>
+            <a:r>
+              <a:rPr lang="de-DE" i="1" dirty="0">
+                <a:solidFill>
+                  <a:schemeClr val="bg1"/>
+                </a:solidFill>
+              </a:rPr>
+              <a:t>// </a:t>
+            </a:r>
+            <a:r>
+              <a:rPr lang="de-DE" i="1" dirty="0" err="1">
+                <a:solidFill>
+                  <a:schemeClr val="bg1"/>
+                </a:solidFill>
+              </a:rPr>
+              <a:t>Load</a:t>
+            </a:r>
+            <a:r>
+              <a:rPr lang="de-DE" i="1" dirty="0">
+                <a:solidFill>
+                  <a:schemeClr val="bg1"/>
+                </a:solidFill>
+              </a:rPr>
+              <a:t> </a:t>
+            </a:r>
+            <a:r>
+              <a:rPr lang="de-DE" i="1" dirty="0" err="1">
+                <a:solidFill>
+                  <a:schemeClr val="bg1"/>
+                </a:solidFill>
+              </a:rPr>
+              <a:t>and</a:t>
+            </a:r>
+            <a:r>
+              <a:rPr lang="de-DE" i="1" dirty="0">
+                <a:solidFill>
+                  <a:schemeClr val="bg1"/>
+                </a:solidFill>
+              </a:rPr>
+              <a:t> parse </a:t>
+            </a:r>
+            <a:r>
+              <a:rPr lang="de-DE" i="1" dirty="0" err="1">
+                <a:solidFill>
+                  <a:schemeClr val="bg1"/>
+                </a:solidFill>
+              </a:rPr>
+              <a:t>the</a:t>
+            </a:r>
+            <a:r>
+              <a:rPr lang="de-DE" i="1" dirty="0">
+                <a:solidFill>
+                  <a:schemeClr val="bg1"/>
+                </a:solidFill>
+              </a:rPr>
+              <a:t> </a:t>
+            </a:r>
+            <a:r>
+              <a:rPr lang="de-DE" i="1" dirty="0" err="1">
+                <a:solidFill>
+                  <a:schemeClr val="bg1"/>
+                </a:solidFill>
+              </a:rPr>
+              <a:t>data</a:t>
+            </a:r>
+            <a:endParaRPr lang="de-DE" dirty="0">
+              <a:solidFill>
+                <a:schemeClr val="bg1"/>
+              </a:solidFill>
+            </a:endParaRPr>
+          </a:p>
+          <a:p>
+            <a:r>
+              <a:rPr lang="de-DE" b="1" dirty="0" err="1">
+                <a:solidFill>
+                  <a:schemeClr val="bg1"/>
+                </a:solidFill>
+              </a:rPr>
+              <a:t>val</a:t>
+            </a:r>
+            <a:r>
+              <a:rPr lang="de-DE" dirty="0">
+                <a:solidFill>
+                  <a:schemeClr val="bg1"/>
+                </a:solidFill>
+              </a:rPr>
+              <a:t> </a:t>
+            </a:r>
+            <a:r>
+              <a:rPr lang="de-DE" dirty="0" err="1">
+                <a:solidFill>
+                  <a:schemeClr val="bg1"/>
+                </a:solidFill>
+              </a:rPr>
+              <a:t>data</a:t>
+            </a:r>
+            <a:r>
+              <a:rPr lang="de-DE" dirty="0">
+                <a:solidFill>
+                  <a:schemeClr val="bg1"/>
+                </a:solidFill>
+              </a:rPr>
+              <a:t> </a:t>
+            </a:r>
+            <a:r>
+              <a:rPr lang="de-DE" b="1" dirty="0">
+                <a:solidFill>
+                  <a:schemeClr val="bg1"/>
+                </a:solidFill>
+              </a:rPr>
+              <a:t>=</a:t>
+            </a:r>
+            <a:r>
+              <a:rPr lang="de-DE" dirty="0">
+                <a:solidFill>
+                  <a:schemeClr val="bg1"/>
+                </a:solidFill>
+              </a:rPr>
+              <a:t> </a:t>
+            </a:r>
+            <a:r>
+              <a:rPr lang="de-DE" dirty="0" err="1">
+                <a:solidFill>
+                  <a:schemeClr val="bg1"/>
+                </a:solidFill>
+              </a:rPr>
+              <a:t>sc.textFile</a:t>
+            </a:r>
+            <a:r>
+              <a:rPr lang="de-DE" dirty="0">
+                <a:solidFill>
+                  <a:schemeClr val="bg1"/>
+                </a:solidFill>
+              </a:rPr>
+              <a:t>("</a:t>
+            </a:r>
+            <a:r>
+              <a:rPr lang="de-DE" dirty="0" err="1">
+                <a:solidFill>
+                  <a:schemeClr val="bg1"/>
+                </a:solidFill>
+              </a:rPr>
+              <a:t>kmeans_data.txt</a:t>
+            </a:r>
+            <a:r>
+              <a:rPr lang="de-DE" dirty="0">
+                <a:solidFill>
+                  <a:schemeClr val="bg1"/>
+                </a:solidFill>
+              </a:rPr>
+              <a:t>")</a:t>
+            </a:r>
+          </a:p>
+          <a:p>
+            <a:r>
+              <a:rPr lang="de-DE" b="1" dirty="0" err="1">
+                <a:solidFill>
+                  <a:schemeClr val="bg1"/>
+                </a:solidFill>
+              </a:rPr>
+              <a:t>val</a:t>
+            </a:r>
+            <a:r>
+              <a:rPr lang="de-DE" dirty="0">
+                <a:solidFill>
+                  <a:schemeClr val="bg1"/>
+                </a:solidFill>
+              </a:rPr>
+              <a:t> </a:t>
+            </a:r>
+            <a:r>
+              <a:rPr lang="de-DE" dirty="0" err="1">
+                <a:solidFill>
+                  <a:schemeClr val="bg1"/>
+                </a:solidFill>
+              </a:rPr>
+              <a:t>parsedData</a:t>
+            </a:r>
+            <a:r>
+              <a:rPr lang="de-DE" dirty="0">
+                <a:solidFill>
+                  <a:schemeClr val="bg1"/>
+                </a:solidFill>
+              </a:rPr>
+              <a:t> </a:t>
+            </a:r>
+            <a:r>
+              <a:rPr lang="de-DE" b="1" dirty="0">
+                <a:solidFill>
+                  <a:schemeClr val="bg1"/>
+                </a:solidFill>
+              </a:rPr>
+              <a:t>=</a:t>
+            </a:r>
+            <a:r>
+              <a:rPr lang="de-DE" dirty="0">
+                <a:solidFill>
+                  <a:schemeClr val="bg1"/>
+                </a:solidFill>
+              </a:rPr>
+              <a:t> </a:t>
+            </a:r>
+            <a:r>
+              <a:rPr lang="de-DE" dirty="0" err="1">
+                <a:solidFill>
+                  <a:schemeClr val="bg1"/>
+                </a:solidFill>
+              </a:rPr>
+              <a:t>data.map</a:t>
+            </a:r>
+            <a:r>
+              <a:rPr lang="de-DE" dirty="0">
+                <a:solidFill>
+                  <a:schemeClr val="bg1"/>
+                </a:solidFill>
+              </a:rPr>
+              <a:t>( </a:t>
+            </a:r>
+            <a:r>
+              <a:rPr lang="de-DE" b="1" dirty="0">
+                <a:solidFill>
+                  <a:schemeClr val="bg1"/>
+                </a:solidFill>
+              </a:rPr>
+              <a:t>_</a:t>
+            </a:r>
+            <a:r>
+              <a:rPr lang="de-DE" dirty="0">
+                <a:solidFill>
+                  <a:schemeClr val="bg1"/>
+                </a:solidFill>
+              </a:rPr>
+              <a:t>.</a:t>
+            </a:r>
+            <a:r>
+              <a:rPr lang="de-DE" dirty="0" err="1">
+                <a:solidFill>
+                  <a:schemeClr val="bg1"/>
+                </a:solidFill>
+              </a:rPr>
+              <a:t>split</a:t>
+            </a:r>
+            <a:r>
+              <a:rPr lang="de-DE" dirty="0">
+                <a:solidFill>
+                  <a:schemeClr val="bg1"/>
+                </a:solidFill>
+              </a:rPr>
+              <a:t>(' ').</a:t>
+            </a:r>
+            <a:r>
+              <a:rPr lang="de-DE" dirty="0" err="1">
+                <a:solidFill>
+                  <a:schemeClr val="bg1"/>
+                </a:solidFill>
+              </a:rPr>
+              <a:t>map</a:t>
+            </a:r>
+            <a:r>
+              <a:rPr lang="de-DE" dirty="0">
+                <a:solidFill>
+                  <a:schemeClr val="bg1"/>
+                </a:solidFill>
+              </a:rPr>
+              <a:t>(</a:t>
+            </a:r>
+            <a:r>
+              <a:rPr lang="de-DE" b="1" dirty="0">
+                <a:solidFill>
+                  <a:schemeClr val="bg1"/>
+                </a:solidFill>
+              </a:rPr>
+              <a:t>_</a:t>
+            </a:r>
+            <a:r>
+              <a:rPr lang="de-DE" dirty="0">
+                <a:solidFill>
+                  <a:schemeClr val="bg1"/>
+                </a:solidFill>
+              </a:rPr>
+              <a:t>.</a:t>
+            </a:r>
+            <a:r>
+              <a:rPr lang="de-DE" dirty="0" err="1">
+                <a:solidFill>
+                  <a:schemeClr val="bg1"/>
+                </a:solidFill>
+              </a:rPr>
+              <a:t>toDouble</a:t>
+            </a:r>
+            <a:r>
+              <a:rPr lang="de-DE" dirty="0">
+                <a:solidFill>
+                  <a:schemeClr val="bg1"/>
+                </a:solidFill>
+              </a:rPr>
+              <a:t>))</a:t>
+            </a:r>
+          </a:p>
+          <a:p>
+            <a:endParaRPr lang="de-DE" dirty="0">
+              <a:solidFill>
+                <a:schemeClr val="bg1"/>
+              </a:solidFill>
+            </a:endParaRPr>
+          </a:p>
+          <a:p>
+            <a:r>
+              <a:rPr lang="de-DE" i="1" dirty="0">
+                <a:solidFill>
+                  <a:schemeClr val="bg1"/>
+                </a:solidFill>
+              </a:rPr>
+              <a:t>// Cluster </a:t>
+            </a:r>
+            <a:r>
+              <a:rPr lang="de-DE" i="1" dirty="0" err="1">
+                <a:solidFill>
+                  <a:schemeClr val="bg1"/>
+                </a:solidFill>
+              </a:rPr>
+              <a:t>the</a:t>
+            </a:r>
+            <a:r>
+              <a:rPr lang="de-DE" i="1" dirty="0">
+                <a:solidFill>
+                  <a:schemeClr val="bg1"/>
+                </a:solidFill>
+              </a:rPr>
+              <a:t> </a:t>
+            </a:r>
+            <a:r>
+              <a:rPr lang="de-DE" i="1" dirty="0" err="1">
+                <a:solidFill>
+                  <a:schemeClr val="bg1"/>
+                </a:solidFill>
+              </a:rPr>
+              <a:t>data</a:t>
+            </a:r>
+            <a:r>
+              <a:rPr lang="de-DE" i="1" dirty="0">
+                <a:solidFill>
+                  <a:schemeClr val="bg1"/>
+                </a:solidFill>
+              </a:rPr>
+              <a:t> </a:t>
+            </a:r>
+            <a:r>
+              <a:rPr lang="de-DE" i="1" dirty="0" err="1">
+                <a:solidFill>
+                  <a:schemeClr val="bg1"/>
+                </a:solidFill>
+              </a:rPr>
+              <a:t>into</a:t>
+            </a:r>
+            <a:r>
+              <a:rPr lang="de-DE" i="1" dirty="0">
+                <a:solidFill>
+                  <a:schemeClr val="bg1"/>
+                </a:solidFill>
+              </a:rPr>
+              <a:t> </a:t>
+            </a:r>
+            <a:r>
+              <a:rPr lang="de-DE" i="1" dirty="0" err="1">
+                <a:solidFill>
+                  <a:schemeClr val="bg1"/>
+                </a:solidFill>
+              </a:rPr>
+              <a:t>two</a:t>
+            </a:r>
+            <a:r>
+              <a:rPr lang="de-DE" i="1" dirty="0">
+                <a:solidFill>
+                  <a:schemeClr val="bg1"/>
+                </a:solidFill>
+              </a:rPr>
+              <a:t> </a:t>
+            </a:r>
+            <a:r>
+              <a:rPr lang="de-DE" i="1" dirty="0" err="1">
+                <a:solidFill>
+                  <a:schemeClr val="bg1"/>
+                </a:solidFill>
+              </a:rPr>
+              <a:t>classes</a:t>
+            </a:r>
+            <a:r>
+              <a:rPr lang="de-DE" i="1" dirty="0">
+                <a:solidFill>
+                  <a:schemeClr val="bg1"/>
+                </a:solidFill>
+              </a:rPr>
+              <a:t> </a:t>
+            </a:r>
+            <a:r>
+              <a:rPr lang="de-DE" i="1" dirty="0" err="1">
+                <a:solidFill>
+                  <a:schemeClr val="bg1"/>
+                </a:solidFill>
+              </a:rPr>
+              <a:t>using</a:t>
+            </a:r>
+            <a:r>
+              <a:rPr lang="de-DE" i="1" dirty="0">
+                <a:solidFill>
+                  <a:schemeClr val="bg1"/>
+                </a:solidFill>
+              </a:rPr>
+              <a:t> </a:t>
+            </a:r>
+            <a:r>
+              <a:rPr lang="de-DE" i="1" dirty="0" err="1">
+                <a:solidFill>
+                  <a:schemeClr val="bg1"/>
+                </a:solidFill>
+              </a:rPr>
+              <a:t>KMeans</a:t>
+            </a:r>
+            <a:endParaRPr lang="de-DE" dirty="0">
+              <a:solidFill>
+                <a:schemeClr val="bg1"/>
+              </a:solidFill>
+            </a:endParaRPr>
+          </a:p>
+          <a:p>
+            <a:r>
+              <a:rPr lang="de-DE" b="1" dirty="0" err="1">
+                <a:solidFill>
+                  <a:schemeClr val="bg1"/>
+                </a:solidFill>
+              </a:rPr>
+              <a:t>val</a:t>
+            </a:r>
+            <a:r>
+              <a:rPr lang="de-DE" dirty="0">
+                <a:solidFill>
+                  <a:schemeClr val="bg1"/>
+                </a:solidFill>
+              </a:rPr>
+              <a:t> </a:t>
+            </a:r>
+            <a:r>
+              <a:rPr lang="de-DE" dirty="0" err="1">
+                <a:solidFill>
+                  <a:schemeClr val="bg1"/>
+                </a:solidFill>
+              </a:rPr>
+              <a:t>numIterations</a:t>
+            </a:r>
+            <a:r>
+              <a:rPr lang="de-DE" dirty="0">
+                <a:solidFill>
+                  <a:schemeClr val="bg1"/>
+                </a:solidFill>
+              </a:rPr>
+              <a:t> </a:t>
+            </a:r>
+            <a:r>
+              <a:rPr lang="de-DE" b="1" dirty="0">
+                <a:solidFill>
+                  <a:schemeClr val="bg1"/>
+                </a:solidFill>
+              </a:rPr>
+              <a:t>=</a:t>
+            </a:r>
+            <a:r>
+              <a:rPr lang="de-DE" dirty="0">
+                <a:solidFill>
+                  <a:schemeClr val="bg1"/>
+                </a:solidFill>
+              </a:rPr>
+              <a:t> 20</a:t>
+            </a:r>
+          </a:p>
+          <a:p>
+            <a:r>
+              <a:rPr lang="de-DE" b="1" dirty="0" err="1">
+                <a:solidFill>
+                  <a:schemeClr val="bg1"/>
+                </a:solidFill>
+              </a:rPr>
+              <a:t>val</a:t>
+            </a:r>
+            <a:r>
+              <a:rPr lang="de-DE" dirty="0">
+                <a:solidFill>
+                  <a:schemeClr val="bg1"/>
+                </a:solidFill>
+              </a:rPr>
+              <a:t> </a:t>
+            </a:r>
+            <a:r>
+              <a:rPr lang="de-DE" dirty="0" err="1">
+                <a:solidFill>
+                  <a:schemeClr val="bg1"/>
+                </a:solidFill>
+              </a:rPr>
+              <a:t>numClusters</a:t>
+            </a:r>
+            <a:r>
+              <a:rPr lang="de-DE" dirty="0">
+                <a:solidFill>
+                  <a:schemeClr val="bg1"/>
+                </a:solidFill>
+              </a:rPr>
+              <a:t> </a:t>
+            </a:r>
+            <a:r>
+              <a:rPr lang="de-DE" b="1" dirty="0">
+                <a:solidFill>
+                  <a:schemeClr val="bg1"/>
+                </a:solidFill>
+              </a:rPr>
+              <a:t>=</a:t>
+            </a:r>
+            <a:r>
+              <a:rPr lang="de-DE" dirty="0">
+                <a:solidFill>
+                  <a:schemeClr val="bg1"/>
+                </a:solidFill>
+              </a:rPr>
+              <a:t> 2</a:t>
+            </a:r>
+          </a:p>
+          <a:p>
+            <a:r>
+              <a:rPr lang="de-DE" b="1" dirty="0" err="1">
+                <a:solidFill>
+                  <a:schemeClr val="bg1"/>
+                </a:solidFill>
+              </a:rPr>
+              <a:t>val</a:t>
+            </a:r>
+            <a:r>
+              <a:rPr lang="de-DE" dirty="0">
+                <a:solidFill>
+                  <a:schemeClr val="bg1"/>
+                </a:solidFill>
+              </a:rPr>
+              <a:t> </a:t>
+            </a:r>
+            <a:r>
+              <a:rPr lang="de-DE" dirty="0" err="1">
+                <a:solidFill>
+                  <a:schemeClr val="bg1"/>
+                </a:solidFill>
+              </a:rPr>
+              <a:t>clusters</a:t>
+            </a:r>
+            <a:r>
+              <a:rPr lang="de-DE" dirty="0">
+                <a:solidFill>
+                  <a:schemeClr val="bg1"/>
+                </a:solidFill>
+              </a:rPr>
+              <a:t> </a:t>
+            </a:r>
+            <a:r>
+              <a:rPr lang="de-DE" b="1" dirty="0">
+                <a:solidFill>
+                  <a:schemeClr val="bg1"/>
+                </a:solidFill>
+              </a:rPr>
+              <a:t>=</a:t>
+            </a:r>
+            <a:r>
+              <a:rPr lang="de-DE" dirty="0">
+                <a:solidFill>
+                  <a:schemeClr val="bg1"/>
+                </a:solidFill>
+              </a:rPr>
+              <a:t> </a:t>
+            </a:r>
+            <a:r>
+              <a:rPr lang="de-DE" b="1" dirty="0" err="1">
+                <a:solidFill>
+                  <a:schemeClr val="bg1"/>
+                </a:solidFill>
+              </a:rPr>
+              <a:t>KMeans</a:t>
+            </a:r>
+            <a:r>
+              <a:rPr lang="de-DE" dirty="0" err="1">
+                <a:solidFill>
+                  <a:schemeClr val="bg1"/>
+                </a:solidFill>
+              </a:rPr>
+              <a:t>.train</a:t>
+            </a:r>
+            <a:r>
+              <a:rPr lang="de-DE" dirty="0">
+                <a:solidFill>
+                  <a:schemeClr val="bg1"/>
+                </a:solidFill>
+              </a:rPr>
+              <a:t>(</a:t>
+            </a:r>
+            <a:r>
+              <a:rPr lang="de-DE" dirty="0" err="1">
+                <a:solidFill>
+                  <a:schemeClr val="bg1"/>
+                </a:solidFill>
+              </a:rPr>
+              <a:t>parsedData</a:t>
+            </a:r>
+            <a:r>
+              <a:rPr lang="de-DE" dirty="0">
+                <a:solidFill>
+                  <a:schemeClr val="bg1"/>
+                </a:solidFill>
+              </a:rPr>
+              <a:t>, </a:t>
+            </a:r>
+            <a:r>
+              <a:rPr lang="de-DE" dirty="0" err="1">
+                <a:solidFill>
+                  <a:schemeClr val="bg1"/>
+                </a:solidFill>
+              </a:rPr>
+              <a:t>numClusters</a:t>
+            </a:r>
+            <a:r>
+              <a:rPr lang="de-DE" dirty="0">
+                <a:solidFill>
+                  <a:schemeClr val="bg1"/>
+                </a:solidFill>
+              </a:rPr>
+              <a:t>, </a:t>
+            </a:r>
+            <a:r>
+              <a:rPr lang="de-DE" dirty="0" err="1">
+                <a:solidFill>
+                  <a:schemeClr val="bg1"/>
+                </a:solidFill>
+              </a:rPr>
+              <a:t>numIterations</a:t>
+            </a:r>
+            <a:r>
+              <a:rPr lang="de-DE" dirty="0">
+                <a:solidFill>
+                  <a:schemeClr val="bg1"/>
+                </a:solidFill>
+              </a:rPr>
+              <a:t>)</a:t>
+            </a:r>
+          </a:p>
+          <a:p>
+            <a:endParaRPr lang="de-DE" dirty="0">
+              <a:solidFill>
+                <a:schemeClr val="bg1"/>
+              </a:solidFill>
+            </a:endParaRPr>
+          </a:p>
+          <a:p>
+            <a:r>
+              <a:rPr lang="de-DE" i="1" dirty="0">
+                <a:solidFill>
+                  <a:schemeClr val="bg1"/>
+                </a:solidFill>
+              </a:rPr>
+              <a:t>// </a:t>
+            </a:r>
+            <a:r>
+              <a:rPr lang="de-DE" i="1" dirty="0" err="1">
+                <a:solidFill>
+                  <a:schemeClr val="bg1"/>
+                </a:solidFill>
+              </a:rPr>
+              <a:t>Evaluate</a:t>
+            </a:r>
+            <a:r>
+              <a:rPr lang="de-DE" i="1" dirty="0">
+                <a:solidFill>
+                  <a:schemeClr val="bg1"/>
+                </a:solidFill>
+              </a:rPr>
+              <a:t> </a:t>
+            </a:r>
+            <a:r>
+              <a:rPr lang="de-DE" i="1" dirty="0" err="1">
+                <a:solidFill>
+                  <a:schemeClr val="bg1"/>
+                </a:solidFill>
+              </a:rPr>
+              <a:t>clustering</a:t>
+            </a:r>
+            <a:r>
+              <a:rPr lang="de-DE" i="1" dirty="0">
+                <a:solidFill>
+                  <a:schemeClr val="bg1"/>
+                </a:solidFill>
+              </a:rPr>
+              <a:t> </a:t>
+            </a:r>
+            <a:r>
+              <a:rPr lang="de-DE" i="1" dirty="0" err="1">
+                <a:solidFill>
+                  <a:schemeClr val="bg1"/>
+                </a:solidFill>
+              </a:rPr>
+              <a:t>by</a:t>
+            </a:r>
+            <a:r>
+              <a:rPr lang="de-DE" i="1" dirty="0">
+                <a:solidFill>
+                  <a:schemeClr val="bg1"/>
+                </a:solidFill>
+              </a:rPr>
+              <a:t> </a:t>
+            </a:r>
+            <a:r>
+              <a:rPr lang="de-DE" i="1" dirty="0" err="1">
+                <a:solidFill>
+                  <a:schemeClr val="bg1"/>
+                </a:solidFill>
+              </a:rPr>
+              <a:t>computing</a:t>
+            </a:r>
+            <a:r>
+              <a:rPr lang="de-DE" i="1" dirty="0">
+                <a:solidFill>
+                  <a:schemeClr val="bg1"/>
+                </a:solidFill>
+              </a:rPr>
+              <a:t> </a:t>
+            </a:r>
+            <a:r>
+              <a:rPr lang="de-DE" i="1" dirty="0" err="1">
+                <a:solidFill>
+                  <a:schemeClr val="bg1"/>
+                </a:solidFill>
+              </a:rPr>
+              <a:t>Within</a:t>
+            </a:r>
+            <a:r>
+              <a:rPr lang="de-DE" i="1" dirty="0">
+                <a:solidFill>
+                  <a:schemeClr val="bg1"/>
+                </a:solidFill>
+              </a:rPr>
+              <a:t> Set </a:t>
+            </a:r>
+            <a:r>
+              <a:rPr lang="de-DE" i="1" dirty="0" err="1">
+                <a:solidFill>
+                  <a:schemeClr val="bg1"/>
+                </a:solidFill>
+              </a:rPr>
+              <a:t>Sum</a:t>
+            </a:r>
+            <a:r>
+              <a:rPr lang="de-DE" i="1" dirty="0">
+                <a:solidFill>
+                  <a:schemeClr val="bg1"/>
+                </a:solidFill>
+              </a:rPr>
+              <a:t> </a:t>
+            </a:r>
+            <a:r>
+              <a:rPr lang="de-DE" i="1" dirty="0" err="1">
+                <a:solidFill>
+                  <a:schemeClr val="bg1"/>
+                </a:solidFill>
+              </a:rPr>
+              <a:t>of</a:t>
+            </a:r>
+            <a:r>
+              <a:rPr lang="de-DE" i="1" dirty="0">
+                <a:solidFill>
+                  <a:schemeClr val="bg1"/>
+                </a:solidFill>
+              </a:rPr>
+              <a:t> </a:t>
+            </a:r>
+            <a:r>
+              <a:rPr lang="de-DE" i="1" dirty="0" err="1">
+                <a:solidFill>
+                  <a:schemeClr val="bg1"/>
+                </a:solidFill>
+              </a:rPr>
+              <a:t>Squared</a:t>
+            </a:r>
+            <a:r>
+              <a:rPr lang="de-DE" i="1" dirty="0">
+                <a:solidFill>
+                  <a:schemeClr val="bg1"/>
+                </a:solidFill>
+              </a:rPr>
+              <a:t> Errors</a:t>
+            </a:r>
+            <a:endParaRPr lang="de-DE" dirty="0">
+              <a:solidFill>
+                <a:schemeClr val="bg1"/>
+              </a:solidFill>
+            </a:endParaRPr>
+          </a:p>
+          <a:p>
+            <a:r>
+              <a:rPr lang="de-DE" b="1" dirty="0" err="1">
+                <a:solidFill>
+                  <a:schemeClr val="bg1"/>
+                </a:solidFill>
+              </a:rPr>
+              <a:t>val</a:t>
+            </a:r>
+            <a:r>
+              <a:rPr lang="de-DE" dirty="0">
+                <a:solidFill>
+                  <a:schemeClr val="bg1"/>
+                </a:solidFill>
+              </a:rPr>
+              <a:t> </a:t>
+            </a:r>
+            <a:r>
+              <a:rPr lang="de-DE" b="1" dirty="0">
+                <a:solidFill>
+                  <a:schemeClr val="bg1"/>
+                </a:solidFill>
+              </a:rPr>
+              <a:t>WSSSE</a:t>
+            </a:r>
+            <a:r>
+              <a:rPr lang="de-DE" dirty="0">
+                <a:solidFill>
+                  <a:schemeClr val="bg1"/>
+                </a:solidFill>
+              </a:rPr>
+              <a:t> </a:t>
+            </a:r>
+            <a:r>
+              <a:rPr lang="de-DE" b="1" dirty="0">
+                <a:solidFill>
+                  <a:schemeClr val="bg1"/>
+                </a:solidFill>
+              </a:rPr>
+              <a:t>=</a:t>
+            </a:r>
+            <a:r>
+              <a:rPr lang="de-DE" dirty="0">
+                <a:solidFill>
+                  <a:schemeClr val="bg1"/>
+                </a:solidFill>
+              </a:rPr>
+              <a:t> </a:t>
+            </a:r>
+            <a:r>
+              <a:rPr lang="de-DE" dirty="0" err="1">
+                <a:solidFill>
+                  <a:schemeClr val="bg1"/>
+                </a:solidFill>
+              </a:rPr>
+              <a:t>clusters.computeCost</a:t>
+            </a:r>
+            <a:r>
+              <a:rPr lang="de-DE" dirty="0">
+                <a:solidFill>
+                  <a:schemeClr val="bg1"/>
+                </a:solidFill>
+              </a:rPr>
+              <a:t>(</a:t>
+            </a:r>
+            <a:r>
+              <a:rPr lang="de-DE" dirty="0" err="1">
+                <a:solidFill>
+                  <a:schemeClr val="bg1"/>
+                </a:solidFill>
+              </a:rPr>
+              <a:t>parsedData</a:t>
+            </a:r>
+            <a:r>
+              <a:rPr lang="de-DE" dirty="0">
+                <a:solidFill>
+                  <a:schemeClr val="bg1"/>
+                </a:solidFill>
+              </a:rPr>
+              <a:t>)</a:t>
+            </a:r>
+          </a:p>
+          <a:p>
+            <a:r>
+              <a:rPr lang="de-DE" dirty="0" err="1">
+                <a:solidFill>
+                  <a:schemeClr val="bg1"/>
+                </a:solidFill>
+              </a:rPr>
+              <a:t>println</a:t>
+            </a:r>
+            <a:r>
+              <a:rPr lang="de-DE" dirty="0">
+                <a:solidFill>
+                  <a:schemeClr val="bg1"/>
+                </a:solidFill>
+              </a:rPr>
+              <a:t>("</a:t>
+            </a:r>
+            <a:r>
+              <a:rPr lang="de-DE" dirty="0" err="1">
+                <a:solidFill>
+                  <a:schemeClr val="bg1"/>
+                </a:solidFill>
+              </a:rPr>
+              <a:t>Within</a:t>
+            </a:r>
+            <a:r>
+              <a:rPr lang="de-DE" dirty="0">
+                <a:solidFill>
+                  <a:schemeClr val="bg1"/>
+                </a:solidFill>
+              </a:rPr>
+              <a:t> Set </a:t>
+            </a:r>
+            <a:r>
+              <a:rPr lang="de-DE" dirty="0" err="1">
+                <a:solidFill>
+                  <a:schemeClr val="bg1"/>
+                </a:solidFill>
+              </a:rPr>
+              <a:t>Sum</a:t>
+            </a:r>
+            <a:r>
+              <a:rPr lang="de-DE" dirty="0">
+                <a:solidFill>
+                  <a:schemeClr val="bg1"/>
+                </a:solidFill>
+              </a:rPr>
+              <a:t> </a:t>
+            </a:r>
+            <a:r>
+              <a:rPr lang="de-DE" dirty="0" err="1">
+                <a:solidFill>
+                  <a:schemeClr val="bg1"/>
+                </a:solidFill>
+              </a:rPr>
+              <a:t>of</a:t>
+            </a:r>
+            <a:r>
+              <a:rPr lang="de-DE" dirty="0">
+                <a:solidFill>
+                  <a:schemeClr val="bg1"/>
+                </a:solidFill>
+              </a:rPr>
+              <a:t> </a:t>
+            </a:r>
+            <a:r>
+              <a:rPr lang="de-DE" dirty="0" err="1">
+                <a:solidFill>
+                  <a:schemeClr val="bg1"/>
+                </a:solidFill>
+              </a:rPr>
+              <a:t>Squared</a:t>
+            </a:r>
+            <a:r>
+              <a:rPr lang="de-DE" dirty="0">
+                <a:solidFill>
+                  <a:schemeClr val="bg1"/>
+                </a:solidFill>
+              </a:rPr>
+              <a:t> Errors = " + </a:t>
+            </a:r>
+            <a:r>
+              <a:rPr lang="de-DE" b="1" dirty="0">
+                <a:solidFill>
+                  <a:schemeClr val="bg1"/>
+                </a:solidFill>
+              </a:rPr>
+              <a:t>WSSSE</a:t>
+            </a:r>
+            <a:r>
+              <a:rPr lang="de-DE" dirty="0">
+                <a:solidFill>
+                  <a:schemeClr val="bg1"/>
+                </a:solidFill>
+              </a:rPr>
+              <a:t>)</a:t>
+            </a:r>
+            <a:endParaRPr lang="de-DE" dirty="0">
+              <a:solidFill>
+                <a:schemeClr val="bg1"/>
+              </a:solidFill>
+            </a:endParaRPr>
+          </a:p>
+        </p:txBody>
+      </p:sp>
+    </p:spTree>
+    <p:extLst>
+      <p:ext uri="{BB962C8B-B14F-4D97-AF65-F5344CB8AC3E}">
+        <p14:creationId xmlns:p14="http://schemas.microsoft.com/office/powerpoint/2010/main" val="2712330516"/>
+      </p:ext>
+    </p:extLst>
+  </p:cSld>
+  <p:clrMapOvr>
+    <a:masterClrMapping/>
+  </p:clrMapOvr>
+  <p:timing>
+    <p:tnLst>
+      <p:par>
+        <p:cTn xmlns:p14="http://schemas.microsoft.com/office/powerpoint/2010/main" id="1" dur="indefinite" restart="never" nodeType="tmRoot"/>
+      </p:par>
+    </p:tnLst>
+  </p:timing>
+</p:sld>
+</file>
+
+<file path=ppt/slides/slide21.xml><?xml version="1.0" encoding="utf-8"?>
+<p:sld xmlns:a="http://schemas.openxmlformats.org/drawingml/2006/main" xmlns:r="http://schemas.openxmlformats.org/officeDocument/2006/relationships" xmlns:p="http://schemas.openxmlformats.org/presentationml/2006/main">
+  <p:cSld>
+    <p:spTree>
+      <p:nvGrpSpPr>
+        <p:cNvPr id="1" name=""/>
+        <p:cNvGrpSpPr/>
+        <p:nvPr/>
+      </p:nvGrpSpPr>
+      <p:grpSpPr>
+        <a:xfrm>
+          <a:off x="0" y="0"/>
+          <a:ext cx="0" cy="0"/>
+          <a:chOff x="0" y="0"/>
+          <a:chExt cx="0" cy="0"/>
+        </a:xfrm>
+      </p:grpSpPr>
+      <p:sp>
+        <p:nvSpPr>
+          <p:cNvPr id="2" name="Titel 1"/>
+          <p:cNvSpPr>
+            <a:spLocks noGrp="1"/>
+          </p:cNvSpPr>
+          <p:nvPr>
+            <p:ph type="title"/>
+          </p:nvPr>
+        </p:nvSpPr>
+        <p:spPr/>
+        <p:txBody>
+          <a:bodyPr/>
+          <a:lstStyle/>
+          <a:p>
+            <a:pPr algn="ctr"/>
+            <a:r>
+              <a:rPr lang="de-DE" dirty="0" smtClean="0">
+                <a:latin typeface="Avenir Black Oblique"/>
+                <a:cs typeface="Avenir Black Oblique"/>
+              </a:rPr>
+              <a:t>Zweck der Masterarbeit</a:t>
+            </a:r>
+            <a:endParaRPr lang="de-DE" dirty="0">
+              <a:latin typeface="Avenir Black Oblique"/>
+              <a:cs typeface="Avenir Black Oblique"/>
+            </a:endParaRPr>
+          </a:p>
+        </p:txBody>
+      </p:sp>
+      <p:sp>
+        <p:nvSpPr>
+          <p:cNvPr id="3" name="Inhaltsplatzhalter 2"/>
+          <p:cNvSpPr>
+            <a:spLocks noGrp="1"/>
+          </p:cNvSpPr>
+          <p:nvPr>
+            <p:ph idx="1"/>
+          </p:nvPr>
+        </p:nvSpPr>
+        <p:spPr/>
+        <p:txBody>
+          <a:bodyPr/>
+          <a:lstStyle/>
+          <a:p>
+            <a:r>
+              <a:rPr lang="de-DE" dirty="0" smtClean="0">
+                <a:latin typeface="Avenir Book"/>
+                <a:cs typeface="Avenir Book"/>
+              </a:rPr>
+              <a:t>Einarbeitung in die Konzepte von Spark</a:t>
+            </a:r>
+          </a:p>
+          <a:p>
+            <a:r>
+              <a:rPr lang="de-DE" dirty="0" smtClean="0">
+                <a:latin typeface="Avenir Book"/>
+                <a:cs typeface="Avenir Book"/>
+              </a:rPr>
+              <a:t>Aufbau verschiedener Clusterumgebungen </a:t>
+            </a:r>
+          </a:p>
+          <a:p>
+            <a:r>
+              <a:rPr lang="de-DE" dirty="0" smtClean="0">
+                <a:latin typeface="Avenir Book"/>
+                <a:cs typeface="Avenir Book"/>
+              </a:rPr>
+              <a:t>Definition von </a:t>
+            </a:r>
+            <a:r>
+              <a:rPr lang="de-DE" dirty="0" err="1" smtClean="0">
+                <a:latin typeface="Avenir Book"/>
+                <a:cs typeface="Avenir Book"/>
+              </a:rPr>
+              <a:t>Metriken</a:t>
+            </a:r>
+            <a:endParaRPr lang="de-DE" dirty="0" smtClean="0">
+              <a:latin typeface="Avenir Book"/>
+              <a:cs typeface="Avenir Book"/>
+            </a:endParaRPr>
+          </a:p>
+          <a:p>
+            <a:r>
+              <a:rPr lang="de-DE" dirty="0" smtClean="0">
+                <a:latin typeface="Avenir Book"/>
+                <a:cs typeface="Avenir Book"/>
+              </a:rPr>
+              <a:t>Test und Messungen aller Bibliotheken unter verschiedenen Konfigurationen</a:t>
+            </a:r>
+          </a:p>
+          <a:p>
+            <a:r>
+              <a:rPr lang="de-DE" dirty="0" smtClean="0">
+                <a:latin typeface="Avenir Book"/>
+                <a:cs typeface="Avenir Book"/>
+              </a:rPr>
+              <a:t>Implementierung, Test und Messungen von eigenen Komponenten gegen die APIs der Bibliotheken</a:t>
+            </a:r>
+          </a:p>
+          <a:p>
+            <a:r>
+              <a:rPr lang="de-DE" dirty="0" smtClean="0">
+                <a:latin typeface="Avenir Book"/>
+                <a:cs typeface="Avenir Book"/>
+              </a:rPr>
+              <a:t>Vergleich mit Alternativimplementierungen (Flink, H2O)</a:t>
+            </a:r>
+            <a:endParaRPr lang="de-DE" dirty="0" smtClean="0">
+              <a:latin typeface="Avenir Book"/>
+              <a:cs typeface="Avenir Book"/>
+            </a:endParaRPr>
+          </a:p>
+        </p:txBody>
+      </p:sp>
+    </p:spTree>
+    <p:extLst>
+      <p:ext uri="{BB962C8B-B14F-4D97-AF65-F5344CB8AC3E}">
+        <p14:creationId xmlns:p14="http://schemas.microsoft.com/office/powerpoint/2010/main" val="3171442643"/>
+      </p:ext>
+    </p:extLst>
+  </p:cSld>
+  <p:clrMapOvr>
+    <a:masterClrMapping/>
+  </p:clrMapOvr>
+  <p:timing>
+    <p:tnLst>
+      <p:par>
+        <p:cTn xmlns:p14="http://schemas.microsoft.com/office/powerpoint/2010/main" id="1" dur="indefinite" restart="never" nodeType="tmRoot"/>
+      </p:par>
+    </p:tnLst>
+  </p:timing>
+</p:sld>
+</file>
+
+<file path=ppt/slides/slide22.xml><?xml version="1.0" encoding="utf-8"?>
+<p:sld xmlns:a="http://schemas.openxmlformats.org/drawingml/2006/main" xmlns:r="http://schemas.openxmlformats.org/officeDocument/2006/relationships" xmlns:p="http://schemas.openxmlformats.org/presentationml/2006/main">
+  <p:cSld>
+    <p:spTree>
+      <p:nvGrpSpPr>
+        <p:cNvPr id="1" name=""/>
+        <p:cNvGrpSpPr/>
+        <p:nvPr/>
+      </p:nvGrpSpPr>
+      <p:grpSpPr>
+        <a:xfrm>
+          <a:off x="0" y="0"/>
+          <a:ext cx="0" cy="0"/>
+          <a:chOff x="0" y="0"/>
+          <a:chExt cx="0" cy="0"/>
+        </a:xfrm>
+      </p:grpSpPr>
+      <p:sp>
+        <p:nvSpPr>
+          <p:cNvPr id="5" name="Textfeld 4"/>
+          <p:cNvSpPr txBox="1"/>
+          <p:nvPr/>
+        </p:nvSpPr>
+        <p:spPr>
+          <a:xfrm>
+            <a:off x="799175" y="2496967"/>
+            <a:ext cx="7258273" cy="1446550"/>
+          </a:xfrm>
+          <a:prstGeom prst="rect">
+            <a:avLst/>
+          </a:prstGeom>
+          <a:noFill/>
+        </p:spPr>
+        <p:txBody>
+          <a:bodyPr wrap="square" rtlCol="0">
+            <a:spAutoFit/>
+          </a:bodyPr>
+          <a:lstStyle/>
+          <a:p>
+            <a:pPr algn="ctr"/>
+            <a:r>
+              <a:rPr lang="de-DE" sz="4400" dirty="0" smtClean="0">
+                <a:solidFill>
+                  <a:srgbClr val="FFFFFF"/>
+                </a:solidFill>
+                <a:latin typeface="Avenir Heavy"/>
+                <a:cs typeface="Avenir Heavy"/>
+              </a:rPr>
+              <a:t>Vielen Dank für die Aufmerksamkeit!</a:t>
+            </a:r>
+            <a:endParaRPr lang="de-DE" sz="4400" dirty="0">
+              <a:solidFill>
+                <a:srgbClr val="FFFFFF"/>
+              </a:solidFill>
+              <a:latin typeface="Avenir Heavy"/>
+              <a:cs typeface="Avenir Heavy"/>
+            </a:endParaRPr>
+          </a:p>
+        </p:txBody>
+      </p:sp>
+    </p:spTree>
+    <p:extLst>
+      <p:ext uri="{BB962C8B-B14F-4D97-AF65-F5344CB8AC3E}">
+        <p14:creationId xmlns:p14="http://schemas.microsoft.com/office/powerpoint/2010/main" val="520321701"/>
+      </p:ext>
+    </p:extLst>
+  </p:cSld>
+  <p:clrMapOvr>
+    <a:masterClrMapping/>
+  </p:clrMapOvr>
+  <p:timing>
+    <p:tnLst>
+      <p:par>
+        <p:cTn xmlns:p14="http://schemas.microsoft.com/office/powerpoint/2010/main" id="1" dur="indefinite" restart="never" nodeType="tmRoot"/>
+      </p:par>
+    </p:tnLst>
+  </p:timing>
+</p:sld>
+</file>
+
+<file path=ppt/slides/slide23.xml><?xml version="1.0" encoding="utf-8"?>
+<p:sld xmlns:a="http://schemas.openxmlformats.org/drawingml/2006/main" xmlns:r="http://schemas.openxmlformats.org/officeDocument/2006/relationships" xmlns:p="http://schemas.openxmlformats.org/presentationml/2006/main">
+  <p:cSld>
+    <p:spTree>
+      <p:nvGrpSpPr>
+        <p:cNvPr id="1" name=""/>
+        <p:cNvGrpSpPr/>
+        <p:nvPr/>
+      </p:nvGrpSpPr>
+      <p:grpSpPr>
+        <a:xfrm>
+          <a:off x="0" y="0"/>
+          <a:ext cx="0" cy="0"/>
+          <a:chOff x="0" y="0"/>
+          <a:chExt cx="0" cy="0"/>
+        </a:xfrm>
+      </p:grpSpPr>
+      <p:sp>
+        <p:nvSpPr>
+          <p:cNvPr id="5" name="Textfeld 4"/>
+          <p:cNvSpPr txBox="1"/>
+          <p:nvPr/>
+        </p:nvSpPr>
+        <p:spPr>
+          <a:xfrm>
+            <a:off x="799175" y="2715941"/>
+            <a:ext cx="7258273" cy="769441"/>
+          </a:xfrm>
+          <a:prstGeom prst="rect">
+            <a:avLst/>
+          </a:prstGeom>
+          <a:noFill/>
+        </p:spPr>
+        <p:txBody>
+          <a:bodyPr wrap="square" rtlCol="0">
+            <a:spAutoFit/>
+          </a:bodyPr>
+          <a:lstStyle/>
+          <a:p>
+            <a:pPr algn="ctr"/>
+            <a:r>
+              <a:rPr lang="de-DE" sz="4400" dirty="0" smtClean="0">
+                <a:solidFill>
+                  <a:srgbClr val="FFFFFF"/>
+                </a:solidFill>
+                <a:latin typeface="Avenir Heavy"/>
+                <a:cs typeface="Avenir Heavy"/>
+              </a:rPr>
+              <a:t>Gibt es Fragen? </a:t>
+            </a:r>
+            <a:endParaRPr lang="de-DE" sz="4400" dirty="0">
+              <a:solidFill>
+                <a:srgbClr val="FFFFFF"/>
+              </a:solidFill>
+              <a:latin typeface="Avenir Heavy"/>
+              <a:cs typeface="Avenir Heavy"/>
+            </a:endParaRPr>
+          </a:p>
+        </p:txBody>
+      </p:sp>
+      <p:sp>
+        <p:nvSpPr>
+          <p:cNvPr id="3" name="Textfeld 2"/>
+          <p:cNvSpPr txBox="1"/>
+          <p:nvPr/>
+        </p:nvSpPr>
+        <p:spPr>
+          <a:xfrm>
+            <a:off x="2266168" y="4532767"/>
+            <a:ext cx="4390954" cy="923330"/>
+          </a:xfrm>
+          <a:prstGeom prst="rect">
+            <a:avLst/>
+          </a:prstGeom>
+          <a:noFill/>
+        </p:spPr>
+        <p:txBody>
+          <a:bodyPr wrap="none" rtlCol="0">
+            <a:spAutoFit/>
+          </a:bodyPr>
+          <a:lstStyle/>
+          <a:p>
+            <a:r>
+              <a:rPr lang="de-DE" dirty="0" smtClean="0">
+                <a:solidFill>
+                  <a:srgbClr val="FFFFFF"/>
+                </a:solidFill>
+                <a:latin typeface="Avenir Black"/>
+                <a:cs typeface="Avenir Black"/>
+              </a:rPr>
+              <a:t>Gerne auch im Anschluss per Email an: </a:t>
+            </a:r>
+          </a:p>
+          <a:p>
+            <a:endParaRPr lang="de-DE" dirty="0">
+              <a:solidFill>
+                <a:srgbClr val="FFFFFF"/>
+              </a:solidFill>
+              <a:latin typeface="Avenir Black"/>
+              <a:cs typeface="Avenir Black"/>
+            </a:endParaRPr>
+          </a:p>
+          <a:p>
+            <a:r>
+              <a:rPr lang="de-DE" dirty="0" err="1">
+                <a:solidFill>
+                  <a:srgbClr val="FFFFFF"/>
+                </a:solidFill>
+                <a:latin typeface="Avenir Black"/>
+                <a:cs typeface="Avenir Black"/>
+              </a:rPr>
+              <a:t>s</a:t>
+            </a:r>
+            <a:r>
+              <a:rPr lang="de-DE" dirty="0" err="1" smtClean="0">
+                <a:solidFill>
+                  <a:srgbClr val="FFFFFF"/>
+                </a:solidFill>
+                <a:latin typeface="Avenir Black"/>
+                <a:cs typeface="Avenir Black"/>
+              </a:rPr>
+              <a:t>ascha.lorenz@contexagon.com</a:t>
+            </a:r>
+            <a:endParaRPr lang="de-DE" dirty="0">
+              <a:solidFill>
+                <a:srgbClr val="FFFFFF"/>
+              </a:solidFill>
+              <a:latin typeface="Avenir Black"/>
+              <a:cs typeface="Avenir Black"/>
+            </a:endParaRPr>
+          </a:p>
+        </p:txBody>
+      </p:sp>
+    </p:spTree>
+    <p:extLst>
+      <p:ext uri="{BB962C8B-B14F-4D97-AF65-F5344CB8AC3E}">
+        <p14:creationId xmlns:p14="http://schemas.microsoft.com/office/powerpoint/2010/main" val="3219298109"/>
       </p:ext>
     </p:extLst>
   </p:cSld>
@@ -10139,21 +12560,7 @@
                 <a:latin typeface="Avenir Book"/>
                 <a:cs typeface="Avenir Book"/>
               </a:rPr>
-              <a:t> bildet Paar aus Key und Value auf Liste von Zwischenergebnissen ab. Für </a:t>
-            </a:r>
-            <a:r>
-              <a:rPr lang="de-DE" dirty="0" smtClean="0">
-                <a:latin typeface="Avenir Book"/>
-                <a:cs typeface="Avenir Book"/>
-              </a:rPr>
-              <a:t>jedes Wertpaar aus  </a:t>
-            </a:r>
-            <a:r>
-              <a:rPr lang="de-DE" dirty="0" smtClean="0">
-                <a:latin typeface="Avenir Book"/>
-                <a:cs typeface="Avenir Book"/>
-              </a:rPr>
-              <a:t>Eingabeliste wird </a:t>
+              <a:t> bildet Paar aus Key und Value auf Liste von Zwischenergebnissen ab. Für jedes Wertpaar aus  Eingabeliste wird </a:t>
             </a:r>
             <a:r>
               <a:rPr lang="de-DE" dirty="0" err="1" smtClean="0">
@@ -10200,21 +12607,7 @@
                 <a:latin typeface="Avenir Book"/>
                 <a:cs typeface="Avenir Book"/>
               </a:rPr>
-              <a:t> </a:t>
-            </a:r>
-            <a:r>
-              <a:rPr lang="de-DE" dirty="0" smtClean="0">
-                <a:latin typeface="Avenir Book"/>
-                <a:cs typeface="Avenir Book"/>
-              </a:rPr>
-              <a:t>nach neuem Schlüssel in Liste gruppiert. Bei verteilten Systemen Datenaustausch über Netzwerk. (deshalb evtl. vorher Combine </a:t>
-            </a:r>
-            <a:r>
-              <a:rPr lang="de-DE" dirty="0" smtClean="0">
-                <a:latin typeface="Avenir Book"/>
-                <a:cs typeface="Avenir Book"/>
-              </a:rPr>
-              <a:t>auf gleichem Knoten wie </a:t>
+              <a:t> nach neuem Schlüssel in Liste gruppiert. Bei verteilten Systemen Datenaustausch über Netzwerk. (deshalb evtl. vorher Combine auf gleichem Knoten wie </a:t>
             </a:r>
             <a:r>
               <a:rPr lang="de-DE" dirty="0" err="1" smtClean="0">
@@ -10230,10 +12623,6 @@
               </a:rPr>
               <a:t>-Funktion)</a:t>
             </a:r>
-            <a:endParaRPr lang="de-DE" dirty="0" smtClean="0">
-              <a:latin typeface="Avenir Book"/>
-              <a:cs typeface="Avenir Book"/>
-            </a:endParaRPr>
           </a:p>
           <a:p>
             <a:r>
@@ -10275,19 +12664,8 @@
                 <a:latin typeface="Avenir Book"/>
                 <a:cs typeface="Avenir Book"/>
               </a:rPr>
-              <a:t>-Funktion. Diese berechnet Ausgabeliste mit Ergebnissen. Ausführung </a:t>
-            </a:r>
-            <a:r>
-              <a:rPr lang="de-DE" dirty="0" smtClean="0">
-                <a:latin typeface="Avenir Book"/>
-                <a:cs typeface="Avenir Book"/>
-              </a:rPr>
-              <a:t>nebenläufig und verteilt.</a:t>
-            </a:r>
-            <a:endParaRPr lang="de-DE" dirty="0" smtClean="0">
-              <a:latin typeface="Avenir Book"/>
-              <a:cs typeface="Avenir Book"/>
-            </a:endParaRPr>
+              <a:t>-Funktion. Diese berechnet Ausgabeliste mit Ergebnissen. Ausführung nebenläufig und verteilt.</a:t>
+            </a:r>
           </a:p>
         </p:txBody>
       </p:sp>
@@ -10387,10 +12765,6 @@
               </a:rPr>
               <a:t>Zwischenergebnisse werden immer persistiert, sind also I/O-Abhängig. </a:t>
             </a:r>
-            <a:endParaRPr lang="de-DE" dirty="0" smtClean="0">
-              <a:latin typeface="Avenir Book"/>
-              <a:cs typeface="Avenir Book"/>
-            </a:endParaRPr>
           </a:p>
           <a:p>
             <a:r>
@@ -10400,25 +12774,14 @@
               </a:rPr>
               <a:t>Kein Problem für große Batch-Jobs wie ETL, Daten-konsolidierung, Datenbereinigung, hingegen problematisch für Streaming-Daten oder interaktive Abfragen</a:t>
             </a:r>
-            <a:endParaRPr lang="de-DE" dirty="0" smtClean="0">
-              <a:latin typeface="Avenir Book"/>
-              <a:cs typeface="Avenir Book"/>
-            </a:endParaRPr>
-          </a:p>
-          <a:p>
-            <a:r>
-              <a:rPr lang="de-DE" dirty="0" smtClean="0">
-                <a:latin typeface="Avenir Book"/>
-                <a:cs typeface="Avenir Book"/>
-              </a:rPr>
-              <a:t>Mittlerweile umfangreiches </a:t>
-            </a:r>
-            <a:r>
-              <a:rPr lang="de-DE" dirty="0" smtClean="0">
-                <a:latin typeface="Avenir Book"/>
-                <a:cs typeface="Avenir Book"/>
-              </a:rPr>
-              <a:t>Ökosystem – dadurch verschiedene Technologie-</a:t>
+          </a:p>
+          <a:p>
+            <a:r>
+              <a:rPr lang="de-DE" dirty="0" smtClean="0">
+                <a:latin typeface="Avenir Book"/>
+                <a:cs typeface="Avenir Book"/>
+              </a:rPr>
+              <a:t>Mittlerweile umfangreiches Ökosystem – dadurch verschiedene Technologie-</a:t>
             </a:r>
             <a:r>
               <a:rPr lang="de-DE" dirty="0" err="1" smtClean="0">
@@ -10434,10 +12797,6 @@
               </a:rPr>
               <a:t> für verschiedene Zwecke, häufig Versionskonflikte, nicht ideal für schnellen Datenaustausch zwischen Paralleljobs</a:t>
             </a:r>
-            <a:endParaRPr lang="de-DE" dirty="0" smtClean="0">
-              <a:latin typeface="Avenir Book"/>
-              <a:cs typeface="Avenir Book"/>
-            </a:endParaRPr>
           </a:p>
         </p:txBody>
       </p:sp>
